--- a/非受控文档/过程文档/需求工程计划/需求工程计划.pptx
+++ b/非受控文档/过程文档/需求工程计划/需求工程计划.pptx
@@ -5,7 +5,7 @@
     <p:sldMasterId id="2147483648" r:id="rId1"/>
   </p:sldMasterIdLst>
   <p:notesMasterIdLst>
-    <p:notesMasterId r:id="rId58"/>
+    <p:notesMasterId r:id="rId59"/>
   </p:notesMasterIdLst>
   <p:sldIdLst>
     <p:sldId id="257" r:id="rId2"/>
@@ -63,7 +63,8 @@
     <p:sldId id="344" r:id="rId54"/>
     <p:sldId id="351" r:id="rId55"/>
     <p:sldId id="352" r:id="rId56"/>
-    <p:sldId id="346" r:id="rId57"/>
+    <p:sldId id="407" r:id="rId57"/>
+    <p:sldId id="346" r:id="rId58"/>
   </p:sldIdLst>
   <p:sldSz cx="12192000" cy="6858000"/>
   <p:notesSz cx="6858000" cy="9144000"/>
@@ -252,7 +253,7 @@
           <a:p>
             <a:fld id="{7F25A8C7-CC1A-4A08-9B4B-31F43B054C7F}" type="datetimeFigureOut">
               <a:rPr lang="zh-CN" altLang="en-US" smtClean="0"/>
-              <a:t>2018/11/1</a:t>
+              <a:t>2018/11/8</a:t>
             </a:fld>
             <a:endParaRPr lang="zh-CN" altLang="en-US"/>
           </a:p>
@@ -647,7 +648,7 @@
           <a:p>
             <a:fld id="{D997B5FA-0921-464F-AAE1-844C04324D75}" type="datetimeFigureOut">
               <a:rPr lang="zh-CN" altLang="en-US" smtClean="0"/>
-              <a:t>2018/11/1</a:t>
+              <a:t>2018/11/8</a:t>
             </a:fld>
             <a:endParaRPr lang="zh-CN" altLang="en-US" dirty="0"/>
           </a:p>
@@ -737,7 +738,7 @@
           <a:p>
             <a:fld id="{760FBDFE-C587-4B4C-A407-44438C67B59E}" type="datetimeFigureOut">
               <a:rPr lang="zh-CN" altLang="en-US" smtClean="0"/>
-              <a:t>2018/11/1</a:t>
+              <a:t>2018/11/8</a:t>
             </a:fld>
             <a:endParaRPr lang="zh-CN" altLang="en-US"/>
           </a:p>
@@ -956,7 +957,7 @@
           <a:p>
             <a:fld id="{698485DF-3FAB-45E9-A642-7745AB3E3AFD}" type="datetimeFigureOut">
               <a:rPr lang="zh-CN" altLang="en-US" smtClean="0"/>
-              <a:t>2018/11/1</a:t>
+              <a:t>2018/11/8</a:t>
             </a:fld>
             <a:endParaRPr lang="zh-CN" altLang="en-US"/>
           </a:p>
@@ -1135,7 +1136,7 @@
           <a:p>
             <a:fld id="{760FBDFE-C587-4B4C-A407-44438C67B59E}" type="datetimeFigureOut">
               <a:rPr lang="zh-CN" altLang="en-US" smtClean="0"/>
-              <a:t>2018/11/1</a:t>
+              <a:t>2018/11/8</a:t>
             </a:fld>
             <a:endParaRPr lang="zh-CN" altLang="en-US" dirty="0"/>
           </a:p>
@@ -1225,7 +1226,7 @@
           <a:p>
             <a:fld id="{20DD7636-5BE1-44BC-BB5F-15739D9E18E1}" type="datetimeFigureOut">
               <a:rPr lang="zh-CN" altLang="en-US" smtClean="0"/>
-              <a:t>2018/11/1</a:t>
+              <a:t>2018/11/8</a:t>
             </a:fld>
             <a:endParaRPr lang="zh-CN" altLang="en-US"/>
           </a:p>
@@ -1482,7 +1483,7 @@
           <a:p>
             <a:fld id="{760FBDFE-C587-4B4C-A407-44438C67B59E}" type="datetimeFigureOut">
               <a:rPr lang="zh-CN" altLang="en-US" smtClean="0"/>
-              <a:t>2018/11/1</a:t>
+              <a:t>2018/11/8</a:t>
             </a:fld>
             <a:endParaRPr lang="zh-CN" altLang="en-US"/>
           </a:p>
@@ -1841,7 +1842,7 @@
           <a:p>
             <a:fld id="{760FBDFE-C587-4B4C-A407-44438C67B59E}" type="datetimeFigureOut">
               <a:rPr lang="zh-CN" altLang="en-US" smtClean="0"/>
-              <a:t>2018/11/1</a:t>
+              <a:t>2018/11/8</a:t>
             </a:fld>
             <a:endParaRPr lang="zh-CN" altLang="en-US"/>
           </a:p>
@@ -1968,7 +1969,7 @@
           <a:p>
             <a:fld id="{20DD7636-5BE1-44BC-BB5F-15739D9E18E1}" type="datetimeFigureOut">
               <a:rPr lang="zh-CN" altLang="en-US" smtClean="0"/>
-              <a:t>2018/11/1</a:t>
+              <a:t>2018/11/8</a:t>
             </a:fld>
             <a:endParaRPr lang="zh-CN" altLang="en-US"/>
           </a:p>
@@ -2097,7 +2098,7 @@
           <a:p>
             <a:fld id="{760FBDFE-C587-4B4C-A407-44438C67B59E}" type="datetimeFigureOut">
               <a:rPr lang="zh-CN" altLang="en-US" smtClean="0"/>
-              <a:t>2018/11/1</a:t>
+              <a:t>2018/11/8</a:t>
             </a:fld>
             <a:endParaRPr lang="zh-CN" altLang="en-US"/>
           </a:p>
@@ -2348,7 +2349,7 @@
           <a:p>
             <a:fld id="{9EFD9D74-47D9-4702-A33C-335B63B48DBF}" type="datetimeFigureOut">
               <a:rPr lang="zh-CN" altLang="en-US" smtClean="0"/>
-              <a:t>2018/11/1</a:t>
+              <a:t>2018/11/8</a:t>
             </a:fld>
             <a:endParaRPr lang="zh-CN" altLang="en-US" dirty="0"/>
           </a:p>
@@ -2527,7 +2528,7 @@
           <a:p>
             <a:fld id="{760FBDFE-C587-4B4C-A407-44438C67B59E}" type="datetimeFigureOut">
               <a:rPr lang="zh-CN" altLang="en-US" smtClean="0"/>
-              <a:t>2018/11/1</a:t>
+              <a:t>2018/11/8</a:t>
             </a:fld>
             <a:endParaRPr lang="zh-CN" altLang="en-US"/>
           </a:p>
@@ -2743,7 +2744,7 @@
           <a:p>
             <a:fld id="{D997B5FA-0921-464F-AAE1-844C04324D75}" type="datetimeFigureOut">
               <a:rPr lang="zh-CN" altLang="en-US" smtClean="0"/>
-              <a:t>2018/11/1</a:t>
+              <a:t>2018/11/8</a:t>
             </a:fld>
             <a:endParaRPr lang="zh-CN" altLang="en-US" dirty="0"/>
           </a:p>
@@ -6517,13 +6518,55 @@
           <a:lstStyle/>
           <a:p>
             <a:r>
-              <a:rPr lang="zh-CN" altLang="en-US" b="1">
+              <a:rPr lang="zh-CN" altLang="en-US" b="1" dirty="0">
                 <a:latin typeface="微软雅黑" panose="020B0503020204020204" pitchFamily="34" charset="-122"/>
                 <a:ea typeface="微软雅黑" panose="020B0503020204020204" pitchFamily="34" charset="-122"/>
                 <a:cs typeface="微软雅黑" panose="020B0503020204020204" pitchFamily="34" charset="-122"/>
               </a:rPr>
               <a:t>4.1第一个版本的范围</a:t>
             </a:r>
+            <a:endParaRPr lang="en-US" altLang="zh-CN" b="1" dirty="0">
+              <a:latin typeface="微软雅黑" panose="020B0503020204020204" pitchFamily="34" charset="-122"/>
+              <a:ea typeface="微软雅黑" panose="020B0503020204020204" pitchFamily="34" charset="-122"/>
+              <a:cs typeface="微软雅黑" panose="020B0503020204020204" pitchFamily="34" charset="-122"/>
+            </a:endParaRPr>
+          </a:p>
+          <a:p>
+            <a:r>
+              <a:rPr lang="zh-CN" altLang="zh-CN" dirty="0"/>
+              <a:t>网页应该能够被四类用户所使用，学生、教师应该能够参与课程，管理员应该能够管理网页过程，游客则是可以浏览课程的相关信息。</a:t>
+            </a:r>
+          </a:p>
+          <a:p>
+            <a:r>
+              <a:rPr lang="zh-CN" altLang="zh-CN" dirty="0"/>
+              <a:t>学生用户模块可以完成登录注册、密码找回，参与、退出一门课程，查看课程信息和教师信息，课件、资料下载，问题留言、自由讨论交流的功能</a:t>
+            </a:r>
+          </a:p>
+          <a:p>
+            <a:r>
+              <a:rPr lang="zh-CN" altLang="zh-CN" dirty="0"/>
+              <a:t>教师用户模块可以完成登录注册，开始、参与一门课程，教师资料的添加、修改，发布消息，答疑学生的问题，指导各个板块的论坛的功能</a:t>
+            </a:r>
+          </a:p>
+          <a:p>
+            <a:r>
+              <a:rPr lang="zh-CN" altLang="zh-CN" dirty="0"/>
+              <a:t>游客用户模块可以完成浏览信息，查看相关链接的功能</a:t>
+            </a:r>
+          </a:p>
+          <a:p>
+            <a:r>
+              <a:rPr lang="zh-CN" altLang="zh-CN" dirty="0"/>
+              <a:t>管理员用户模块可以完成登录，更新友情链接，管理维护网站的功能。</a:t>
+            </a:r>
+          </a:p>
+          <a:p>
+            <a:endParaRPr lang="zh-CN" altLang="en-US" b="1" dirty="0">
+              <a:latin typeface="微软雅黑" panose="020B0503020204020204" pitchFamily="34" charset="-122"/>
+              <a:ea typeface="微软雅黑" panose="020B0503020204020204" pitchFamily="34" charset="-122"/>
+              <a:cs typeface="微软雅黑" panose="020B0503020204020204" pitchFamily="34" charset="-122"/>
+            </a:endParaRPr>
           </a:p>
         </p:txBody>
       </p:sp>
@@ -6623,1825 +6666,6 @@
           </a:p>
         </p:txBody>
       </p:sp>
-      <p:graphicFrame>
-        <p:nvGraphicFramePr>
-          <p:cNvPr id="5" name="表格 4"/>
-          <p:cNvGraphicFramePr/>
-          <p:nvPr/>
-        </p:nvGraphicFramePr>
-        <p:xfrm>
-          <a:off x="1081405" y="1727835"/>
-          <a:ext cx="6522720" cy="4108450"/>
-        </p:xfrm>
-        <a:graphic>
-          <a:graphicData uri="http://schemas.openxmlformats.org/drawingml/2006/table">
-            <a:tbl>
-              <a:tblPr firstRow="1" bandRow="1">
-                <a:tableStyleId>{5940675A-B579-460E-94D1-54222C63F5DA}</a:tableStyleId>
-              </a:tblPr>
-              <a:tblGrid>
-                <a:gridCol w="1855470">
-                  <a:extLst>
-                    <a:ext uri="{9D8B030D-6E8A-4147-A177-3AD203B41FA5}">
-                      <a16:colId xmlns:a16="http://schemas.microsoft.com/office/drawing/2014/main" val="20000"/>
-                    </a:ext>
-                  </a:extLst>
-                </a:gridCol>
-                <a:gridCol w="4667250">
-                  <a:extLst>
-                    <a:ext uri="{9D8B030D-6E8A-4147-A177-3AD203B41FA5}">
-                      <a16:colId xmlns:a16="http://schemas.microsoft.com/office/drawing/2014/main" val="20001"/>
-                    </a:ext>
-                  </a:extLst>
-                </a:gridCol>
-              </a:tblGrid>
-              <a:tr h="711835">
-                <a:tc gridSpan="2">
-                  <a:txBody>
-                    <a:bodyPr/>
-                    <a:lstStyle/>
-                    <a:p>
-                      <a:pPr indent="0" algn="ctr">
-                        <a:buNone/>
-                      </a:pPr>
-                      <a:r>
-                        <a:rPr lang="en-US" sz="1600" b="0">
-                          <a:latin typeface="微软雅黑" panose="020B0503020204020204" pitchFamily="34" charset="-122"/>
-                          <a:ea typeface="微软雅黑" panose="020B0503020204020204" pitchFamily="34" charset="-122"/>
-                          <a:cs typeface="宋体" panose="02010600030101010101" pitchFamily="2" charset="-122"/>
-                        </a:rPr>
-                        <a:t>需求</a:t>
-                      </a:r>
-                      <a:endParaRPr lang="en-US" altLang="en-US" sz="1600" b="0">
-                        <a:latin typeface="微软雅黑" panose="020B0503020204020204" pitchFamily="34" charset="-122"/>
-                        <a:ea typeface="微软雅黑" panose="020B0503020204020204" pitchFamily="34" charset="-122"/>
-                        <a:cs typeface="宋体" panose="02010600030101010101" pitchFamily="2" charset="-122"/>
-                      </a:endParaRPr>
-                    </a:p>
-                  </a:txBody>
-                  <a:tcPr marL="68580" marR="68580" marT="0" marB="0">
-                    <a:lnL w="12700" cap="flat" cmpd="sng">
-                      <a:solidFill>
-                        <a:srgbClr val="080000"/>
-                      </a:solidFill>
-                      <a:prstDash val="solid"/>
-                      <a:headEnd type="none" w="med" len="med"/>
-                      <a:tailEnd type="none" w="med" len="med"/>
-                    </a:lnL>
-                    <a:lnR w="12700" cap="flat" cmpd="sng">
-                      <a:solidFill>
-                        <a:srgbClr val="080000"/>
-                      </a:solidFill>
-                      <a:prstDash val="solid"/>
-                      <a:headEnd type="none" w="med" len="med"/>
-                      <a:tailEnd type="none" w="med" len="med"/>
-                    </a:lnR>
-                    <a:lnT w="12700" cap="flat" cmpd="sng">
-                      <a:solidFill>
-                        <a:srgbClr val="080000"/>
-                      </a:solidFill>
-                      <a:prstDash val="solid"/>
-                      <a:headEnd type="none" w="med" len="med"/>
-                      <a:tailEnd type="none" w="med" len="med"/>
-                    </a:lnT>
-                    <a:lnB w="12700" cap="flat" cmpd="sng">
-                      <a:solidFill>
-                        <a:srgbClr val="080000"/>
-                      </a:solidFill>
-                      <a:prstDash val="solid"/>
-                      <a:headEnd type="none" w="med" len="med"/>
-                      <a:tailEnd type="none" w="med" len="med"/>
-                    </a:lnB>
-                    <a:lnTlToBr>
-                      <a:noFill/>
-                    </a:lnTlToBr>
-                    <a:lnBlToTr>
-                      <a:noFill/>
-                    </a:lnBlToTr>
-                    <a:noFill/>
-                  </a:tcPr>
-                </a:tc>
-                <a:tc hMerge="1">
-                  <a:txBody>
-                    <a:bodyPr/>
-                    <a:lstStyle/>
-                    <a:p>
-                      <a:endParaRPr lang="zh-CN"/>
-                    </a:p>
-                  </a:txBody>
-                  <a:tcPr>
-                    <a:lnR w="12700" cap="flat" cmpd="sng">
-                      <a:solidFill>
-                        <a:srgbClr val="080000"/>
-                      </a:solidFill>
-                      <a:prstDash val="solid"/>
-                      <a:headEnd type="none" w="med" len="med"/>
-                      <a:tailEnd type="none" w="med" len="med"/>
-                    </a:lnR>
-                    <a:lnT w="12700" cap="flat" cmpd="sng">
-                      <a:solidFill>
-                        <a:srgbClr val="080000"/>
-                      </a:solidFill>
-                      <a:prstDash val="solid"/>
-                      <a:headEnd type="none" w="med" len="med"/>
-                      <a:tailEnd type="none" w="med" len="med"/>
-                    </a:lnT>
-                    <a:lnB w="12700" cap="flat" cmpd="sng">
-                      <a:solidFill>
-                        <a:srgbClr val="080000"/>
-                      </a:solidFill>
-                      <a:prstDash val="solid"/>
-                      <a:headEnd type="none" w="med" len="med"/>
-                      <a:tailEnd type="none" w="med" len="med"/>
-                    </a:lnB>
-                  </a:tcPr>
-                </a:tc>
-                <a:extLst>
-                  <a:ext uri="{0D108BD9-81ED-4DB2-BD59-A6C34878D82A}">
-                    <a16:rowId xmlns:a16="http://schemas.microsoft.com/office/drawing/2014/main" val="10000"/>
-                  </a:ext>
-                </a:extLst>
-              </a:tr>
-              <a:tr h="274955">
-                <a:tc>
-                  <a:txBody>
-                    <a:bodyPr/>
-                    <a:lstStyle/>
-                    <a:p>
-                      <a:pPr indent="0" algn="ctr">
-                        <a:buNone/>
-                      </a:pPr>
-                      <a:r>
-                        <a:rPr lang="en-US" sz="1000" b="0">
-                          <a:latin typeface="微软雅黑" panose="020B0503020204020204" pitchFamily="34" charset="-122"/>
-                          <a:ea typeface="微软雅黑" panose="020B0503020204020204" pitchFamily="34" charset="-122"/>
-                          <a:cs typeface="宋体" panose="02010600030101010101" pitchFamily="2" charset="-122"/>
-                        </a:rPr>
-                        <a:t>标号</a:t>
-                      </a:r>
-                      <a:endParaRPr lang="en-US" altLang="en-US" sz="1000" b="0">
-                        <a:latin typeface="微软雅黑" panose="020B0503020204020204" pitchFamily="34" charset="-122"/>
-                        <a:ea typeface="微软雅黑" panose="020B0503020204020204" pitchFamily="34" charset="-122"/>
-                        <a:cs typeface="宋体" panose="02010600030101010101" pitchFamily="2" charset="-122"/>
-                      </a:endParaRPr>
-                    </a:p>
-                  </a:txBody>
-                  <a:tcPr marL="68580" marR="68580" marT="0" marB="0">
-                    <a:lnL w="12700" cap="flat" cmpd="sng">
-                      <a:solidFill>
-                        <a:srgbClr val="080000"/>
-                      </a:solidFill>
-                      <a:prstDash val="solid"/>
-                      <a:headEnd type="none" w="med" len="med"/>
-                      <a:tailEnd type="none" w="med" len="med"/>
-                    </a:lnL>
-                    <a:lnR w="12700" cap="flat" cmpd="sng">
-                      <a:solidFill>
-                        <a:srgbClr val="080000"/>
-                      </a:solidFill>
-                      <a:prstDash val="solid"/>
-                      <a:headEnd type="none" w="med" len="med"/>
-                      <a:tailEnd type="none" w="med" len="med"/>
-                    </a:lnR>
-                    <a:lnT w="12700" cap="flat" cmpd="sng">
-                      <a:solidFill>
-                        <a:srgbClr val="080000"/>
-                      </a:solidFill>
-                      <a:prstDash val="solid"/>
-                      <a:headEnd type="none" w="med" len="med"/>
-                      <a:tailEnd type="none" w="med" len="med"/>
-                    </a:lnT>
-                    <a:lnB w="12700" cap="flat" cmpd="sng">
-                      <a:solidFill>
-                        <a:srgbClr val="080000"/>
-                      </a:solidFill>
-                      <a:prstDash val="solid"/>
-                      <a:headEnd type="none" w="med" len="med"/>
-                      <a:tailEnd type="none" w="med" len="med"/>
-                    </a:lnB>
-                    <a:lnTlToBr>
-                      <a:noFill/>
-                    </a:lnTlToBr>
-                    <a:lnBlToTr>
-                      <a:noFill/>
-                    </a:lnBlToTr>
-                    <a:noFill/>
-                  </a:tcPr>
-                </a:tc>
-                <a:tc>
-                  <a:txBody>
-                    <a:bodyPr/>
-                    <a:lstStyle/>
-                    <a:p>
-                      <a:pPr indent="0" algn="ctr">
-                        <a:buNone/>
-                      </a:pPr>
-                      <a:r>
-                        <a:rPr lang="en-US" sz="1000" b="0">
-                          <a:latin typeface="微软雅黑" panose="020B0503020204020204" pitchFamily="34" charset="-122"/>
-                          <a:ea typeface="微软雅黑" panose="020B0503020204020204" pitchFamily="34" charset="-122"/>
-                          <a:cs typeface="宋体" panose="02010600030101010101" pitchFamily="2" charset="-122"/>
-                        </a:rPr>
-                        <a:t>需求描述</a:t>
-                      </a:r>
-                      <a:endParaRPr lang="en-US" altLang="en-US" sz="1000" b="0">
-                        <a:latin typeface="微软雅黑" panose="020B0503020204020204" pitchFamily="34" charset="-122"/>
-                        <a:ea typeface="微软雅黑" panose="020B0503020204020204" pitchFamily="34" charset="-122"/>
-                        <a:cs typeface="宋体" panose="02010600030101010101" pitchFamily="2" charset="-122"/>
-                      </a:endParaRPr>
-                    </a:p>
-                  </a:txBody>
-                  <a:tcPr marL="68580" marR="68580" marT="0" marB="0">
-                    <a:lnL w="12700" cap="flat" cmpd="sng">
-                      <a:solidFill>
-                        <a:srgbClr val="080000"/>
-                      </a:solidFill>
-                      <a:prstDash val="solid"/>
-                      <a:headEnd type="none" w="med" len="med"/>
-                      <a:tailEnd type="none" w="med" len="med"/>
-                    </a:lnL>
-                    <a:lnR w="12700" cap="flat" cmpd="sng">
-                      <a:solidFill>
-                        <a:srgbClr val="080000"/>
-                      </a:solidFill>
-                      <a:prstDash val="solid"/>
-                      <a:headEnd type="none" w="med" len="med"/>
-                      <a:tailEnd type="none" w="med" len="med"/>
-                    </a:lnR>
-                    <a:lnT w="12700" cap="flat" cmpd="sng">
-                      <a:solidFill>
-                        <a:srgbClr val="080000"/>
-                      </a:solidFill>
-                      <a:prstDash val="solid"/>
-                      <a:headEnd type="none" w="med" len="med"/>
-                      <a:tailEnd type="none" w="med" len="med"/>
-                    </a:lnT>
-                    <a:lnB w="12700" cap="flat" cmpd="sng">
-                      <a:solidFill>
-                        <a:srgbClr val="080000"/>
-                      </a:solidFill>
-                      <a:prstDash val="solid"/>
-                      <a:headEnd type="none" w="med" len="med"/>
-                      <a:tailEnd type="none" w="med" len="med"/>
-                    </a:lnB>
-                    <a:lnTlToBr>
-                      <a:noFill/>
-                    </a:lnTlToBr>
-                    <a:lnBlToTr>
-                      <a:noFill/>
-                    </a:lnBlToTr>
-                    <a:noFill/>
-                  </a:tcPr>
-                </a:tc>
-                <a:extLst>
-                  <a:ext uri="{0D108BD9-81ED-4DB2-BD59-A6C34878D82A}">
-                    <a16:rowId xmlns:a16="http://schemas.microsoft.com/office/drawing/2014/main" val="10001"/>
-                  </a:ext>
-                </a:extLst>
-              </a:tr>
-              <a:tr h="275590">
-                <a:tc>
-                  <a:txBody>
-                    <a:bodyPr/>
-                    <a:lstStyle/>
-                    <a:p>
-                      <a:pPr indent="0" algn="ctr">
-                        <a:buNone/>
-                      </a:pPr>
-                      <a:r>
-                        <a:rPr lang="en-US" sz="1000" b="0">
-                          <a:latin typeface="微软雅黑" panose="020B0503020204020204" pitchFamily="34" charset="-122"/>
-                          <a:ea typeface="微软雅黑" panose="020B0503020204020204" pitchFamily="34" charset="-122"/>
-                          <a:cs typeface="Times New Roman" panose="02020603050405020304" pitchFamily="18" charset="0"/>
-                        </a:rPr>
-                        <a:t>EduWeb-AddL</a:t>
-                      </a:r>
-                      <a:endParaRPr lang="en-US" altLang="en-US" sz="1000" b="0">
-                        <a:latin typeface="微软雅黑" panose="020B0503020204020204" pitchFamily="34" charset="-122"/>
-                        <a:ea typeface="微软雅黑" panose="020B0503020204020204" pitchFamily="34" charset="-122"/>
-                        <a:cs typeface="Times New Roman" panose="02020603050405020304" pitchFamily="18" charset="0"/>
-                      </a:endParaRPr>
-                    </a:p>
-                  </a:txBody>
-                  <a:tcPr marL="68580" marR="68580" marT="0" marB="0">
-                    <a:lnL w="12700" cap="flat" cmpd="sng">
-                      <a:solidFill>
-                        <a:srgbClr val="080000"/>
-                      </a:solidFill>
-                      <a:prstDash val="solid"/>
-                      <a:headEnd type="none" w="med" len="med"/>
-                      <a:tailEnd type="none" w="med" len="med"/>
-                    </a:lnL>
-                    <a:lnR w="12700" cap="flat" cmpd="sng">
-                      <a:solidFill>
-                        <a:srgbClr val="080000"/>
-                      </a:solidFill>
-                      <a:prstDash val="solid"/>
-                      <a:headEnd type="none" w="med" len="med"/>
-                      <a:tailEnd type="none" w="med" len="med"/>
-                    </a:lnR>
-                    <a:lnT w="12700" cap="flat" cmpd="sng">
-                      <a:solidFill>
-                        <a:srgbClr val="080000"/>
-                      </a:solidFill>
-                      <a:prstDash val="solid"/>
-                      <a:headEnd type="none" w="med" len="med"/>
-                      <a:tailEnd type="none" w="med" len="med"/>
-                    </a:lnT>
-                    <a:lnB w="12700" cap="flat" cmpd="sng">
-                      <a:solidFill>
-                        <a:srgbClr val="080000"/>
-                      </a:solidFill>
-                      <a:prstDash val="solid"/>
-                      <a:headEnd type="none" w="med" len="med"/>
-                      <a:tailEnd type="none" w="med" len="med"/>
-                    </a:lnB>
-                    <a:lnTlToBr>
-                      <a:noFill/>
-                    </a:lnTlToBr>
-                    <a:lnBlToTr>
-                      <a:noFill/>
-                    </a:lnBlToTr>
-                    <a:noFill/>
-                  </a:tcPr>
-                </a:tc>
-                <a:tc>
-                  <a:txBody>
-                    <a:bodyPr/>
-                    <a:lstStyle/>
-                    <a:p>
-                      <a:pPr indent="0">
-                        <a:buNone/>
-                      </a:pPr>
-                      <a:r>
-                        <a:rPr lang="en-US" sz="1000" b="0">
-                          <a:latin typeface="微软雅黑" panose="020B0503020204020204" pitchFamily="34" charset="-122"/>
-                          <a:ea typeface="微软雅黑" panose="020B0503020204020204" pitchFamily="34" charset="-122"/>
-                          <a:cs typeface="宋体" panose="02010600030101010101" pitchFamily="2" charset="-122"/>
-                        </a:rPr>
-                        <a:t>添加课程</a:t>
-                      </a:r>
-                      <a:endParaRPr lang="en-US" altLang="en-US" sz="1000" b="0">
-                        <a:latin typeface="微软雅黑" panose="020B0503020204020204" pitchFamily="34" charset="-122"/>
-                        <a:ea typeface="微软雅黑" panose="020B0503020204020204" pitchFamily="34" charset="-122"/>
-                        <a:cs typeface="宋体" panose="02010600030101010101" pitchFamily="2" charset="-122"/>
-                      </a:endParaRPr>
-                    </a:p>
-                  </a:txBody>
-                  <a:tcPr marL="68580" marR="68580" marT="0" marB="0">
-                    <a:lnL w="12700" cap="flat" cmpd="sng">
-                      <a:solidFill>
-                        <a:srgbClr val="080000"/>
-                      </a:solidFill>
-                      <a:prstDash val="solid"/>
-                      <a:headEnd type="none" w="med" len="med"/>
-                      <a:tailEnd type="none" w="med" len="med"/>
-                    </a:lnL>
-                    <a:lnR w="12700" cap="flat" cmpd="sng">
-                      <a:solidFill>
-                        <a:srgbClr val="080000"/>
-                      </a:solidFill>
-                      <a:prstDash val="solid"/>
-                      <a:headEnd type="none" w="med" len="med"/>
-                      <a:tailEnd type="none" w="med" len="med"/>
-                    </a:lnR>
-                    <a:lnT w="12700" cap="flat" cmpd="sng">
-                      <a:solidFill>
-                        <a:srgbClr val="080000"/>
-                      </a:solidFill>
-                      <a:prstDash val="solid"/>
-                      <a:headEnd type="none" w="med" len="med"/>
-                      <a:tailEnd type="none" w="med" len="med"/>
-                    </a:lnT>
-                    <a:lnB w="12700" cap="flat" cmpd="sng">
-                      <a:solidFill>
-                        <a:srgbClr val="080000"/>
-                      </a:solidFill>
-                      <a:prstDash val="solid"/>
-                      <a:headEnd type="none" w="med" len="med"/>
-                      <a:tailEnd type="none" w="med" len="med"/>
-                    </a:lnB>
-                    <a:lnTlToBr>
-                      <a:noFill/>
-                    </a:lnTlToBr>
-                    <a:lnBlToTr>
-                      <a:noFill/>
-                    </a:lnBlToTr>
-                    <a:noFill/>
-                  </a:tcPr>
-                </a:tc>
-                <a:extLst>
-                  <a:ext uri="{0D108BD9-81ED-4DB2-BD59-A6C34878D82A}">
-                    <a16:rowId xmlns:a16="http://schemas.microsoft.com/office/drawing/2014/main" val="10002"/>
-                  </a:ext>
-                </a:extLst>
-              </a:tr>
-              <a:tr h="367665">
-                <a:tc>
-                  <a:txBody>
-                    <a:bodyPr/>
-                    <a:lstStyle/>
-                    <a:p>
-                      <a:pPr indent="0" algn="ctr">
-                        <a:buNone/>
-                      </a:pPr>
-                      <a:r>
-                        <a:rPr lang="en-US" sz="1000" b="0">
-                          <a:latin typeface="微软雅黑" panose="020B0503020204020204" pitchFamily="34" charset="-122"/>
-                          <a:ea typeface="微软雅黑" panose="020B0503020204020204" pitchFamily="34" charset="-122"/>
-                          <a:cs typeface="Times New Roman" panose="02020603050405020304" pitchFamily="18" charset="0"/>
-                        </a:rPr>
-                        <a:t>EduWeb-Lesson</a:t>
-                      </a:r>
-                      <a:endParaRPr lang="en-US" altLang="en-US" sz="1000" b="0">
-                        <a:latin typeface="微软雅黑" panose="020B0503020204020204" pitchFamily="34" charset="-122"/>
-                        <a:ea typeface="微软雅黑" panose="020B0503020204020204" pitchFamily="34" charset="-122"/>
-                        <a:cs typeface="Times New Roman" panose="02020603050405020304" pitchFamily="18" charset="0"/>
-                      </a:endParaRPr>
-                    </a:p>
-                  </a:txBody>
-                  <a:tcPr marL="68580" marR="68580" marT="0" marB="0">
-                    <a:lnL w="12700" cap="flat" cmpd="sng">
-                      <a:solidFill>
-                        <a:srgbClr val="080000"/>
-                      </a:solidFill>
-                      <a:prstDash val="solid"/>
-                      <a:headEnd type="none" w="med" len="med"/>
-                      <a:tailEnd type="none" w="med" len="med"/>
-                    </a:lnL>
-                    <a:lnR w="12700" cap="flat" cmpd="sng">
-                      <a:solidFill>
-                        <a:srgbClr val="080000"/>
-                      </a:solidFill>
-                      <a:prstDash val="solid"/>
-                      <a:headEnd type="none" w="med" len="med"/>
-                      <a:tailEnd type="none" w="med" len="med"/>
-                    </a:lnR>
-                    <a:lnT w="12700" cap="flat" cmpd="sng">
-                      <a:solidFill>
-                        <a:srgbClr val="080000"/>
-                      </a:solidFill>
-                      <a:prstDash val="solid"/>
-                      <a:headEnd type="none" w="med" len="med"/>
-                      <a:tailEnd type="none" w="med" len="med"/>
-                    </a:lnT>
-                    <a:lnB w="12700" cap="flat" cmpd="sng">
-                      <a:solidFill>
-                        <a:srgbClr val="080000"/>
-                      </a:solidFill>
-                      <a:prstDash val="solid"/>
-                      <a:headEnd type="none" w="med" len="med"/>
-                      <a:tailEnd type="none" w="med" len="med"/>
-                    </a:lnB>
-                    <a:lnTlToBr>
-                      <a:noFill/>
-                    </a:lnTlToBr>
-                    <a:lnBlToTr>
-                      <a:noFill/>
-                    </a:lnBlToTr>
-                    <a:noFill/>
-                  </a:tcPr>
-                </a:tc>
-                <a:tc>
-                  <a:txBody>
-                    <a:bodyPr/>
-                    <a:lstStyle/>
-                    <a:p>
-                      <a:pPr indent="0">
-                        <a:buNone/>
-                      </a:pPr>
-                      <a:r>
-                        <a:rPr lang="en-US" sz="1000" b="0">
-                          <a:latin typeface="微软雅黑" panose="020B0503020204020204" pitchFamily="34" charset="-122"/>
-                          <a:ea typeface="微软雅黑" panose="020B0503020204020204" pitchFamily="34" charset="-122"/>
-                          <a:cs typeface="宋体" panose="02010600030101010101" pitchFamily="2" charset="-122"/>
-                        </a:rPr>
-                        <a:t>课程信息详细介绍</a:t>
-                      </a:r>
-                      <a:endParaRPr lang="en-US" altLang="en-US" sz="1000" b="0">
-                        <a:latin typeface="微软雅黑" panose="020B0503020204020204" pitchFamily="34" charset="-122"/>
-                        <a:ea typeface="微软雅黑" panose="020B0503020204020204" pitchFamily="34" charset="-122"/>
-                        <a:cs typeface="宋体" panose="02010600030101010101" pitchFamily="2" charset="-122"/>
-                      </a:endParaRPr>
-                    </a:p>
-                  </a:txBody>
-                  <a:tcPr marL="68580" marR="68580" marT="0" marB="0">
-                    <a:lnL w="12700" cap="flat" cmpd="sng">
-                      <a:solidFill>
-                        <a:srgbClr val="080000"/>
-                      </a:solidFill>
-                      <a:prstDash val="solid"/>
-                      <a:headEnd type="none" w="med" len="med"/>
-                      <a:tailEnd type="none" w="med" len="med"/>
-                    </a:lnL>
-                    <a:lnR w="12700" cap="flat" cmpd="sng">
-                      <a:solidFill>
-                        <a:srgbClr val="080000"/>
-                      </a:solidFill>
-                      <a:prstDash val="solid"/>
-                      <a:headEnd type="none" w="med" len="med"/>
-                      <a:tailEnd type="none" w="med" len="med"/>
-                    </a:lnR>
-                    <a:lnT w="12700" cap="flat" cmpd="sng">
-                      <a:solidFill>
-                        <a:srgbClr val="080000"/>
-                      </a:solidFill>
-                      <a:prstDash val="solid"/>
-                      <a:headEnd type="none" w="med" len="med"/>
-                      <a:tailEnd type="none" w="med" len="med"/>
-                    </a:lnT>
-                    <a:lnB w="12700" cap="flat" cmpd="sng">
-                      <a:solidFill>
-                        <a:srgbClr val="080000"/>
-                      </a:solidFill>
-                      <a:prstDash val="solid"/>
-                      <a:headEnd type="none" w="med" len="med"/>
-                      <a:tailEnd type="none" w="med" len="med"/>
-                    </a:lnB>
-                    <a:lnTlToBr>
-                      <a:noFill/>
-                    </a:lnTlToBr>
-                    <a:lnBlToTr>
-                      <a:noFill/>
-                    </a:lnBlToTr>
-                    <a:noFill/>
-                  </a:tcPr>
-                </a:tc>
-                <a:extLst>
-                  <a:ext uri="{0D108BD9-81ED-4DB2-BD59-A6C34878D82A}">
-                    <a16:rowId xmlns:a16="http://schemas.microsoft.com/office/drawing/2014/main" val="10003"/>
-                  </a:ext>
-                </a:extLst>
-              </a:tr>
-              <a:tr h="274955">
-                <a:tc>
-                  <a:txBody>
-                    <a:bodyPr/>
-                    <a:lstStyle/>
-                    <a:p>
-                      <a:pPr indent="0" algn="ctr">
-                        <a:buNone/>
-                      </a:pPr>
-                      <a:r>
-                        <a:rPr lang="en-US" sz="1000" b="0">
-                          <a:latin typeface="微软雅黑" panose="020B0503020204020204" pitchFamily="34" charset="-122"/>
-                          <a:ea typeface="微软雅黑" panose="020B0503020204020204" pitchFamily="34" charset="-122"/>
-                          <a:cs typeface="Times New Roman" panose="02020603050405020304" pitchFamily="18" charset="0"/>
-                        </a:rPr>
-                        <a:t>EduWeb-Teacher</a:t>
-                      </a:r>
-                      <a:endParaRPr lang="en-US" altLang="en-US" sz="1000" b="0">
-                        <a:latin typeface="微软雅黑" panose="020B0503020204020204" pitchFamily="34" charset="-122"/>
-                        <a:ea typeface="微软雅黑" panose="020B0503020204020204" pitchFamily="34" charset="-122"/>
-                        <a:cs typeface="Times New Roman" panose="02020603050405020304" pitchFamily="18" charset="0"/>
-                      </a:endParaRPr>
-                    </a:p>
-                  </a:txBody>
-                  <a:tcPr marL="68580" marR="68580" marT="0" marB="0">
-                    <a:lnL w="12700" cap="flat" cmpd="sng">
-                      <a:solidFill>
-                        <a:srgbClr val="080000"/>
-                      </a:solidFill>
-                      <a:prstDash val="solid"/>
-                      <a:headEnd type="none" w="med" len="med"/>
-                      <a:tailEnd type="none" w="med" len="med"/>
-                    </a:lnL>
-                    <a:lnR w="12700" cap="flat" cmpd="sng">
-                      <a:solidFill>
-                        <a:srgbClr val="080000"/>
-                      </a:solidFill>
-                      <a:prstDash val="solid"/>
-                      <a:headEnd type="none" w="med" len="med"/>
-                      <a:tailEnd type="none" w="med" len="med"/>
-                    </a:lnR>
-                    <a:lnT w="12700" cap="flat" cmpd="sng">
-                      <a:solidFill>
-                        <a:srgbClr val="080000"/>
-                      </a:solidFill>
-                      <a:prstDash val="solid"/>
-                      <a:headEnd type="none" w="med" len="med"/>
-                      <a:tailEnd type="none" w="med" len="med"/>
-                    </a:lnT>
-                    <a:lnB w="12700" cap="flat" cmpd="sng">
-                      <a:solidFill>
-                        <a:srgbClr val="080000"/>
-                      </a:solidFill>
-                      <a:prstDash val="solid"/>
-                      <a:headEnd type="none" w="med" len="med"/>
-                      <a:tailEnd type="none" w="med" len="med"/>
-                    </a:lnB>
-                    <a:lnTlToBr>
-                      <a:noFill/>
-                    </a:lnTlToBr>
-                    <a:lnBlToTr>
-                      <a:noFill/>
-                    </a:lnBlToTr>
-                    <a:noFill/>
-                  </a:tcPr>
-                </a:tc>
-                <a:tc>
-                  <a:txBody>
-                    <a:bodyPr/>
-                    <a:lstStyle/>
-                    <a:p>
-                      <a:pPr indent="0">
-                        <a:buNone/>
-                      </a:pPr>
-                      <a:r>
-                        <a:rPr lang="en-US" sz="1000" b="0">
-                          <a:latin typeface="微软雅黑" panose="020B0503020204020204" pitchFamily="34" charset="-122"/>
-                          <a:ea typeface="微软雅黑" panose="020B0503020204020204" pitchFamily="34" charset="-122"/>
-                          <a:cs typeface="宋体" panose="02010600030101010101" pitchFamily="2" charset="-122"/>
-                        </a:rPr>
-                        <a:t>教师信息详细介绍</a:t>
-                      </a:r>
-                      <a:endParaRPr lang="en-US" altLang="en-US" sz="1000" b="0">
-                        <a:latin typeface="微软雅黑" panose="020B0503020204020204" pitchFamily="34" charset="-122"/>
-                        <a:ea typeface="微软雅黑" panose="020B0503020204020204" pitchFamily="34" charset="-122"/>
-                        <a:cs typeface="宋体" panose="02010600030101010101" pitchFamily="2" charset="-122"/>
-                      </a:endParaRPr>
-                    </a:p>
-                  </a:txBody>
-                  <a:tcPr marL="68580" marR="68580" marT="0" marB="0">
-                    <a:lnL w="12700" cap="flat" cmpd="sng">
-                      <a:solidFill>
-                        <a:srgbClr val="080000"/>
-                      </a:solidFill>
-                      <a:prstDash val="solid"/>
-                      <a:headEnd type="none" w="med" len="med"/>
-                      <a:tailEnd type="none" w="med" len="med"/>
-                    </a:lnL>
-                    <a:lnR w="12700" cap="flat" cmpd="sng">
-                      <a:solidFill>
-                        <a:srgbClr val="080000"/>
-                      </a:solidFill>
-                      <a:prstDash val="solid"/>
-                      <a:headEnd type="none" w="med" len="med"/>
-                      <a:tailEnd type="none" w="med" len="med"/>
-                    </a:lnR>
-                    <a:lnT w="12700" cap="flat" cmpd="sng">
-                      <a:solidFill>
-                        <a:srgbClr val="080000"/>
-                      </a:solidFill>
-                      <a:prstDash val="solid"/>
-                      <a:headEnd type="none" w="med" len="med"/>
-                      <a:tailEnd type="none" w="med" len="med"/>
-                    </a:lnT>
-                    <a:lnB w="12700" cap="flat" cmpd="sng">
-                      <a:solidFill>
-                        <a:srgbClr val="080000"/>
-                      </a:solidFill>
-                      <a:prstDash val="solid"/>
-                      <a:headEnd type="none" w="med" len="med"/>
-                      <a:tailEnd type="none" w="med" len="med"/>
-                    </a:lnB>
-                    <a:lnTlToBr>
-                      <a:noFill/>
-                    </a:lnTlToBr>
-                    <a:lnBlToTr>
-                      <a:noFill/>
-                    </a:lnBlToTr>
-                    <a:noFill/>
-                  </a:tcPr>
-                </a:tc>
-                <a:extLst>
-                  <a:ext uri="{0D108BD9-81ED-4DB2-BD59-A6C34878D82A}">
-                    <a16:rowId xmlns:a16="http://schemas.microsoft.com/office/drawing/2014/main" val="10004"/>
-                  </a:ext>
-                </a:extLst>
-              </a:tr>
-              <a:tr h="274955">
-                <a:tc>
-                  <a:txBody>
-                    <a:bodyPr/>
-                    <a:lstStyle/>
-                    <a:p>
-                      <a:pPr indent="0" algn="ctr">
-                        <a:buNone/>
-                      </a:pPr>
-                      <a:r>
-                        <a:rPr lang="en-US" sz="1000" b="0">
-                          <a:latin typeface="微软雅黑" panose="020B0503020204020204" pitchFamily="34" charset="-122"/>
-                          <a:ea typeface="微软雅黑" panose="020B0503020204020204" pitchFamily="34" charset="-122"/>
-                          <a:cs typeface="Times New Roman" panose="02020603050405020304" pitchFamily="18" charset="0"/>
-                        </a:rPr>
-                        <a:t>EduWeb-MinAndOut</a:t>
-                      </a:r>
-                      <a:endParaRPr lang="en-US" altLang="en-US" sz="1000" b="0">
-                        <a:latin typeface="微软雅黑" panose="020B0503020204020204" pitchFamily="34" charset="-122"/>
-                        <a:ea typeface="微软雅黑" panose="020B0503020204020204" pitchFamily="34" charset="-122"/>
-                        <a:cs typeface="Times New Roman" panose="02020603050405020304" pitchFamily="18" charset="0"/>
-                      </a:endParaRPr>
-                    </a:p>
-                  </a:txBody>
-                  <a:tcPr marL="68580" marR="68580" marT="0" marB="0">
-                    <a:lnL w="12700" cap="flat" cmpd="sng">
-                      <a:solidFill>
-                        <a:srgbClr val="080000"/>
-                      </a:solidFill>
-                      <a:prstDash val="solid"/>
-                      <a:headEnd type="none" w="med" len="med"/>
-                      <a:tailEnd type="none" w="med" len="med"/>
-                    </a:lnL>
-                    <a:lnR w="12700" cap="flat" cmpd="sng">
-                      <a:solidFill>
-                        <a:srgbClr val="080000"/>
-                      </a:solidFill>
-                      <a:prstDash val="solid"/>
-                      <a:headEnd type="none" w="med" len="med"/>
-                      <a:tailEnd type="none" w="med" len="med"/>
-                    </a:lnR>
-                    <a:lnT w="12700" cap="flat" cmpd="sng">
-                      <a:solidFill>
-                        <a:srgbClr val="080000"/>
-                      </a:solidFill>
-                      <a:prstDash val="solid"/>
-                      <a:headEnd type="none" w="med" len="med"/>
-                      <a:tailEnd type="none" w="med" len="med"/>
-                    </a:lnT>
-                    <a:lnB w="12700" cap="flat" cmpd="sng">
-                      <a:solidFill>
-                        <a:srgbClr val="080000"/>
-                      </a:solidFill>
-                      <a:prstDash val="solid"/>
-                      <a:headEnd type="none" w="med" len="med"/>
-                      <a:tailEnd type="none" w="med" len="med"/>
-                    </a:lnB>
-                    <a:lnTlToBr>
-                      <a:noFill/>
-                    </a:lnTlToBr>
-                    <a:lnBlToTr>
-                      <a:noFill/>
-                    </a:lnBlToTr>
-                    <a:noFill/>
-                  </a:tcPr>
-                </a:tc>
-                <a:tc>
-                  <a:txBody>
-                    <a:bodyPr/>
-                    <a:lstStyle/>
-                    <a:p>
-                      <a:pPr indent="0">
-                        <a:buNone/>
-                      </a:pPr>
-                      <a:r>
-                        <a:rPr lang="en-US" sz="1000" b="0">
-                          <a:latin typeface="微软雅黑" panose="020B0503020204020204" pitchFamily="34" charset="-122"/>
-                          <a:ea typeface="微软雅黑" panose="020B0503020204020204" pitchFamily="34" charset="-122"/>
-                          <a:cs typeface="宋体" panose="02010600030101010101" pitchFamily="2" charset="-122"/>
-                        </a:rPr>
-                        <a:t>管理员注册登录</a:t>
-                      </a:r>
-                      <a:endParaRPr lang="en-US" altLang="en-US" sz="1000" b="0">
-                        <a:latin typeface="微软雅黑" panose="020B0503020204020204" pitchFamily="34" charset="-122"/>
-                        <a:ea typeface="微软雅黑" panose="020B0503020204020204" pitchFamily="34" charset="-122"/>
-                        <a:cs typeface="宋体" panose="02010600030101010101" pitchFamily="2" charset="-122"/>
-                      </a:endParaRPr>
-                    </a:p>
-                  </a:txBody>
-                  <a:tcPr marL="68580" marR="68580" marT="0" marB="0">
-                    <a:lnL w="12700" cap="flat" cmpd="sng">
-                      <a:solidFill>
-                        <a:srgbClr val="080000"/>
-                      </a:solidFill>
-                      <a:prstDash val="solid"/>
-                      <a:headEnd type="none" w="med" len="med"/>
-                      <a:tailEnd type="none" w="med" len="med"/>
-                    </a:lnL>
-                    <a:lnR w="12700" cap="flat" cmpd="sng">
-                      <a:solidFill>
-                        <a:srgbClr val="080000"/>
-                      </a:solidFill>
-                      <a:prstDash val="solid"/>
-                      <a:headEnd type="none" w="med" len="med"/>
-                      <a:tailEnd type="none" w="med" len="med"/>
-                    </a:lnR>
-                    <a:lnT w="12700" cap="flat" cmpd="sng">
-                      <a:solidFill>
-                        <a:srgbClr val="080000"/>
-                      </a:solidFill>
-                      <a:prstDash val="solid"/>
-                      <a:headEnd type="none" w="med" len="med"/>
-                      <a:tailEnd type="none" w="med" len="med"/>
-                    </a:lnT>
-                    <a:lnB w="12700" cap="flat" cmpd="sng">
-                      <a:solidFill>
-                        <a:srgbClr val="080000"/>
-                      </a:solidFill>
-                      <a:prstDash val="solid"/>
-                      <a:headEnd type="none" w="med" len="med"/>
-                      <a:tailEnd type="none" w="med" len="med"/>
-                    </a:lnB>
-                    <a:lnTlToBr>
-                      <a:noFill/>
-                    </a:lnTlToBr>
-                    <a:lnBlToTr>
-                      <a:noFill/>
-                    </a:lnBlToTr>
-                    <a:noFill/>
-                  </a:tcPr>
-                </a:tc>
-                <a:extLst>
-                  <a:ext uri="{0D108BD9-81ED-4DB2-BD59-A6C34878D82A}">
-                    <a16:rowId xmlns:a16="http://schemas.microsoft.com/office/drawing/2014/main" val="10005"/>
-                  </a:ext>
-                </a:extLst>
-              </a:tr>
-              <a:tr h="276225">
-                <a:tc>
-                  <a:txBody>
-                    <a:bodyPr/>
-                    <a:lstStyle/>
-                    <a:p>
-                      <a:pPr indent="0" algn="ctr">
-                        <a:buNone/>
-                      </a:pPr>
-                      <a:r>
-                        <a:rPr lang="en-US" sz="1000" b="0">
-                          <a:latin typeface="微软雅黑" panose="020B0503020204020204" pitchFamily="34" charset="-122"/>
-                          <a:ea typeface="微软雅黑" panose="020B0503020204020204" pitchFamily="34" charset="-122"/>
-                          <a:cs typeface="Times New Roman" panose="02020603050405020304" pitchFamily="18" charset="0"/>
-                        </a:rPr>
-                        <a:t>EduWeb-TinAndOut</a:t>
-                      </a:r>
-                      <a:endParaRPr lang="en-US" altLang="en-US" sz="1000" b="0">
-                        <a:latin typeface="微软雅黑" panose="020B0503020204020204" pitchFamily="34" charset="-122"/>
-                        <a:ea typeface="微软雅黑" panose="020B0503020204020204" pitchFamily="34" charset="-122"/>
-                        <a:cs typeface="Times New Roman" panose="02020603050405020304" pitchFamily="18" charset="0"/>
-                      </a:endParaRPr>
-                    </a:p>
-                  </a:txBody>
-                  <a:tcPr marL="68580" marR="68580" marT="0" marB="0">
-                    <a:lnL w="12700" cap="flat" cmpd="sng">
-                      <a:solidFill>
-                        <a:srgbClr val="080000"/>
-                      </a:solidFill>
-                      <a:prstDash val="solid"/>
-                      <a:headEnd type="none" w="med" len="med"/>
-                      <a:tailEnd type="none" w="med" len="med"/>
-                    </a:lnL>
-                    <a:lnR w="12700" cap="flat" cmpd="sng">
-                      <a:solidFill>
-                        <a:srgbClr val="080000"/>
-                      </a:solidFill>
-                      <a:prstDash val="solid"/>
-                      <a:headEnd type="none" w="med" len="med"/>
-                      <a:tailEnd type="none" w="med" len="med"/>
-                    </a:lnR>
-                    <a:lnT w="12700" cap="flat" cmpd="sng">
-                      <a:solidFill>
-                        <a:srgbClr val="080000"/>
-                      </a:solidFill>
-                      <a:prstDash val="solid"/>
-                      <a:headEnd type="none" w="med" len="med"/>
-                      <a:tailEnd type="none" w="med" len="med"/>
-                    </a:lnT>
-                    <a:lnB w="12700" cap="flat" cmpd="sng">
-                      <a:solidFill>
-                        <a:srgbClr val="080000"/>
-                      </a:solidFill>
-                      <a:prstDash val="solid"/>
-                      <a:headEnd type="none" w="med" len="med"/>
-                      <a:tailEnd type="none" w="med" len="med"/>
-                    </a:lnB>
-                    <a:lnTlToBr>
-                      <a:noFill/>
-                    </a:lnTlToBr>
-                    <a:lnBlToTr>
-                      <a:noFill/>
-                    </a:lnBlToTr>
-                    <a:noFill/>
-                  </a:tcPr>
-                </a:tc>
-                <a:tc>
-                  <a:txBody>
-                    <a:bodyPr/>
-                    <a:lstStyle/>
-                    <a:p>
-                      <a:pPr indent="0">
-                        <a:buNone/>
-                      </a:pPr>
-                      <a:r>
-                        <a:rPr lang="en-US" sz="1000" b="0">
-                          <a:latin typeface="微软雅黑" panose="020B0503020204020204" pitchFamily="34" charset="-122"/>
-                          <a:ea typeface="微软雅黑" panose="020B0503020204020204" pitchFamily="34" charset="-122"/>
-                          <a:cs typeface="宋体" panose="02010600030101010101" pitchFamily="2" charset="-122"/>
-                        </a:rPr>
-                        <a:t>教师注册登录</a:t>
-                      </a:r>
-                      <a:endParaRPr lang="en-US" altLang="en-US" sz="1000" b="0">
-                        <a:latin typeface="微软雅黑" panose="020B0503020204020204" pitchFamily="34" charset="-122"/>
-                        <a:ea typeface="微软雅黑" panose="020B0503020204020204" pitchFamily="34" charset="-122"/>
-                        <a:cs typeface="宋体" panose="02010600030101010101" pitchFamily="2" charset="-122"/>
-                      </a:endParaRPr>
-                    </a:p>
-                  </a:txBody>
-                  <a:tcPr marL="68580" marR="68580" marT="0" marB="0">
-                    <a:lnL w="12700" cap="flat" cmpd="sng">
-                      <a:solidFill>
-                        <a:srgbClr val="080000"/>
-                      </a:solidFill>
-                      <a:prstDash val="solid"/>
-                      <a:headEnd type="none" w="med" len="med"/>
-                      <a:tailEnd type="none" w="med" len="med"/>
-                    </a:lnL>
-                    <a:lnR w="12700" cap="flat" cmpd="sng">
-                      <a:solidFill>
-                        <a:srgbClr val="080000"/>
-                      </a:solidFill>
-                      <a:prstDash val="solid"/>
-                      <a:headEnd type="none" w="med" len="med"/>
-                      <a:tailEnd type="none" w="med" len="med"/>
-                    </a:lnR>
-                    <a:lnT w="12700" cap="flat" cmpd="sng">
-                      <a:solidFill>
-                        <a:srgbClr val="080000"/>
-                      </a:solidFill>
-                      <a:prstDash val="solid"/>
-                      <a:headEnd type="none" w="med" len="med"/>
-                      <a:tailEnd type="none" w="med" len="med"/>
-                    </a:lnT>
-                    <a:lnB w="12700" cap="flat" cmpd="sng">
-                      <a:solidFill>
-                        <a:srgbClr val="080000"/>
-                      </a:solidFill>
-                      <a:prstDash val="solid"/>
-                      <a:headEnd type="none" w="med" len="med"/>
-                      <a:tailEnd type="none" w="med" len="med"/>
-                    </a:lnB>
-                    <a:lnTlToBr>
-                      <a:noFill/>
-                    </a:lnTlToBr>
-                    <a:lnBlToTr>
-                      <a:noFill/>
-                    </a:lnBlToTr>
-                    <a:noFill/>
-                  </a:tcPr>
-                </a:tc>
-                <a:extLst>
-                  <a:ext uri="{0D108BD9-81ED-4DB2-BD59-A6C34878D82A}">
-                    <a16:rowId xmlns:a16="http://schemas.microsoft.com/office/drawing/2014/main" val="10006"/>
-                  </a:ext>
-                </a:extLst>
-              </a:tr>
-              <a:tr h="275590">
-                <a:tc>
-                  <a:txBody>
-                    <a:bodyPr/>
-                    <a:lstStyle/>
-                    <a:p>
-                      <a:pPr indent="0" algn="ctr">
-                        <a:buNone/>
-                      </a:pPr>
-                      <a:r>
-                        <a:rPr lang="en-US" sz="1000" b="0">
-                          <a:latin typeface="微软雅黑" panose="020B0503020204020204" pitchFamily="34" charset="-122"/>
-                          <a:ea typeface="微软雅黑" panose="020B0503020204020204" pitchFamily="34" charset="-122"/>
-                          <a:cs typeface="Times New Roman" panose="02020603050405020304" pitchFamily="18" charset="0"/>
-                        </a:rPr>
-                        <a:t>EduWeb-SinAndOut</a:t>
-                      </a:r>
-                      <a:endParaRPr lang="en-US" altLang="en-US" sz="1000" b="0">
-                        <a:latin typeface="微软雅黑" panose="020B0503020204020204" pitchFamily="34" charset="-122"/>
-                        <a:ea typeface="微软雅黑" panose="020B0503020204020204" pitchFamily="34" charset="-122"/>
-                        <a:cs typeface="Times New Roman" panose="02020603050405020304" pitchFamily="18" charset="0"/>
-                      </a:endParaRPr>
-                    </a:p>
-                  </a:txBody>
-                  <a:tcPr marL="68580" marR="68580" marT="0" marB="0">
-                    <a:lnL w="12700" cap="flat" cmpd="sng">
-                      <a:solidFill>
-                        <a:srgbClr val="080000"/>
-                      </a:solidFill>
-                      <a:prstDash val="solid"/>
-                      <a:headEnd type="none" w="med" len="med"/>
-                      <a:tailEnd type="none" w="med" len="med"/>
-                    </a:lnL>
-                    <a:lnR w="12700" cap="flat" cmpd="sng">
-                      <a:solidFill>
-                        <a:srgbClr val="080000"/>
-                      </a:solidFill>
-                      <a:prstDash val="solid"/>
-                      <a:headEnd type="none" w="med" len="med"/>
-                      <a:tailEnd type="none" w="med" len="med"/>
-                    </a:lnR>
-                    <a:lnT w="12700" cap="flat" cmpd="sng">
-                      <a:solidFill>
-                        <a:srgbClr val="080000"/>
-                      </a:solidFill>
-                      <a:prstDash val="solid"/>
-                      <a:headEnd type="none" w="med" len="med"/>
-                      <a:tailEnd type="none" w="med" len="med"/>
-                    </a:lnT>
-                    <a:lnB w="12700" cap="flat" cmpd="sng">
-                      <a:solidFill>
-                        <a:srgbClr val="080000"/>
-                      </a:solidFill>
-                      <a:prstDash val="solid"/>
-                      <a:headEnd type="none" w="med" len="med"/>
-                      <a:tailEnd type="none" w="med" len="med"/>
-                    </a:lnB>
-                    <a:lnTlToBr>
-                      <a:noFill/>
-                    </a:lnTlToBr>
-                    <a:lnBlToTr>
-                      <a:noFill/>
-                    </a:lnBlToTr>
-                    <a:noFill/>
-                  </a:tcPr>
-                </a:tc>
-                <a:tc>
-                  <a:txBody>
-                    <a:bodyPr/>
-                    <a:lstStyle/>
-                    <a:p>
-                      <a:pPr indent="0">
-                        <a:buNone/>
-                      </a:pPr>
-                      <a:r>
-                        <a:rPr lang="en-US" sz="1000" b="0">
-                          <a:latin typeface="微软雅黑" panose="020B0503020204020204" pitchFamily="34" charset="-122"/>
-                          <a:ea typeface="微软雅黑" panose="020B0503020204020204" pitchFamily="34" charset="-122"/>
-                          <a:cs typeface="宋体" panose="02010600030101010101" pitchFamily="2" charset="-122"/>
-                        </a:rPr>
-                        <a:t>学生注册登录</a:t>
-                      </a:r>
-                      <a:endParaRPr lang="en-US" altLang="en-US" sz="1000" b="0">
-                        <a:latin typeface="微软雅黑" panose="020B0503020204020204" pitchFamily="34" charset="-122"/>
-                        <a:ea typeface="微软雅黑" panose="020B0503020204020204" pitchFamily="34" charset="-122"/>
-                        <a:cs typeface="宋体" panose="02010600030101010101" pitchFamily="2" charset="-122"/>
-                      </a:endParaRPr>
-                    </a:p>
-                  </a:txBody>
-                  <a:tcPr marL="68580" marR="68580" marT="0" marB="0">
-                    <a:lnL w="12700" cap="flat" cmpd="sng">
-                      <a:solidFill>
-                        <a:srgbClr val="080000"/>
-                      </a:solidFill>
-                      <a:prstDash val="solid"/>
-                      <a:headEnd type="none" w="med" len="med"/>
-                      <a:tailEnd type="none" w="med" len="med"/>
-                    </a:lnL>
-                    <a:lnR w="12700" cap="flat" cmpd="sng">
-                      <a:solidFill>
-                        <a:srgbClr val="080000"/>
-                      </a:solidFill>
-                      <a:prstDash val="solid"/>
-                      <a:headEnd type="none" w="med" len="med"/>
-                      <a:tailEnd type="none" w="med" len="med"/>
-                    </a:lnR>
-                    <a:lnT w="12700" cap="flat" cmpd="sng">
-                      <a:solidFill>
-                        <a:srgbClr val="080000"/>
-                      </a:solidFill>
-                      <a:prstDash val="solid"/>
-                      <a:headEnd type="none" w="med" len="med"/>
-                      <a:tailEnd type="none" w="med" len="med"/>
-                    </a:lnT>
-                    <a:lnB w="12700" cap="flat" cmpd="sng">
-                      <a:solidFill>
-                        <a:srgbClr val="080000"/>
-                      </a:solidFill>
-                      <a:prstDash val="solid"/>
-                      <a:headEnd type="none" w="med" len="med"/>
-                      <a:tailEnd type="none" w="med" len="med"/>
-                    </a:lnB>
-                    <a:lnTlToBr>
-                      <a:noFill/>
-                    </a:lnTlToBr>
-                    <a:lnBlToTr>
-                      <a:noFill/>
-                    </a:lnBlToTr>
-                    <a:noFill/>
-                  </a:tcPr>
-                </a:tc>
-                <a:extLst>
-                  <a:ext uri="{0D108BD9-81ED-4DB2-BD59-A6C34878D82A}">
-                    <a16:rowId xmlns:a16="http://schemas.microsoft.com/office/drawing/2014/main" val="10007"/>
-                  </a:ext>
-                </a:extLst>
-              </a:tr>
-              <a:tr h="274955">
-                <a:tc>
-                  <a:txBody>
-                    <a:bodyPr/>
-                    <a:lstStyle/>
-                    <a:p>
-                      <a:pPr indent="0" algn="ctr">
-                        <a:buNone/>
-                      </a:pPr>
-                      <a:r>
-                        <a:rPr lang="en-US" sz="1000" b="0">
-                          <a:latin typeface="微软雅黑" panose="020B0503020204020204" pitchFamily="34" charset="-122"/>
-                          <a:ea typeface="微软雅黑" panose="020B0503020204020204" pitchFamily="34" charset="-122"/>
-                          <a:cs typeface="Times New Roman" panose="02020603050405020304" pitchFamily="18" charset="0"/>
-                        </a:rPr>
-                        <a:t>EduWeb</a:t>
-                      </a:r>
-                      <a:r>
-                        <a:rPr lang="en-US" sz="1000" b="0">
-                          <a:latin typeface="微软雅黑" panose="020B0503020204020204" pitchFamily="34" charset="-122"/>
-                          <a:ea typeface="微软雅黑" panose="020B0503020204020204" pitchFamily="34" charset="-122"/>
-                          <a:cs typeface="宋体" panose="02010600030101010101" pitchFamily="2" charset="-122"/>
-                        </a:rPr>
-                        <a:t>-</a:t>
-                      </a:r>
-                      <a:r>
-                        <a:rPr lang="en-US" sz="1000" b="0">
-                          <a:latin typeface="微软雅黑" panose="020B0503020204020204" pitchFamily="34" charset="-122"/>
-                          <a:ea typeface="微软雅黑" panose="020B0503020204020204" pitchFamily="34" charset="-122"/>
-                          <a:cs typeface="Times New Roman" panose="02020603050405020304" pitchFamily="18" charset="0"/>
-                        </a:rPr>
-                        <a:t>Tc</a:t>
-                      </a:r>
-                      <a:r>
-                        <a:rPr lang="en-US" sz="1000" b="0">
-                          <a:latin typeface="微软雅黑" panose="020B0503020204020204" pitchFamily="34" charset="-122"/>
-                          <a:ea typeface="微软雅黑" panose="020B0503020204020204" pitchFamily="34" charset="-122"/>
-                          <a:cs typeface="宋体" panose="02010600030101010101" pitchFamily="2" charset="-122"/>
-                        </a:rPr>
-                        <a:t>ommit</a:t>
-                      </a:r>
-                      <a:endParaRPr lang="en-US" altLang="en-US" sz="1000" b="0">
-                        <a:latin typeface="微软雅黑" panose="020B0503020204020204" pitchFamily="34" charset="-122"/>
-                        <a:ea typeface="微软雅黑" panose="020B0503020204020204" pitchFamily="34" charset="-122"/>
-                        <a:cs typeface="Times New Roman" panose="02020603050405020304" pitchFamily="18" charset="0"/>
-                      </a:endParaRPr>
-                    </a:p>
-                  </a:txBody>
-                  <a:tcPr marL="68580" marR="68580" marT="0" marB="0">
-                    <a:lnL w="12700" cap="flat" cmpd="sng">
-                      <a:solidFill>
-                        <a:srgbClr val="080000"/>
-                      </a:solidFill>
-                      <a:prstDash val="solid"/>
-                      <a:headEnd type="none" w="med" len="med"/>
-                      <a:tailEnd type="none" w="med" len="med"/>
-                    </a:lnL>
-                    <a:lnR w="12700" cap="flat" cmpd="sng">
-                      <a:solidFill>
-                        <a:srgbClr val="080000"/>
-                      </a:solidFill>
-                      <a:prstDash val="solid"/>
-                      <a:headEnd type="none" w="med" len="med"/>
-                      <a:tailEnd type="none" w="med" len="med"/>
-                    </a:lnR>
-                    <a:lnT w="12700" cap="flat" cmpd="sng">
-                      <a:solidFill>
-                        <a:srgbClr val="080000"/>
-                      </a:solidFill>
-                      <a:prstDash val="solid"/>
-                      <a:headEnd type="none" w="med" len="med"/>
-                      <a:tailEnd type="none" w="med" len="med"/>
-                    </a:lnT>
-                    <a:lnB w="12700" cap="flat" cmpd="sng">
-                      <a:solidFill>
-                        <a:srgbClr val="080000"/>
-                      </a:solidFill>
-                      <a:prstDash val="solid"/>
-                      <a:headEnd type="none" w="med" len="med"/>
-                      <a:tailEnd type="none" w="med" len="med"/>
-                    </a:lnB>
-                    <a:lnTlToBr>
-                      <a:noFill/>
-                    </a:lnTlToBr>
-                    <a:lnBlToTr>
-                      <a:noFill/>
-                    </a:lnBlToTr>
-                    <a:noFill/>
-                  </a:tcPr>
-                </a:tc>
-                <a:tc>
-                  <a:txBody>
-                    <a:bodyPr/>
-                    <a:lstStyle/>
-                    <a:p>
-                      <a:pPr indent="0">
-                        <a:buNone/>
-                      </a:pPr>
-                      <a:r>
-                        <a:rPr lang="en-US" sz="1000" b="0">
-                          <a:latin typeface="微软雅黑" panose="020B0503020204020204" pitchFamily="34" charset="-122"/>
-                          <a:ea typeface="微软雅黑" panose="020B0503020204020204" pitchFamily="34" charset="-122"/>
-                          <a:cs typeface="宋体" panose="02010600030101010101" pitchFamily="2" charset="-122"/>
-                        </a:rPr>
-                        <a:t>作业点评</a:t>
-                      </a:r>
-                      <a:endParaRPr lang="en-US" altLang="en-US" sz="1000" b="0">
-                        <a:latin typeface="微软雅黑" panose="020B0503020204020204" pitchFamily="34" charset="-122"/>
-                        <a:ea typeface="微软雅黑" panose="020B0503020204020204" pitchFamily="34" charset="-122"/>
-                        <a:cs typeface="宋体" panose="02010600030101010101" pitchFamily="2" charset="-122"/>
-                      </a:endParaRPr>
-                    </a:p>
-                  </a:txBody>
-                  <a:tcPr marL="68580" marR="68580" marT="0" marB="0">
-                    <a:lnL w="12700" cap="flat" cmpd="sng">
-                      <a:solidFill>
-                        <a:srgbClr val="080000"/>
-                      </a:solidFill>
-                      <a:prstDash val="solid"/>
-                      <a:headEnd type="none" w="med" len="med"/>
-                      <a:tailEnd type="none" w="med" len="med"/>
-                    </a:lnL>
-                    <a:lnR w="12700" cap="flat" cmpd="sng">
-                      <a:solidFill>
-                        <a:srgbClr val="080000"/>
-                      </a:solidFill>
-                      <a:prstDash val="solid"/>
-                      <a:headEnd type="none" w="med" len="med"/>
-                      <a:tailEnd type="none" w="med" len="med"/>
-                    </a:lnR>
-                    <a:lnT w="12700" cap="flat" cmpd="sng">
-                      <a:solidFill>
-                        <a:srgbClr val="080000"/>
-                      </a:solidFill>
-                      <a:prstDash val="solid"/>
-                      <a:headEnd type="none" w="med" len="med"/>
-                      <a:tailEnd type="none" w="med" len="med"/>
-                    </a:lnT>
-                    <a:lnB w="12700" cap="flat" cmpd="sng">
-                      <a:solidFill>
-                        <a:srgbClr val="080000"/>
-                      </a:solidFill>
-                      <a:prstDash val="solid"/>
-                      <a:headEnd type="none" w="med" len="med"/>
-                      <a:tailEnd type="none" w="med" len="med"/>
-                    </a:lnB>
-                    <a:lnTlToBr>
-                      <a:noFill/>
-                    </a:lnTlToBr>
-                    <a:lnBlToTr>
-                      <a:noFill/>
-                    </a:lnBlToTr>
-                    <a:noFill/>
-                  </a:tcPr>
-                </a:tc>
-                <a:extLst>
-                  <a:ext uri="{0D108BD9-81ED-4DB2-BD59-A6C34878D82A}">
-                    <a16:rowId xmlns:a16="http://schemas.microsoft.com/office/drawing/2014/main" val="10008"/>
-                  </a:ext>
-                </a:extLst>
-              </a:tr>
-              <a:tr h="274955">
-                <a:tc>
-                  <a:txBody>
-                    <a:bodyPr/>
-                    <a:lstStyle/>
-                    <a:p>
-                      <a:pPr indent="0" algn="ctr">
-                        <a:buNone/>
-                      </a:pPr>
-                      <a:r>
-                        <a:rPr lang="en-US" sz="1000" b="0">
-                          <a:latin typeface="微软雅黑" panose="020B0503020204020204" pitchFamily="34" charset="-122"/>
-                          <a:ea typeface="微软雅黑" panose="020B0503020204020204" pitchFamily="34" charset="-122"/>
-                          <a:cs typeface="宋体" panose="02010600030101010101" pitchFamily="2" charset="-122"/>
-                        </a:rPr>
-                        <a:t>E</a:t>
-                      </a:r>
-                      <a:r>
-                        <a:rPr lang="en-US" sz="1000" b="0">
-                          <a:latin typeface="微软雅黑" panose="020B0503020204020204" pitchFamily="34" charset="-122"/>
-                          <a:ea typeface="微软雅黑" panose="020B0503020204020204" pitchFamily="34" charset="-122"/>
-                          <a:cs typeface="Times New Roman" panose="02020603050405020304" pitchFamily="18" charset="0"/>
-                        </a:rPr>
-                        <a:t>duWeb-Shandin</a:t>
-                      </a:r>
-                      <a:endParaRPr lang="en-US" altLang="en-US" sz="1000" b="0">
-                        <a:latin typeface="微软雅黑" panose="020B0503020204020204" pitchFamily="34" charset="-122"/>
-                        <a:ea typeface="微软雅黑" panose="020B0503020204020204" pitchFamily="34" charset="-122"/>
-                        <a:cs typeface="宋体" panose="02010600030101010101" pitchFamily="2" charset="-122"/>
-                      </a:endParaRPr>
-                    </a:p>
-                  </a:txBody>
-                  <a:tcPr marL="68580" marR="68580" marT="0" marB="0">
-                    <a:lnL w="12700" cap="flat" cmpd="sng">
-                      <a:solidFill>
-                        <a:srgbClr val="080000"/>
-                      </a:solidFill>
-                      <a:prstDash val="solid"/>
-                      <a:headEnd type="none" w="med" len="med"/>
-                      <a:tailEnd type="none" w="med" len="med"/>
-                    </a:lnL>
-                    <a:lnR w="12700" cap="flat" cmpd="sng">
-                      <a:solidFill>
-                        <a:srgbClr val="080000"/>
-                      </a:solidFill>
-                      <a:prstDash val="solid"/>
-                      <a:headEnd type="none" w="med" len="med"/>
-                      <a:tailEnd type="none" w="med" len="med"/>
-                    </a:lnR>
-                    <a:lnT w="12700" cap="flat" cmpd="sng">
-                      <a:solidFill>
-                        <a:srgbClr val="080000"/>
-                      </a:solidFill>
-                      <a:prstDash val="solid"/>
-                      <a:headEnd type="none" w="med" len="med"/>
-                      <a:tailEnd type="none" w="med" len="med"/>
-                    </a:lnT>
-                    <a:lnB w="12700" cap="flat" cmpd="sng">
-                      <a:solidFill>
-                        <a:srgbClr val="080000"/>
-                      </a:solidFill>
-                      <a:prstDash val="solid"/>
-                      <a:headEnd type="none" w="med" len="med"/>
-                      <a:tailEnd type="none" w="med" len="med"/>
-                    </a:lnB>
-                    <a:lnTlToBr>
-                      <a:noFill/>
-                    </a:lnTlToBr>
-                    <a:lnBlToTr>
-                      <a:noFill/>
-                    </a:lnBlToTr>
-                    <a:noFill/>
-                  </a:tcPr>
-                </a:tc>
-                <a:tc>
-                  <a:txBody>
-                    <a:bodyPr/>
-                    <a:lstStyle/>
-                    <a:p>
-                      <a:pPr indent="0">
-                        <a:buNone/>
-                      </a:pPr>
-                      <a:r>
-                        <a:rPr lang="en-US" sz="1000" b="0">
-                          <a:latin typeface="微软雅黑" panose="020B0503020204020204" pitchFamily="34" charset="-122"/>
-                          <a:ea typeface="微软雅黑" panose="020B0503020204020204" pitchFamily="34" charset="-122"/>
-                          <a:cs typeface="宋体" panose="02010600030101010101" pitchFamily="2" charset="-122"/>
-                        </a:rPr>
-                        <a:t>作业提交</a:t>
-                      </a:r>
-                      <a:endParaRPr lang="en-US" altLang="en-US" sz="1000" b="0">
-                        <a:latin typeface="微软雅黑" panose="020B0503020204020204" pitchFamily="34" charset="-122"/>
-                        <a:ea typeface="微软雅黑" panose="020B0503020204020204" pitchFamily="34" charset="-122"/>
-                        <a:cs typeface="宋体" panose="02010600030101010101" pitchFamily="2" charset="-122"/>
-                      </a:endParaRPr>
-                    </a:p>
-                  </a:txBody>
-                  <a:tcPr marL="68580" marR="68580" marT="0" marB="0">
-                    <a:lnL w="12700" cap="flat" cmpd="sng">
-                      <a:solidFill>
-                        <a:srgbClr val="080000"/>
-                      </a:solidFill>
-                      <a:prstDash val="solid"/>
-                      <a:headEnd type="none" w="med" len="med"/>
-                      <a:tailEnd type="none" w="med" len="med"/>
-                    </a:lnL>
-                    <a:lnR w="12700" cap="flat" cmpd="sng">
-                      <a:solidFill>
-                        <a:srgbClr val="080000"/>
-                      </a:solidFill>
-                      <a:prstDash val="solid"/>
-                      <a:headEnd type="none" w="med" len="med"/>
-                      <a:tailEnd type="none" w="med" len="med"/>
-                    </a:lnR>
-                    <a:lnT w="12700" cap="flat" cmpd="sng">
-                      <a:solidFill>
-                        <a:srgbClr val="080000"/>
-                      </a:solidFill>
-                      <a:prstDash val="solid"/>
-                      <a:headEnd type="none" w="med" len="med"/>
-                      <a:tailEnd type="none" w="med" len="med"/>
-                    </a:lnT>
-                    <a:lnB w="12700" cap="flat" cmpd="sng">
-                      <a:solidFill>
-                        <a:srgbClr val="080000"/>
-                      </a:solidFill>
-                      <a:prstDash val="solid"/>
-                      <a:headEnd type="none" w="med" len="med"/>
-                      <a:tailEnd type="none" w="med" len="med"/>
-                    </a:lnB>
-                    <a:lnTlToBr>
-                      <a:noFill/>
-                    </a:lnTlToBr>
-                    <a:lnBlToTr>
-                      <a:noFill/>
-                    </a:lnBlToTr>
-                    <a:noFill/>
-                  </a:tcPr>
-                </a:tc>
-                <a:extLst>
-                  <a:ext uri="{0D108BD9-81ED-4DB2-BD59-A6C34878D82A}">
-                    <a16:rowId xmlns:a16="http://schemas.microsoft.com/office/drawing/2014/main" val="10009"/>
-                  </a:ext>
-                </a:extLst>
-              </a:tr>
-              <a:tr h="276225">
-                <a:tc>
-                  <a:txBody>
-                    <a:bodyPr/>
-                    <a:lstStyle/>
-                    <a:p>
-                      <a:pPr indent="0" algn="ctr">
-                        <a:buNone/>
-                      </a:pPr>
-                      <a:r>
-                        <a:rPr lang="en-US" sz="1000" b="0">
-                          <a:latin typeface="微软雅黑" panose="020B0503020204020204" pitchFamily="34" charset="-122"/>
-                          <a:ea typeface="微软雅黑" panose="020B0503020204020204" pitchFamily="34" charset="-122"/>
-                          <a:cs typeface="Times New Roman" panose="02020603050405020304" pitchFamily="18" charset="0"/>
-                        </a:rPr>
-                        <a:t>EduWeb-Search</a:t>
-                      </a:r>
-                      <a:endParaRPr lang="en-US" altLang="en-US" sz="1000" b="0">
-                        <a:latin typeface="微软雅黑" panose="020B0503020204020204" pitchFamily="34" charset="-122"/>
-                        <a:ea typeface="微软雅黑" panose="020B0503020204020204" pitchFamily="34" charset="-122"/>
-                        <a:cs typeface="Times New Roman" panose="02020603050405020304" pitchFamily="18" charset="0"/>
-                      </a:endParaRPr>
-                    </a:p>
-                  </a:txBody>
-                  <a:tcPr marL="68580" marR="68580" marT="0" marB="0">
-                    <a:lnL w="12700" cap="flat" cmpd="sng">
-                      <a:solidFill>
-                        <a:srgbClr val="080000"/>
-                      </a:solidFill>
-                      <a:prstDash val="solid"/>
-                      <a:headEnd type="none" w="med" len="med"/>
-                      <a:tailEnd type="none" w="med" len="med"/>
-                    </a:lnL>
-                    <a:lnR w="12700" cap="flat" cmpd="sng">
-                      <a:solidFill>
-                        <a:srgbClr val="080000"/>
-                      </a:solidFill>
-                      <a:prstDash val="solid"/>
-                      <a:headEnd type="none" w="med" len="med"/>
-                      <a:tailEnd type="none" w="med" len="med"/>
-                    </a:lnR>
-                    <a:lnT w="12700" cap="flat" cmpd="sng">
-                      <a:solidFill>
-                        <a:srgbClr val="080000"/>
-                      </a:solidFill>
-                      <a:prstDash val="solid"/>
-                      <a:headEnd type="none" w="med" len="med"/>
-                      <a:tailEnd type="none" w="med" len="med"/>
-                    </a:lnT>
-                    <a:lnB w="12700" cap="flat" cmpd="sng">
-                      <a:solidFill>
-                        <a:srgbClr val="080000"/>
-                      </a:solidFill>
-                      <a:prstDash val="solid"/>
-                      <a:headEnd type="none" w="med" len="med"/>
-                      <a:tailEnd type="none" w="med" len="med"/>
-                    </a:lnB>
-                    <a:lnTlToBr>
-                      <a:noFill/>
-                    </a:lnTlToBr>
-                    <a:lnBlToTr>
-                      <a:noFill/>
-                    </a:lnBlToTr>
-                    <a:noFill/>
-                  </a:tcPr>
-                </a:tc>
-                <a:tc>
-                  <a:txBody>
-                    <a:bodyPr/>
-                    <a:lstStyle/>
-                    <a:p>
-                      <a:pPr indent="0">
-                        <a:buNone/>
-                      </a:pPr>
-                      <a:r>
-                        <a:rPr lang="en-US" sz="1000" b="0">
-                          <a:latin typeface="微软雅黑" panose="020B0503020204020204" pitchFamily="34" charset="-122"/>
-                          <a:ea typeface="微软雅黑" panose="020B0503020204020204" pitchFamily="34" charset="-122"/>
-                          <a:cs typeface="宋体" panose="02010600030101010101" pitchFamily="2" charset="-122"/>
-                        </a:rPr>
-                        <a:t>站内搜索</a:t>
-                      </a:r>
-                      <a:endParaRPr lang="en-US" altLang="en-US" sz="1000" b="0">
-                        <a:latin typeface="微软雅黑" panose="020B0503020204020204" pitchFamily="34" charset="-122"/>
-                        <a:ea typeface="微软雅黑" panose="020B0503020204020204" pitchFamily="34" charset="-122"/>
-                        <a:cs typeface="宋体" panose="02010600030101010101" pitchFamily="2" charset="-122"/>
-                      </a:endParaRPr>
-                    </a:p>
-                  </a:txBody>
-                  <a:tcPr marL="68580" marR="68580" marT="0" marB="0">
-                    <a:lnL w="12700" cap="flat" cmpd="sng">
-                      <a:solidFill>
-                        <a:srgbClr val="080000"/>
-                      </a:solidFill>
-                      <a:prstDash val="solid"/>
-                      <a:headEnd type="none" w="med" len="med"/>
-                      <a:tailEnd type="none" w="med" len="med"/>
-                    </a:lnL>
-                    <a:lnR w="12700" cap="flat" cmpd="sng">
-                      <a:solidFill>
-                        <a:srgbClr val="080000"/>
-                      </a:solidFill>
-                      <a:prstDash val="solid"/>
-                      <a:headEnd type="none" w="med" len="med"/>
-                      <a:tailEnd type="none" w="med" len="med"/>
-                    </a:lnR>
-                    <a:lnT w="12700" cap="flat" cmpd="sng">
-                      <a:solidFill>
-                        <a:srgbClr val="080000"/>
-                      </a:solidFill>
-                      <a:prstDash val="solid"/>
-                      <a:headEnd type="none" w="med" len="med"/>
-                      <a:tailEnd type="none" w="med" len="med"/>
-                    </a:lnT>
-                    <a:lnB w="12700" cap="flat" cmpd="sng">
-                      <a:solidFill>
-                        <a:srgbClr val="080000"/>
-                      </a:solidFill>
-                      <a:prstDash val="solid"/>
-                      <a:headEnd type="none" w="med" len="med"/>
-                      <a:tailEnd type="none" w="med" len="med"/>
-                    </a:lnB>
-                    <a:lnTlToBr>
-                      <a:noFill/>
-                    </a:lnTlToBr>
-                    <a:lnBlToTr>
-                      <a:noFill/>
-                    </a:lnBlToTr>
-                    <a:noFill/>
-                  </a:tcPr>
-                </a:tc>
-                <a:extLst>
-                  <a:ext uri="{0D108BD9-81ED-4DB2-BD59-A6C34878D82A}">
-                    <a16:rowId xmlns:a16="http://schemas.microsoft.com/office/drawing/2014/main" val="10010"/>
-                  </a:ext>
-                </a:extLst>
-              </a:tr>
-              <a:tr h="275590">
-                <a:tc>
-                  <a:txBody>
-                    <a:bodyPr/>
-                    <a:lstStyle/>
-                    <a:p>
-                      <a:pPr indent="0" algn="ctr">
-                        <a:buNone/>
-                      </a:pPr>
-                      <a:r>
-                        <a:rPr lang="en-US" sz="1000" b="0">
-                          <a:latin typeface="微软雅黑" panose="020B0503020204020204" pitchFamily="34" charset="-122"/>
-                          <a:ea typeface="微软雅黑" panose="020B0503020204020204" pitchFamily="34" charset="-122"/>
-                          <a:cs typeface="Times New Roman" panose="02020603050405020304" pitchFamily="18" charset="0"/>
-                        </a:rPr>
-                        <a:t>EduWeb-Custom</a:t>
-                      </a:r>
-                      <a:endParaRPr lang="en-US" altLang="en-US" sz="1000" b="0">
-                        <a:latin typeface="微软雅黑" panose="020B0503020204020204" pitchFamily="34" charset="-122"/>
-                        <a:ea typeface="微软雅黑" panose="020B0503020204020204" pitchFamily="34" charset="-122"/>
-                        <a:cs typeface="Times New Roman" panose="02020603050405020304" pitchFamily="18" charset="0"/>
-                      </a:endParaRPr>
-                    </a:p>
-                  </a:txBody>
-                  <a:tcPr marL="68580" marR="68580" marT="0" marB="0">
-                    <a:lnL w="12700" cap="flat" cmpd="sng">
-                      <a:solidFill>
-                        <a:srgbClr val="080000"/>
-                      </a:solidFill>
-                      <a:prstDash val="solid"/>
-                      <a:headEnd type="none" w="med" len="med"/>
-                      <a:tailEnd type="none" w="med" len="med"/>
-                    </a:lnL>
-                    <a:lnR w="12700" cap="flat" cmpd="sng">
-                      <a:solidFill>
-                        <a:srgbClr val="080000"/>
-                      </a:solidFill>
-                      <a:prstDash val="solid"/>
-                      <a:headEnd type="none" w="med" len="med"/>
-                      <a:tailEnd type="none" w="med" len="med"/>
-                    </a:lnR>
-                    <a:lnT w="12700" cap="flat" cmpd="sng">
-                      <a:solidFill>
-                        <a:srgbClr val="080000"/>
-                      </a:solidFill>
-                      <a:prstDash val="solid"/>
-                      <a:headEnd type="none" w="med" len="med"/>
-                      <a:tailEnd type="none" w="med" len="med"/>
-                    </a:lnT>
-                    <a:lnB w="12700" cap="flat" cmpd="sng">
-                      <a:solidFill>
-                        <a:srgbClr val="080000"/>
-                      </a:solidFill>
-                      <a:prstDash val="solid"/>
-                      <a:headEnd type="none" w="med" len="med"/>
-                      <a:tailEnd type="none" w="med" len="med"/>
-                    </a:lnB>
-                    <a:lnTlToBr>
-                      <a:noFill/>
-                    </a:lnTlToBr>
-                    <a:lnBlToTr>
-                      <a:noFill/>
-                    </a:lnBlToTr>
-                    <a:noFill/>
-                  </a:tcPr>
-                </a:tc>
-                <a:tc>
-                  <a:txBody>
-                    <a:bodyPr/>
-                    <a:lstStyle/>
-                    <a:p>
-                      <a:pPr indent="0">
-                        <a:buNone/>
-                      </a:pPr>
-                      <a:r>
-                        <a:rPr lang="en-US" sz="1000" b="0">
-                          <a:latin typeface="微软雅黑" panose="020B0503020204020204" pitchFamily="34" charset="-122"/>
-                          <a:ea typeface="微软雅黑" panose="020B0503020204020204" pitchFamily="34" charset="-122"/>
-                          <a:cs typeface="宋体" panose="02010600030101010101" pitchFamily="2" charset="-122"/>
-                        </a:rPr>
-                        <a:t>游客浏览</a:t>
-                      </a:r>
-                      <a:endParaRPr lang="en-US" altLang="en-US" sz="1000" b="0">
-                        <a:latin typeface="微软雅黑" panose="020B0503020204020204" pitchFamily="34" charset="-122"/>
-                        <a:ea typeface="微软雅黑" panose="020B0503020204020204" pitchFamily="34" charset="-122"/>
-                        <a:cs typeface="宋体" panose="02010600030101010101" pitchFamily="2" charset="-122"/>
-                      </a:endParaRPr>
-                    </a:p>
-                  </a:txBody>
-                  <a:tcPr marL="68580" marR="68580" marT="0" marB="0">
-                    <a:lnL w="12700" cap="flat" cmpd="sng">
-                      <a:solidFill>
-                        <a:srgbClr val="080000"/>
-                      </a:solidFill>
-                      <a:prstDash val="solid"/>
-                      <a:headEnd type="none" w="med" len="med"/>
-                      <a:tailEnd type="none" w="med" len="med"/>
-                    </a:lnL>
-                    <a:lnR w="12700" cap="flat" cmpd="sng">
-                      <a:solidFill>
-                        <a:srgbClr val="080000"/>
-                      </a:solidFill>
-                      <a:prstDash val="solid"/>
-                      <a:headEnd type="none" w="med" len="med"/>
-                      <a:tailEnd type="none" w="med" len="med"/>
-                    </a:lnR>
-                    <a:lnT w="12700" cap="flat" cmpd="sng">
-                      <a:solidFill>
-                        <a:srgbClr val="080000"/>
-                      </a:solidFill>
-                      <a:prstDash val="solid"/>
-                      <a:headEnd type="none" w="med" len="med"/>
-                      <a:tailEnd type="none" w="med" len="med"/>
-                    </a:lnT>
-                    <a:lnB w="12700" cap="flat" cmpd="sng">
-                      <a:solidFill>
-                        <a:srgbClr val="080000"/>
-                      </a:solidFill>
-                      <a:prstDash val="solid"/>
-                      <a:headEnd type="none" w="med" len="med"/>
-                      <a:tailEnd type="none" w="med" len="med"/>
-                    </a:lnB>
-                    <a:lnTlToBr>
-                      <a:noFill/>
-                    </a:lnTlToBr>
-                    <a:lnBlToTr>
-                      <a:noFill/>
-                    </a:lnBlToTr>
-                    <a:noFill/>
-                  </a:tcPr>
-                </a:tc>
-                <a:extLst>
-                  <a:ext uri="{0D108BD9-81ED-4DB2-BD59-A6C34878D82A}">
-                    <a16:rowId xmlns:a16="http://schemas.microsoft.com/office/drawing/2014/main" val="10011"/>
-                  </a:ext>
-                </a:extLst>
-              </a:tr>
-              <a:tr h="274955">
-                <a:tc>
-                  <a:txBody>
-                    <a:bodyPr/>
-                    <a:lstStyle/>
-                    <a:p>
-                      <a:pPr indent="0" algn="ctr">
-                        <a:buNone/>
-                      </a:pPr>
-                      <a:r>
-                        <a:rPr lang="en-US" sz="1000" b="0">
-                          <a:latin typeface="微软雅黑" panose="020B0503020204020204" pitchFamily="34" charset="-122"/>
-                          <a:ea typeface="微软雅黑" panose="020B0503020204020204" pitchFamily="34" charset="-122"/>
-                          <a:cs typeface="Times New Roman" panose="02020603050405020304" pitchFamily="18" charset="0"/>
-                        </a:rPr>
-                        <a:t>EduWeb-UpOrDown</a:t>
-                      </a:r>
-                      <a:endParaRPr lang="en-US" altLang="en-US" sz="1000" b="0">
-                        <a:latin typeface="微软雅黑" panose="020B0503020204020204" pitchFamily="34" charset="-122"/>
-                        <a:ea typeface="微软雅黑" panose="020B0503020204020204" pitchFamily="34" charset="-122"/>
-                        <a:cs typeface="Times New Roman" panose="02020603050405020304" pitchFamily="18" charset="0"/>
-                      </a:endParaRPr>
-                    </a:p>
-                  </a:txBody>
-                  <a:tcPr marL="68580" marR="68580" marT="0" marB="0">
-                    <a:lnL w="12700" cap="flat" cmpd="sng">
-                      <a:solidFill>
-                        <a:srgbClr val="080000"/>
-                      </a:solidFill>
-                      <a:prstDash val="solid"/>
-                      <a:headEnd type="none" w="med" len="med"/>
-                      <a:tailEnd type="none" w="med" len="med"/>
-                    </a:lnL>
-                    <a:lnR w="12700" cap="flat" cmpd="sng">
-                      <a:solidFill>
-                        <a:srgbClr val="080000"/>
-                      </a:solidFill>
-                      <a:prstDash val="solid"/>
-                      <a:headEnd type="none" w="med" len="med"/>
-                      <a:tailEnd type="none" w="med" len="med"/>
-                    </a:lnR>
-                    <a:lnT w="12700" cap="flat" cmpd="sng">
-                      <a:solidFill>
-                        <a:srgbClr val="080000"/>
-                      </a:solidFill>
-                      <a:prstDash val="solid"/>
-                      <a:headEnd type="none" w="med" len="med"/>
-                      <a:tailEnd type="none" w="med" len="med"/>
-                    </a:lnT>
-                    <a:lnB w="12700" cap="flat" cmpd="sng">
-                      <a:solidFill>
-                        <a:srgbClr val="080000"/>
-                      </a:solidFill>
-                      <a:prstDash val="solid"/>
-                      <a:headEnd type="none" w="med" len="med"/>
-                      <a:tailEnd type="none" w="med" len="med"/>
-                    </a:lnB>
-                    <a:lnTlToBr>
-                      <a:noFill/>
-                    </a:lnTlToBr>
-                    <a:lnBlToTr>
-                      <a:noFill/>
-                    </a:lnBlToTr>
-                    <a:noFill/>
-                  </a:tcPr>
-                </a:tc>
-                <a:tc>
-                  <a:txBody>
-                    <a:bodyPr/>
-                    <a:lstStyle/>
-                    <a:p>
-                      <a:pPr indent="0">
-                        <a:buNone/>
-                      </a:pPr>
-                      <a:r>
-                        <a:rPr lang="en-US" sz="1000" b="0">
-                          <a:latin typeface="微软雅黑" panose="020B0503020204020204" pitchFamily="34" charset="-122"/>
-                          <a:ea typeface="微软雅黑" panose="020B0503020204020204" pitchFamily="34" charset="-122"/>
-                          <a:cs typeface="宋体" panose="02010600030101010101" pitchFamily="2" charset="-122"/>
-                        </a:rPr>
-                        <a:t>视频音频文本下载，上传</a:t>
-                      </a:r>
-                      <a:endParaRPr lang="en-US" altLang="en-US" sz="1000" b="0">
-                        <a:latin typeface="微软雅黑" panose="020B0503020204020204" pitchFamily="34" charset="-122"/>
-                        <a:ea typeface="微软雅黑" panose="020B0503020204020204" pitchFamily="34" charset="-122"/>
-                        <a:cs typeface="宋体" panose="02010600030101010101" pitchFamily="2" charset="-122"/>
-                      </a:endParaRPr>
-                    </a:p>
-                  </a:txBody>
-                  <a:tcPr marL="68580" marR="68580" marT="0" marB="0">
-                    <a:lnL w="12700" cap="flat" cmpd="sng">
-                      <a:solidFill>
-                        <a:srgbClr val="080000"/>
-                      </a:solidFill>
-                      <a:prstDash val="solid"/>
-                      <a:headEnd type="none" w="med" len="med"/>
-                      <a:tailEnd type="none" w="med" len="med"/>
-                    </a:lnL>
-                    <a:lnR w="12700" cap="flat" cmpd="sng">
-                      <a:solidFill>
-                        <a:srgbClr val="080000"/>
-                      </a:solidFill>
-                      <a:prstDash val="solid"/>
-                      <a:headEnd type="none" w="med" len="med"/>
-                      <a:tailEnd type="none" w="med" len="med"/>
-                    </a:lnR>
-                    <a:lnT w="12700" cap="flat" cmpd="sng">
-                      <a:solidFill>
-                        <a:srgbClr val="080000"/>
-                      </a:solidFill>
-                      <a:prstDash val="solid"/>
-                      <a:headEnd type="none" w="med" len="med"/>
-                      <a:tailEnd type="none" w="med" len="med"/>
-                    </a:lnT>
-                    <a:lnB w="12700" cap="flat" cmpd="sng">
-                      <a:solidFill>
-                        <a:srgbClr val="080000"/>
-                      </a:solidFill>
-                      <a:prstDash val="solid"/>
-                      <a:headEnd type="none" w="med" len="med"/>
-                      <a:tailEnd type="none" w="med" len="med"/>
-                    </a:lnB>
-                    <a:lnTlToBr>
-                      <a:noFill/>
-                    </a:lnTlToBr>
-                    <a:lnBlToTr>
-                      <a:noFill/>
-                    </a:lnBlToTr>
-                    <a:noFill/>
-                  </a:tcPr>
-                </a:tc>
-                <a:extLst>
-                  <a:ext uri="{0D108BD9-81ED-4DB2-BD59-A6C34878D82A}">
-                    <a16:rowId xmlns:a16="http://schemas.microsoft.com/office/drawing/2014/main" val="10012"/>
-                  </a:ext>
-                </a:extLst>
-              </a:tr>
-            </a:tbl>
-          </a:graphicData>
-        </a:graphic>
-      </p:graphicFrame>
     </p:spTree>
   </p:cSld>
   <p:clrMapOvr>
@@ -10687,7 +8911,7 @@
           <a:lstStyle/>
           <a:p>
             <a:r>
-              <a:rPr lang="zh-CN" altLang="en-US">
+              <a:rPr lang="zh-CN" altLang="en-US" dirty="0">
                 <a:latin typeface="微软雅黑" panose="020B0503020204020204" pitchFamily="34" charset="-122"/>
                 <a:ea typeface="微软雅黑" panose="020B0503020204020204" pitchFamily="34" charset="-122"/>
                 <a:cs typeface="微软雅黑" panose="020B0503020204020204" pitchFamily="34" charset="-122"/>
@@ -10697,13 +8921,105 @@
           </a:p>
           <a:p>
             <a:r>
-              <a:rPr lang="zh-CN" altLang="en-US">
+              <a:rPr lang="zh-CN" altLang="en-US" dirty="0">
                 <a:latin typeface="微软雅黑" panose="020B0503020204020204" pitchFamily="34" charset="-122"/>
                 <a:ea typeface="微软雅黑" panose="020B0503020204020204" pitchFamily="34" charset="-122"/>
                 <a:cs typeface="微软雅黑" panose="020B0503020204020204" pitchFamily="34" charset="-122"/>
               </a:rPr>
               <a:t>主要形式是小组成员的时间成本。</a:t>
             </a:r>
+            <a:endParaRPr lang="en-US" altLang="zh-CN" dirty="0">
+              <a:latin typeface="微软雅黑" panose="020B0503020204020204" pitchFamily="34" charset="-122"/>
+              <a:ea typeface="微软雅黑" panose="020B0503020204020204" pitchFamily="34" charset="-122"/>
+              <a:cs typeface="微软雅黑" panose="020B0503020204020204" pitchFamily="34" charset="-122"/>
+            </a:endParaRPr>
+          </a:p>
+          <a:p>
+            <a:r>
+              <a:rPr lang="zh-CN" altLang="zh-CN" dirty="0"/>
+              <a:t>以</a:t>
+            </a:r>
+            <a:r>
+              <a:rPr lang="en-US" altLang="zh-CN" dirty="0"/>
+              <a:t>2017</a:t>
+            </a:r>
+            <a:r>
+              <a:rPr lang="zh-CN" altLang="zh-CN" dirty="0"/>
+              <a:t>年度杭州市人均收入（每小时）计算</a:t>
+            </a:r>
+          </a:p>
+          <a:p>
+            <a:r>
+              <a:rPr lang="zh-CN" altLang="zh-CN" dirty="0"/>
+              <a:t>人均工资</a:t>
+            </a:r>
+            <a:r>
+              <a:rPr lang="en-US" altLang="zh-CN" dirty="0"/>
+              <a:t>/</a:t>
+            </a:r>
+            <a:r>
+              <a:rPr lang="zh-CN" altLang="zh-CN" dirty="0"/>
+              <a:t>小时</a:t>
+            </a:r>
+            <a:r>
+              <a:rPr lang="en-US" altLang="zh-CN" dirty="0"/>
+              <a:t>=25.45</a:t>
+            </a:r>
+            <a:r>
+              <a:rPr lang="zh-CN" altLang="zh-CN" dirty="0"/>
+              <a:t>元</a:t>
+            </a:r>
+          </a:p>
+          <a:p>
+            <a:r>
+              <a:rPr lang="zh-CN" altLang="zh-CN" dirty="0"/>
+              <a:t>按</a:t>
+            </a:r>
+            <a:r>
+              <a:rPr lang="en-US" altLang="zh-CN" dirty="0"/>
+              <a:t>IT</a:t>
+            </a:r>
+            <a:r>
+              <a:rPr lang="zh-CN" altLang="zh-CN" dirty="0"/>
+              <a:t>行业</a:t>
+            </a:r>
+            <a:r>
+              <a:rPr lang="en-US" altLang="zh-CN" dirty="0"/>
+              <a:t>1.5</a:t>
+            </a:r>
+            <a:r>
+              <a:rPr lang="zh-CN" altLang="zh-CN" dirty="0"/>
+              <a:t>的权重</a:t>
+            </a:r>
+          </a:p>
+          <a:p>
+            <a:r>
+              <a:rPr lang="zh-CN" altLang="zh-CN" dirty="0"/>
+              <a:t>人均工资</a:t>
+            </a:r>
+            <a:r>
+              <a:rPr lang="en-US" altLang="zh-CN" dirty="0"/>
+              <a:t>/</a:t>
+            </a:r>
+            <a:r>
+              <a:rPr lang="zh-CN" altLang="zh-CN" dirty="0"/>
+              <a:t>小时</a:t>
+            </a:r>
+            <a:r>
+              <a:rPr lang="en-US" altLang="zh-CN" dirty="0"/>
+              <a:t>=38.18</a:t>
+            </a:r>
+            <a:r>
+              <a:rPr lang="zh-CN" altLang="zh-CN" dirty="0"/>
+              <a:t>元</a:t>
+            </a:r>
+          </a:p>
+          <a:p>
+            <a:endParaRPr lang="zh-CN" altLang="en-US" dirty="0">
+              <a:latin typeface="微软雅黑" panose="020B0503020204020204" pitchFamily="34" charset="-122"/>
+              <a:ea typeface="微软雅黑" panose="020B0503020204020204" pitchFamily="34" charset="-122"/>
+              <a:cs typeface="微软雅黑" panose="020B0503020204020204" pitchFamily="34" charset="-122"/>
+            </a:endParaRPr>
           </a:p>
         </p:txBody>
       </p:sp>
@@ -10803,6 +9119,36 @@
           </a:p>
         </p:txBody>
       </p:sp>
+      <p:pic>
+        <p:nvPicPr>
+          <p:cNvPr id="2" name="图片 1">
+            <a:extLst>
+              <a:ext uri="{FF2B5EF4-FFF2-40B4-BE49-F238E27FC236}">
+                <a16:creationId xmlns:a16="http://schemas.microsoft.com/office/drawing/2014/main" id="{CBB349BA-95B1-41E8-9F05-7B65BEA9F4B2}"/>
+              </a:ext>
+            </a:extLst>
+          </p:cNvPr>
+          <p:cNvPicPr>
+            <a:picLocks noChangeAspect="1"/>
+          </p:cNvPicPr>
+          <p:nvPr/>
+        </p:nvPicPr>
+        <p:blipFill>
+          <a:blip r:embed="rId2"/>
+          <a:stretch>
+            <a:fillRect/>
+          </a:stretch>
+        </p:blipFill>
+        <p:spPr>
+          <a:xfrm>
+            <a:off x="4540236" y="3622695"/>
+            <a:ext cx="7453496" cy="2312352"/>
+          </a:xfrm>
+          <a:prstGeom prst="rect">
+            <a:avLst/>
+          </a:prstGeom>
+        </p:spPr>
+      </p:pic>
     </p:spTree>
   </p:cSld>
   <p:clrMapOvr>
@@ -10959,1856 +9305,6 @@
           </a:ln>
         </p:spPr>
       </p:pic>
-      <p:graphicFrame>
-        <p:nvGraphicFramePr>
-          <p:cNvPr id="9" name="表格 8"/>
-          <p:cNvGraphicFramePr>
-            <a:graphicFrameLocks noGrp="1"/>
-          </p:cNvGraphicFramePr>
-          <p:nvPr/>
-        </p:nvGraphicFramePr>
-        <p:xfrm>
-          <a:off x="2462022" y="2322576"/>
-          <a:ext cx="6819138" cy="2660907"/>
-        </p:xfrm>
-        <a:graphic>
-          <a:graphicData uri="http://schemas.openxmlformats.org/drawingml/2006/table">
-            <a:tbl>
-              <a:tblPr firstRow="1" firstCol="1" bandRow="1"/>
-              <a:tblGrid>
-                <a:gridCol w="1185609">
-                  <a:extLst>
-                    <a:ext uri="{9D8B030D-6E8A-4147-A177-3AD203B41FA5}">
-                      <a16:colId xmlns:a16="http://schemas.microsoft.com/office/drawing/2014/main" val="20000"/>
-                    </a:ext>
-                  </a:extLst>
-                </a:gridCol>
-                <a:gridCol w="1522076">
-                  <a:extLst>
-                    <a:ext uri="{9D8B030D-6E8A-4147-A177-3AD203B41FA5}">
-                      <a16:colId xmlns:a16="http://schemas.microsoft.com/office/drawing/2014/main" val="20001"/>
-                    </a:ext>
-                  </a:extLst>
-                </a:gridCol>
-                <a:gridCol w="1137782">
-                  <a:extLst>
-                    <a:ext uri="{9D8B030D-6E8A-4147-A177-3AD203B41FA5}">
-                      <a16:colId xmlns:a16="http://schemas.microsoft.com/office/drawing/2014/main" val="20002"/>
-                    </a:ext>
-                  </a:extLst>
-                </a:gridCol>
-                <a:gridCol w="1783867">
-                  <a:extLst>
-                    <a:ext uri="{9D8B030D-6E8A-4147-A177-3AD203B41FA5}">
-                      <a16:colId xmlns:a16="http://schemas.microsoft.com/office/drawing/2014/main" val="20003"/>
-                    </a:ext>
-                  </a:extLst>
-                </a:gridCol>
-                <a:gridCol w="1189804">
-                  <a:extLst>
-                    <a:ext uri="{9D8B030D-6E8A-4147-A177-3AD203B41FA5}">
-                      <a16:colId xmlns:a16="http://schemas.microsoft.com/office/drawing/2014/main" val="20004"/>
-                    </a:ext>
-                  </a:extLst>
-                </a:gridCol>
-              </a:tblGrid>
-              <a:tr h="332613">
-                <a:tc>
-                  <a:txBody>
-                    <a:bodyPr/>
-                    <a:lstStyle/>
-                    <a:p>
-                      <a:pPr algn="ctr">
-                        <a:spcAft>
-                          <a:spcPts val="0"/>
-                        </a:spcAft>
-                      </a:pPr>
-                      <a:r>
-                        <a:rPr lang="zh-CN" sz="1200" kern="100">
-                          <a:effectLst/>
-                          <a:latin typeface="微软雅黑" panose="020B0503020204020204" pitchFamily="34" charset="-122"/>
-                          <a:ea typeface="微软雅黑" panose="020B0503020204020204" pitchFamily="34" charset="-122"/>
-                          <a:cs typeface="微软雅黑" panose="020B0503020204020204" pitchFamily="34" charset="-122"/>
-                        </a:rPr>
-                        <a:t>版本</a:t>
-                      </a:r>
-                      <a:r>
-                        <a:rPr lang="en-US" sz="1200" kern="100">
-                          <a:effectLst/>
-                          <a:latin typeface="微软雅黑" panose="020B0503020204020204" pitchFamily="34" charset="-122"/>
-                          <a:ea typeface="微软雅黑" panose="020B0503020204020204" pitchFamily="34" charset="-122"/>
-                          <a:cs typeface="微软雅黑" panose="020B0503020204020204" pitchFamily="34" charset="-122"/>
-                        </a:rPr>
-                        <a:t>/</a:t>
-                      </a:r>
-                      <a:r>
-                        <a:rPr lang="zh-CN" sz="1200" kern="100">
-                          <a:effectLst/>
-                          <a:latin typeface="微软雅黑" panose="020B0503020204020204" pitchFamily="34" charset="-122"/>
-                          <a:ea typeface="微软雅黑" panose="020B0503020204020204" pitchFamily="34" charset="-122"/>
-                          <a:cs typeface="微软雅黑" panose="020B0503020204020204" pitchFamily="34" charset="-122"/>
-                        </a:rPr>
-                        <a:t>状态</a:t>
-                      </a:r>
-                      <a:endParaRPr lang="zh-CN" sz="1050" kern="100">
-                        <a:effectLst/>
-                        <a:latin typeface="微软雅黑" panose="020B0503020204020204" pitchFamily="34" charset="-122"/>
-                        <a:ea typeface="微软雅黑" panose="020B0503020204020204" pitchFamily="34" charset="-122"/>
-                        <a:cs typeface="微软雅黑" panose="020B0503020204020204" pitchFamily="34" charset="-122"/>
-                      </a:endParaRPr>
-                    </a:p>
-                  </a:txBody>
-                  <a:tcPr marL="68580" marR="68580" marT="0" marB="0">
-                    <a:lnL w="12700" cap="flat" cmpd="sng" algn="ctr">
-                      <a:solidFill>
-                        <a:srgbClr val="000000"/>
-                      </a:solidFill>
-                      <a:prstDash val="solid"/>
-                      <a:round/>
-                      <a:headEnd type="none" w="med" len="med"/>
-                      <a:tailEnd type="none" w="med" len="med"/>
-                    </a:lnL>
-                    <a:lnR w="12700" cap="flat" cmpd="sng" algn="ctr">
-                      <a:solidFill>
-                        <a:srgbClr val="000000"/>
-                      </a:solidFill>
-                      <a:prstDash val="solid"/>
-                      <a:round/>
-                      <a:headEnd type="none" w="med" len="med"/>
-                      <a:tailEnd type="none" w="med" len="med"/>
-                    </a:lnR>
-                    <a:lnT w="12700" cap="flat" cmpd="sng" algn="ctr">
-                      <a:solidFill>
-                        <a:srgbClr val="000000"/>
-                      </a:solidFill>
-                      <a:prstDash val="solid"/>
-                      <a:round/>
-                      <a:headEnd type="none" w="med" len="med"/>
-                      <a:tailEnd type="none" w="med" len="med"/>
-                    </a:lnT>
-                    <a:lnB w="12700" cap="flat" cmpd="sng" algn="ctr">
-                      <a:solidFill>
-                        <a:srgbClr val="000000"/>
-                      </a:solidFill>
-                      <a:prstDash val="solid"/>
-                      <a:round/>
-                      <a:headEnd type="none" w="med" len="med"/>
-                      <a:tailEnd type="none" w="med" len="med"/>
-                    </a:lnB>
-                    <a:solidFill>
-                      <a:srgbClr val="D9D9D9"/>
-                    </a:solidFill>
-                  </a:tcPr>
-                </a:tc>
-                <a:tc>
-                  <a:txBody>
-                    <a:bodyPr/>
-                    <a:lstStyle/>
-                    <a:p>
-                      <a:pPr algn="ctr">
-                        <a:spcAft>
-                          <a:spcPts val="0"/>
-                        </a:spcAft>
-                      </a:pPr>
-                      <a:r>
-                        <a:rPr lang="zh-CN" sz="1200" kern="100">
-                          <a:effectLst/>
-                          <a:latin typeface="微软雅黑" panose="020B0503020204020204" pitchFamily="34" charset="-122"/>
-                          <a:ea typeface="微软雅黑" panose="020B0503020204020204" pitchFamily="34" charset="-122"/>
-                          <a:cs typeface="Times New Roman" panose="02020603050405020304" pitchFamily="18" charset="0"/>
-                        </a:rPr>
-                        <a:t>参与者</a:t>
-                      </a:r>
-                    </a:p>
-                  </a:txBody>
-                  <a:tcPr marL="68580" marR="68580" marT="0" marB="0">
-                    <a:lnL w="12700" cap="flat" cmpd="sng" algn="ctr">
-                      <a:solidFill>
-                        <a:srgbClr val="000000"/>
-                      </a:solidFill>
-                      <a:prstDash val="solid"/>
-                      <a:round/>
-                      <a:headEnd type="none" w="med" len="med"/>
-                      <a:tailEnd type="none" w="med" len="med"/>
-                    </a:lnL>
-                    <a:lnR w="12700" cap="flat" cmpd="sng" algn="ctr">
-                      <a:solidFill>
-                        <a:srgbClr val="000000"/>
-                      </a:solidFill>
-                      <a:prstDash val="solid"/>
-                      <a:round/>
-                      <a:headEnd type="none" w="med" len="med"/>
-                      <a:tailEnd type="none" w="med" len="med"/>
-                    </a:lnR>
-                    <a:lnT w="12700" cap="flat" cmpd="sng" algn="ctr">
-                      <a:solidFill>
-                        <a:srgbClr val="000000"/>
-                      </a:solidFill>
-                      <a:prstDash val="solid"/>
-                      <a:round/>
-                      <a:headEnd type="none" w="med" len="med"/>
-                      <a:tailEnd type="none" w="med" len="med"/>
-                    </a:lnT>
-                    <a:lnB w="12700" cap="flat" cmpd="sng" algn="ctr">
-                      <a:solidFill>
-                        <a:srgbClr val="000000"/>
-                      </a:solidFill>
-                      <a:prstDash val="solid"/>
-                      <a:round/>
-                      <a:headEnd type="none" w="med" len="med"/>
-                      <a:tailEnd type="none" w="med" len="med"/>
-                    </a:lnB>
-                    <a:solidFill>
-                      <a:srgbClr val="D9D9D9"/>
-                    </a:solidFill>
-                  </a:tcPr>
-                </a:tc>
-                <a:tc>
-                  <a:txBody>
-                    <a:bodyPr/>
-                    <a:lstStyle/>
-                    <a:p>
-                      <a:pPr algn="ctr">
-                        <a:spcAft>
-                          <a:spcPts val="0"/>
-                        </a:spcAft>
-                      </a:pPr>
-                      <a:r>
-                        <a:rPr lang="zh-CN" sz="1200" kern="100">
-                          <a:effectLst/>
-                          <a:latin typeface="微软雅黑" panose="020B0503020204020204" pitchFamily="34" charset="-122"/>
-                          <a:ea typeface="微软雅黑" panose="020B0503020204020204" pitchFamily="34" charset="-122"/>
-                          <a:cs typeface="Times New Roman" panose="02020603050405020304" pitchFamily="18" charset="0"/>
-                        </a:rPr>
-                        <a:t>起止日期</a:t>
-                      </a:r>
-                    </a:p>
-                  </a:txBody>
-                  <a:tcPr marL="68580" marR="68580" marT="0" marB="0">
-                    <a:lnL w="12700" cap="flat" cmpd="sng" algn="ctr">
-                      <a:solidFill>
-                        <a:srgbClr val="000000"/>
-                      </a:solidFill>
-                      <a:prstDash val="solid"/>
-                      <a:round/>
-                      <a:headEnd type="none" w="med" len="med"/>
-                      <a:tailEnd type="none" w="med" len="med"/>
-                    </a:lnL>
-                    <a:lnR w="12700" cap="flat" cmpd="sng" algn="ctr">
-                      <a:solidFill>
-                        <a:srgbClr val="000000"/>
-                      </a:solidFill>
-                      <a:prstDash val="solid"/>
-                      <a:round/>
-                      <a:headEnd type="none" w="med" len="med"/>
-                      <a:tailEnd type="none" w="med" len="med"/>
-                    </a:lnR>
-                    <a:lnT w="12700" cap="flat" cmpd="sng" algn="ctr">
-                      <a:solidFill>
-                        <a:srgbClr val="000000"/>
-                      </a:solidFill>
-                      <a:prstDash val="solid"/>
-                      <a:round/>
-                      <a:headEnd type="none" w="med" len="med"/>
-                      <a:tailEnd type="none" w="med" len="med"/>
-                    </a:lnT>
-                    <a:lnB w="12700" cap="flat" cmpd="sng" algn="ctr">
-                      <a:solidFill>
-                        <a:srgbClr val="000000"/>
-                      </a:solidFill>
-                      <a:prstDash val="solid"/>
-                      <a:round/>
-                      <a:headEnd type="none" w="med" len="med"/>
-                      <a:tailEnd type="none" w="med" len="med"/>
-                    </a:lnB>
-                    <a:solidFill>
-                      <a:srgbClr val="D9D9D9"/>
-                    </a:solidFill>
-                  </a:tcPr>
-                </a:tc>
-                <a:tc>
-                  <a:txBody>
-                    <a:bodyPr/>
-                    <a:lstStyle/>
-                    <a:p>
-                      <a:pPr algn="ctr">
-                        <a:spcAft>
-                          <a:spcPts val="0"/>
-                        </a:spcAft>
-                      </a:pPr>
-                      <a:r>
-                        <a:rPr lang="zh-CN" sz="1200" kern="100">
-                          <a:effectLst/>
-                          <a:latin typeface="微软雅黑" panose="020B0503020204020204" pitchFamily="34" charset="-122"/>
-                          <a:ea typeface="微软雅黑" panose="020B0503020204020204" pitchFamily="34" charset="-122"/>
-                          <a:cs typeface="Times New Roman" panose="02020603050405020304" pitchFamily="18" charset="0"/>
-                        </a:rPr>
-                        <a:t>备注</a:t>
-                      </a:r>
-                    </a:p>
-                  </a:txBody>
-                  <a:tcPr marL="68580" marR="68580" marT="0" marB="0">
-                    <a:lnL w="12700" cap="flat" cmpd="sng" algn="ctr">
-                      <a:solidFill>
-                        <a:srgbClr val="000000"/>
-                      </a:solidFill>
-                      <a:prstDash val="solid"/>
-                      <a:round/>
-                      <a:headEnd type="none" w="med" len="med"/>
-                      <a:tailEnd type="none" w="med" len="med"/>
-                    </a:lnL>
-                    <a:lnR w="12700" cap="flat" cmpd="sng" algn="ctr">
-                      <a:solidFill>
-                        <a:srgbClr val="000000"/>
-                      </a:solidFill>
-                      <a:prstDash val="solid"/>
-                      <a:round/>
-                      <a:headEnd type="none" w="med" len="med"/>
-                      <a:tailEnd type="none" w="med" len="med"/>
-                    </a:lnR>
-                    <a:lnT w="12700" cap="flat" cmpd="sng" algn="ctr">
-                      <a:solidFill>
-                        <a:srgbClr val="000000"/>
-                      </a:solidFill>
-                      <a:prstDash val="solid"/>
-                      <a:round/>
-                      <a:headEnd type="none" w="med" len="med"/>
-                      <a:tailEnd type="none" w="med" len="med"/>
-                    </a:lnT>
-                    <a:lnB w="12700" cap="flat" cmpd="sng" algn="ctr">
-                      <a:solidFill>
-                        <a:srgbClr val="000000"/>
-                      </a:solidFill>
-                      <a:prstDash val="solid"/>
-                      <a:round/>
-                      <a:headEnd type="none" w="med" len="med"/>
-                      <a:tailEnd type="none" w="med" len="med"/>
-                    </a:lnB>
-                    <a:solidFill>
-                      <a:srgbClr val="D9D9D9"/>
-                    </a:solidFill>
-                  </a:tcPr>
-                </a:tc>
-                <a:tc>
-                  <a:txBody>
-                    <a:bodyPr/>
-                    <a:lstStyle/>
-                    <a:p>
-                      <a:pPr algn="ctr">
-                        <a:spcAft>
-                          <a:spcPts val="0"/>
-                        </a:spcAft>
-                      </a:pPr>
-                      <a:r>
-                        <a:rPr lang="zh-CN" sz="1200" kern="100">
-                          <a:effectLst/>
-                          <a:latin typeface="微软雅黑" panose="020B0503020204020204" pitchFamily="34" charset="-122"/>
-                          <a:ea typeface="微软雅黑" panose="020B0503020204020204" pitchFamily="34" charset="-122"/>
-                          <a:cs typeface="Times New Roman" panose="02020603050405020304" pitchFamily="18" charset="0"/>
-                        </a:rPr>
-                        <a:t>审核人</a:t>
-                      </a:r>
-                    </a:p>
-                  </a:txBody>
-                  <a:tcPr marL="68580" marR="68580" marT="0" marB="0">
-                    <a:lnL w="12700" cap="flat" cmpd="sng" algn="ctr">
-                      <a:solidFill>
-                        <a:srgbClr val="000000"/>
-                      </a:solidFill>
-                      <a:prstDash val="solid"/>
-                      <a:round/>
-                      <a:headEnd type="none" w="med" len="med"/>
-                      <a:tailEnd type="none" w="med" len="med"/>
-                    </a:lnL>
-                    <a:lnR w="12700" cap="flat" cmpd="sng" algn="ctr">
-                      <a:solidFill>
-                        <a:srgbClr val="000000"/>
-                      </a:solidFill>
-                      <a:prstDash val="solid"/>
-                      <a:round/>
-                      <a:headEnd type="none" w="med" len="med"/>
-                      <a:tailEnd type="none" w="med" len="med"/>
-                    </a:lnR>
-                    <a:lnT w="12700" cap="flat" cmpd="sng" algn="ctr">
-                      <a:solidFill>
-                        <a:srgbClr val="000000"/>
-                      </a:solidFill>
-                      <a:prstDash val="solid"/>
-                      <a:round/>
-                      <a:headEnd type="none" w="med" len="med"/>
-                      <a:tailEnd type="none" w="med" len="med"/>
-                    </a:lnT>
-                    <a:lnB w="12700" cap="flat" cmpd="sng" algn="ctr">
-                      <a:solidFill>
-                        <a:srgbClr val="000000"/>
-                      </a:solidFill>
-                      <a:prstDash val="solid"/>
-                      <a:round/>
-                      <a:headEnd type="none" w="med" len="med"/>
-                      <a:tailEnd type="none" w="med" len="med"/>
-                    </a:lnB>
-                    <a:solidFill>
-                      <a:srgbClr val="D9D9D9"/>
-                    </a:solidFill>
-                  </a:tcPr>
-                </a:tc>
-                <a:extLst>
-                  <a:ext uri="{0D108BD9-81ED-4DB2-BD59-A6C34878D82A}">
-                    <a16:rowId xmlns:a16="http://schemas.microsoft.com/office/drawing/2014/main" val="10000"/>
-                  </a:ext>
-                </a:extLst>
-              </a:tr>
-              <a:tr h="665227">
-                <a:tc>
-                  <a:txBody>
-                    <a:bodyPr/>
-                    <a:lstStyle/>
-                    <a:p>
-                      <a:pPr algn="l">
-                        <a:spcAft>
-                          <a:spcPts val="0"/>
-                        </a:spcAft>
-                      </a:pPr>
-                      <a:r>
-                        <a:rPr lang="en-US" sz="1200" kern="100">
-                          <a:effectLst/>
-                          <a:latin typeface="微软雅黑" panose="020B0503020204020204" pitchFamily="34" charset="-122"/>
-                          <a:ea typeface="微软雅黑" panose="020B0503020204020204" pitchFamily="34" charset="-122"/>
-                          <a:cs typeface="Times New Roman" panose="02020603050405020304" pitchFamily="18" charset="0"/>
-                        </a:rPr>
-                        <a:t>V0.1</a:t>
-                      </a:r>
-                    </a:p>
-                  </a:txBody>
-                  <a:tcPr marL="68580" marR="68580" marT="0" marB="0">
-                    <a:lnL w="12700" cap="flat" cmpd="sng" algn="ctr">
-                      <a:solidFill>
-                        <a:srgbClr val="000000"/>
-                      </a:solidFill>
-                      <a:prstDash val="solid"/>
-                      <a:round/>
-                      <a:headEnd type="none" w="med" len="med"/>
-                      <a:tailEnd type="none" w="med" len="med"/>
-                    </a:lnL>
-                    <a:lnR w="12700" cap="flat" cmpd="sng" algn="ctr">
-                      <a:solidFill>
-                        <a:srgbClr val="000000"/>
-                      </a:solidFill>
-                      <a:prstDash val="solid"/>
-                      <a:round/>
-                      <a:headEnd type="none" w="med" len="med"/>
-                      <a:tailEnd type="none" w="med" len="med"/>
-                    </a:lnR>
-                    <a:lnT w="12700" cap="flat" cmpd="sng" algn="ctr">
-                      <a:solidFill>
-                        <a:srgbClr val="000000"/>
-                      </a:solidFill>
-                      <a:prstDash val="solid"/>
-                      <a:round/>
-                      <a:headEnd type="none" w="med" len="med"/>
-                      <a:tailEnd type="none" w="med" len="med"/>
-                    </a:lnT>
-                    <a:lnB w="12700" cap="flat" cmpd="sng" algn="ctr">
-                      <a:solidFill>
-                        <a:srgbClr val="000000"/>
-                      </a:solidFill>
-                      <a:prstDash val="solid"/>
-                      <a:round/>
-                      <a:headEnd type="none" w="med" len="med"/>
-                      <a:tailEnd type="none" w="med" len="med"/>
-                    </a:lnB>
-                  </a:tcPr>
-                </a:tc>
-                <a:tc>
-                  <a:txBody>
-                    <a:bodyPr/>
-                    <a:lstStyle/>
-                    <a:p>
-                      <a:pPr algn="l">
-                        <a:spcAft>
-                          <a:spcPts val="0"/>
-                        </a:spcAft>
-                      </a:pPr>
-                      <a:r>
-                        <a:rPr lang="zh-CN" sz="1200" kern="100">
-                          <a:effectLst/>
-                          <a:latin typeface="微软雅黑" panose="020B0503020204020204" pitchFamily="34" charset="-122"/>
-                          <a:ea typeface="微软雅黑" panose="020B0503020204020204" pitchFamily="34" charset="-122"/>
-                          <a:cs typeface="Times New Roman" panose="02020603050405020304" pitchFamily="18" charset="0"/>
-                        </a:rPr>
-                        <a:t>陈遵义、陈妍蓝</a:t>
-                      </a:r>
-                    </a:p>
-                  </a:txBody>
-                  <a:tcPr marL="68580" marR="68580" marT="0" marB="0">
-                    <a:lnL w="12700" cap="flat" cmpd="sng" algn="ctr">
-                      <a:solidFill>
-                        <a:srgbClr val="000000"/>
-                      </a:solidFill>
-                      <a:prstDash val="solid"/>
-                      <a:round/>
-                      <a:headEnd type="none" w="med" len="med"/>
-                      <a:tailEnd type="none" w="med" len="med"/>
-                    </a:lnL>
-                    <a:lnR w="12700" cap="flat" cmpd="sng" algn="ctr">
-                      <a:solidFill>
-                        <a:srgbClr val="000000"/>
-                      </a:solidFill>
-                      <a:prstDash val="solid"/>
-                      <a:round/>
-                      <a:headEnd type="none" w="med" len="med"/>
-                      <a:tailEnd type="none" w="med" len="med"/>
-                    </a:lnR>
-                    <a:lnT w="12700" cap="flat" cmpd="sng" algn="ctr">
-                      <a:solidFill>
-                        <a:srgbClr val="000000"/>
-                      </a:solidFill>
-                      <a:prstDash val="solid"/>
-                      <a:round/>
-                      <a:headEnd type="none" w="med" len="med"/>
-                      <a:tailEnd type="none" w="med" len="med"/>
-                    </a:lnT>
-                    <a:lnB w="12700" cap="flat" cmpd="sng" algn="ctr">
-                      <a:solidFill>
-                        <a:srgbClr val="000000"/>
-                      </a:solidFill>
-                      <a:prstDash val="solid"/>
-                      <a:round/>
-                      <a:headEnd type="none" w="med" len="med"/>
-                      <a:tailEnd type="none" w="med" len="med"/>
-                    </a:lnB>
-                  </a:tcPr>
-                </a:tc>
-                <a:tc>
-                  <a:txBody>
-                    <a:bodyPr/>
-                    <a:lstStyle/>
-                    <a:p>
-                      <a:pPr algn="l">
-                        <a:spcAft>
-                          <a:spcPts val="0"/>
-                        </a:spcAft>
-                      </a:pPr>
-                      <a:r>
-                        <a:rPr lang="en-US" sz="1200" kern="100">
-                          <a:effectLst/>
-                          <a:latin typeface="微软雅黑" panose="020B0503020204020204" pitchFamily="34" charset="-122"/>
-                          <a:ea typeface="微软雅黑" panose="020B0503020204020204" pitchFamily="34" charset="-122"/>
-                          <a:cs typeface="微软雅黑" panose="020B0503020204020204" pitchFamily="34" charset="-122"/>
-                        </a:rPr>
-                        <a:t>2018</a:t>
-                      </a:r>
-                      <a:r>
-                        <a:rPr lang="zh-CN" sz="1200" kern="100">
-                          <a:effectLst/>
-                          <a:latin typeface="微软雅黑" panose="020B0503020204020204" pitchFamily="34" charset="-122"/>
-                          <a:ea typeface="微软雅黑" panose="020B0503020204020204" pitchFamily="34" charset="-122"/>
-                          <a:cs typeface="微软雅黑" panose="020B0503020204020204" pitchFamily="34" charset="-122"/>
-                        </a:rPr>
-                        <a:t>年</a:t>
-                      </a:r>
-                      <a:r>
-                        <a:rPr lang="en-US" sz="1200" kern="100">
-                          <a:effectLst/>
-                          <a:latin typeface="微软雅黑" panose="020B0503020204020204" pitchFamily="34" charset="-122"/>
-                          <a:ea typeface="微软雅黑" panose="020B0503020204020204" pitchFamily="34" charset="-122"/>
-                          <a:cs typeface="微软雅黑" panose="020B0503020204020204" pitchFamily="34" charset="-122"/>
-                        </a:rPr>
-                        <a:t>9</a:t>
-                      </a:r>
-                      <a:r>
-                        <a:rPr lang="zh-CN" sz="1200" kern="100">
-                          <a:effectLst/>
-                          <a:latin typeface="微软雅黑" panose="020B0503020204020204" pitchFamily="34" charset="-122"/>
-                          <a:ea typeface="微软雅黑" panose="020B0503020204020204" pitchFamily="34" charset="-122"/>
-                          <a:cs typeface="微软雅黑" panose="020B0503020204020204" pitchFamily="34" charset="-122"/>
-                        </a:rPr>
-                        <a:t>月</a:t>
-                      </a:r>
-                      <a:r>
-                        <a:rPr lang="en-US" sz="1200" kern="100">
-                          <a:effectLst/>
-                          <a:latin typeface="微软雅黑" panose="020B0503020204020204" pitchFamily="34" charset="-122"/>
-                          <a:ea typeface="微软雅黑" panose="020B0503020204020204" pitchFamily="34" charset="-122"/>
-                          <a:cs typeface="微软雅黑" panose="020B0503020204020204" pitchFamily="34" charset="-122"/>
-                        </a:rPr>
-                        <a:t>29</a:t>
-                      </a:r>
-                      <a:r>
-                        <a:rPr lang="zh-CN" sz="1200" kern="100">
-                          <a:effectLst/>
-                          <a:latin typeface="微软雅黑" panose="020B0503020204020204" pitchFamily="34" charset="-122"/>
-                          <a:ea typeface="微软雅黑" panose="020B0503020204020204" pitchFamily="34" charset="-122"/>
-                          <a:cs typeface="微软雅黑" panose="020B0503020204020204" pitchFamily="34" charset="-122"/>
-                        </a:rPr>
-                        <a:t>日</a:t>
-                      </a:r>
-                      <a:endParaRPr lang="zh-CN" sz="1050" kern="100">
-                        <a:effectLst/>
-                        <a:latin typeface="微软雅黑" panose="020B0503020204020204" pitchFamily="34" charset="-122"/>
-                        <a:ea typeface="微软雅黑" panose="020B0503020204020204" pitchFamily="34" charset="-122"/>
-                        <a:cs typeface="微软雅黑" panose="020B0503020204020204" pitchFamily="34" charset="-122"/>
-                      </a:endParaRPr>
-                    </a:p>
-                  </a:txBody>
-                  <a:tcPr marL="68580" marR="68580" marT="0" marB="0">
-                    <a:lnL w="12700" cap="flat" cmpd="sng" algn="ctr">
-                      <a:solidFill>
-                        <a:srgbClr val="000000"/>
-                      </a:solidFill>
-                      <a:prstDash val="solid"/>
-                      <a:round/>
-                      <a:headEnd type="none" w="med" len="med"/>
-                      <a:tailEnd type="none" w="med" len="med"/>
-                    </a:lnL>
-                    <a:lnR w="12700" cap="flat" cmpd="sng" algn="ctr">
-                      <a:solidFill>
-                        <a:srgbClr val="000000"/>
-                      </a:solidFill>
-                      <a:prstDash val="solid"/>
-                      <a:round/>
-                      <a:headEnd type="none" w="med" len="med"/>
-                      <a:tailEnd type="none" w="med" len="med"/>
-                    </a:lnR>
-                    <a:lnT w="12700" cap="flat" cmpd="sng" algn="ctr">
-                      <a:solidFill>
-                        <a:srgbClr val="000000"/>
-                      </a:solidFill>
-                      <a:prstDash val="solid"/>
-                      <a:round/>
-                      <a:headEnd type="none" w="med" len="med"/>
-                      <a:tailEnd type="none" w="med" len="med"/>
-                    </a:lnT>
-                    <a:lnB w="12700" cap="flat" cmpd="sng" algn="ctr">
-                      <a:solidFill>
-                        <a:srgbClr val="000000"/>
-                      </a:solidFill>
-                      <a:prstDash val="solid"/>
-                      <a:round/>
-                      <a:headEnd type="none" w="med" len="med"/>
-                      <a:tailEnd type="none" w="med" len="med"/>
-                    </a:lnB>
-                  </a:tcPr>
-                </a:tc>
-                <a:tc>
-                  <a:txBody>
-                    <a:bodyPr/>
-                    <a:lstStyle/>
-                    <a:p>
-                      <a:pPr algn="l">
-                        <a:spcAft>
-                          <a:spcPts val="0"/>
-                        </a:spcAft>
-                      </a:pPr>
-                      <a:r>
-                        <a:rPr lang="zh-CN" sz="1200" kern="100">
-                          <a:effectLst/>
-                          <a:latin typeface="微软雅黑" panose="020B0503020204020204" pitchFamily="34" charset="-122"/>
-                          <a:ea typeface="微软雅黑" panose="020B0503020204020204" pitchFamily="34" charset="-122"/>
-                          <a:cs typeface="Times New Roman" panose="02020603050405020304" pitchFamily="18" charset="0"/>
-                        </a:rPr>
-                        <a:t>需求工程计划的初步编写</a:t>
-                      </a:r>
-                    </a:p>
-                  </a:txBody>
-                  <a:tcPr marL="68580" marR="68580" marT="0" marB="0">
-                    <a:lnL w="12700" cap="flat" cmpd="sng" algn="ctr">
-                      <a:solidFill>
-                        <a:srgbClr val="000000"/>
-                      </a:solidFill>
-                      <a:prstDash val="solid"/>
-                      <a:round/>
-                      <a:headEnd type="none" w="med" len="med"/>
-                      <a:tailEnd type="none" w="med" len="med"/>
-                    </a:lnL>
-                    <a:lnR w="12700" cap="flat" cmpd="sng" algn="ctr">
-                      <a:solidFill>
-                        <a:srgbClr val="000000"/>
-                      </a:solidFill>
-                      <a:prstDash val="solid"/>
-                      <a:round/>
-                      <a:headEnd type="none" w="med" len="med"/>
-                      <a:tailEnd type="none" w="med" len="med"/>
-                    </a:lnR>
-                    <a:lnT w="12700" cap="flat" cmpd="sng" algn="ctr">
-                      <a:solidFill>
-                        <a:srgbClr val="000000"/>
-                      </a:solidFill>
-                      <a:prstDash val="solid"/>
-                      <a:round/>
-                      <a:headEnd type="none" w="med" len="med"/>
-                      <a:tailEnd type="none" w="med" len="med"/>
-                    </a:lnT>
-                    <a:lnB w="12700" cap="flat" cmpd="sng" algn="ctr">
-                      <a:solidFill>
-                        <a:srgbClr val="000000"/>
-                      </a:solidFill>
-                      <a:prstDash val="solid"/>
-                      <a:round/>
-                      <a:headEnd type="none" w="med" len="med"/>
-                      <a:tailEnd type="none" w="med" len="med"/>
-                    </a:lnB>
-                  </a:tcPr>
-                </a:tc>
-                <a:tc>
-                  <a:txBody>
-                    <a:bodyPr/>
-                    <a:lstStyle/>
-                    <a:p>
-                      <a:pPr algn="l">
-                        <a:spcAft>
-                          <a:spcPts val="0"/>
-                        </a:spcAft>
-                      </a:pPr>
-                      <a:r>
-                        <a:rPr lang="zh-CN" sz="1200" kern="100">
-                          <a:effectLst/>
-                          <a:latin typeface="微软雅黑" panose="020B0503020204020204" pitchFamily="34" charset="-122"/>
-                          <a:ea typeface="微软雅黑" panose="020B0503020204020204" pitchFamily="34" charset="-122"/>
-                          <a:cs typeface="Times New Roman" panose="02020603050405020304" pitchFamily="18" charset="0"/>
-                        </a:rPr>
-                        <a:t>陈妍蓝</a:t>
-                      </a:r>
-                    </a:p>
-                  </a:txBody>
-                  <a:tcPr marL="68580" marR="68580" marT="0" marB="0">
-                    <a:lnL w="12700" cap="flat" cmpd="sng" algn="ctr">
-                      <a:solidFill>
-                        <a:srgbClr val="000000"/>
-                      </a:solidFill>
-                      <a:prstDash val="solid"/>
-                      <a:round/>
-                      <a:headEnd type="none" w="med" len="med"/>
-                      <a:tailEnd type="none" w="med" len="med"/>
-                    </a:lnL>
-                    <a:lnR w="12700" cap="flat" cmpd="sng" algn="ctr">
-                      <a:solidFill>
-                        <a:srgbClr val="000000"/>
-                      </a:solidFill>
-                      <a:prstDash val="solid"/>
-                      <a:round/>
-                      <a:headEnd type="none" w="med" len="med"/>
-                      <a:tailEnd type="none" w="med" len="med"/>
-                    </a:lnR>
-                    <a:lnT w="12700" cap="flat" cmpd="sng" algn="ctr">
-                      <a:solidFill>
-                        <a:srgbClr val="000000"/>
-                      </a:solidFill>
-                      <a:prstDash val="solid"/>
-                      <a:round/>
-                      <a:headEnd type="none" w="med" len="med"/>
-                      <a:tailEnd type="none" w="med" len="med"/>
-                    </a:lnT>
-                    <a:lnB w="12700" cap="flat" cmpd="sng" algn="ctr">
-                      <a:solidFill>
-                        <a:srgbClr val="000000"/>
-                      </a:solidFill>
-                      <a:prstDash val="solid"/>
-                      <a:round/>
-                      <a:headEnd type="none" w="med" len="med"/>
-                      <a:tailEnd type="none" w="med" len="med"/>
-                    </a:lnB>
-                  </a:tcPr>
-                </a:tc>
-                <a:extLst>
-                  <a:ext uri="{0D108BD9-81ED-4DB2-BD59-A6C34878D82A}">
-                    <a16:rowId xmlns:a16="http://schemas.microsoft.com/office/drawing/2014/main" val="10001"/>
-                  </a:ext>
-                </a:extLst>
-              </a:tr>
-              <a:tr h="332613">
-                <a:tc>
-                  <a:txBody>
-                    <a:bodyPr/>
-                    <a:lstStyle/>
-                    <a:p>
-                      <a:pPr algn="l">
-                        <a:spcAft>
-                          <a:spcPts val="0"/>
-                        </a:spcAft>
-                      </a:pPr>
-                      <a:r>
-                        <a:rPr lang="en-US" sz="1200" kern="100">
-                          <a:effectLst/>
-                          <a:latin typeface="微软雅黑" panose="020B0503020204020204" pitchFamily="34" charset="-122"/>
-                          <a:ea typeface="微软雅黑" panose="020B0503020204020204" pitchFamily="34" charset="-122"/>
-                          <a:cs typeface="Times New Roman" panose="02020603050405020304" pitchFamily="18" charset="0"/>
-                        </a:rPr>
-                        <a:t>V0.2</a:t>
-                      </a:r>
-                    </a:p>
-                  </a:txBody>
-                  <a:tcPr marL="68580" marR="68580" marT="0" marB="0">
-                    <a:lnL w="12700" cap="flat" cmpd="sng" algn="ctr">
-                      <a:solidFill>
-                        <a:srgbClr val="000000"/>
-                      </a:solidFill>
-                      <a:prstDash val="solid"/>
-                      <a:round/>
-                      <a:headEnd type="none" w="med" len="med"/>
-                      <a:tailEnd type="none" w="med" len="med"/>
-                    </a:lnL>
-                    <a:lnR w="12700" cap="flat" cmpd="sng" algn="ctr">
-                      <a:solidFill>
-                        <a:srgbClr val="000000"/>
-                      </a:solidFill>
-                      <a:prstDash val="solid"/>
-                      <a:round/>
-                      <a:headEnd type="none" w="med" len="med"/>
-                      <a:tailEnd type="none" w="med" len="med"/>
-                    </a:lnR>
-                    <a:lnT w="12700" cap="flat" cmpd="sng" algn="ctr">
-                      <a:solidFill>
-                        <a:srgbClr val="000000"/>
-                      </a:solidFill>
-                      <a:prstDash val="solid"/>
-                      <a:round/>
-                      <a:headEnd type="none" w="med" len="med"/>
-                      <a:tailEnd type="none" w="med" len="med"/>
-                    </a:lnT>
-                    <a:lnB w="12700" cap="flat" cmpd="sng" algn="ctr">
-                      <a:solidFill>
-                        <a:srgbClr val="000000"/>
-                      </a:solidFill>
-                      <a:prstDash val="solid"/>
-                      <a:round/>
-                      <a:headEnd type="none" w="med" len="med"/>
-                      <a:tailEnd type="none" w="med" len="med"/>
-                    </a:lnB>
-                  </a:tcPr>
-                </a:tc>
-                <a:tc>
-                  <a:txBody>
-                    <a:bodyPr/>
-                    <a:lstStyle/>
-                    <a:p>
-                      <a:pPr algn="l">
-                        <a:spcAft>
-                          <a:spcPts val="0"/>
-                        </a:spcAft>
-                      </a:pPr>
-                      <a:r>
-                        <a:rPr lang="zh-CN" sz="1200" kern="100">
-                          <a:effectLst/>
-                          <a:latin typeface="微软雅黑" panose="020B0503020204020204" pitchFamily="34" charset="-122"/>
-                          <a:ea typeface="微软雅黑" panose="020B0503020204020204" pitchFamily="34" charset="-122"/>
-                          <a:cs typeface="Times New Roman" panose="02020603050405020304" pitchFamily="18" charset="0"/>
-                        </a:rPr>
-                        <a:t>陈妍蓝</a:t>
-                      </a:r>
-                    </a:p>
-                  </a:txBody>
-                  <a:tcPr marL="68580" marR="68580" marT="0" marB="0">
-                    <a:lnL w="12700" cap="flat" cmpd="sng" algn="ctr">
-                      <a:solidFill>
-                        <a:srgbClr val="000000"/>
-                      </a:solidFill>
-                      <a:prstDash val="solid"/>
-                      <a:round/>
-                      <a:headEnd type="none" w="med" len="med"/>
-                      <a:tailEnd type="none" w="med" len="med"/>
-                    </a:lnL>
-                    <a:lnR w="12700" cap="flat" cmpd="sng" algn="ctr">
-                      <a:solidFill>
-                        <a:srgbClr val="000000"/>
-                      </a:solidFill>
-                      <a:prstDash val="solid"/>
-                      <a:round/>
-                      <a:headEnd type="none" w="med" len="med"/>
-                      <a:tailEnd type="none" w="med" len="med"/>
-                    </a:lnR>
-                    <a:lnT w="12700" cap="flat" cmpd="sng" algn="ctr">
-                      <a:solidFill>
-                        <a:srgbClr val="000000"/>
-                      </a:solidFill>
-                      <a:prstDash val="solid"/>
-                      <a:round/>
-                      <a:headEnd type="none" w="med" len="med"/>
-                      <a:tailEnd type="none" w="med" len="med"/>
-                    </a:lnT>
-                    <a:lnB w="12700" cap="flat" cmpd="sng" algn="ctr">
-                      <a:solidFill>
-                        <a:srgbClr val="000000"/>
-                      </a:solidFill>
-                      <a:prstDash val="solid"/>
-                      <a:round/>
-                      <a:headEnd type="none" w="med" len="med"/>
-                      <a:tailEnd type="none" w="med" len="med"/>
-                    </a:lnB>
-                  </a:tcPr>
-                </a:tc>
-                <a:tc>
-                  <a:txBody>
-                    <a:bodyPr/>
-                    <a:lstStyle/>
-                    <a:p>
-                      <a:pPr algn="l">
-                        <a:spcAft>
-                          <a:spcPts val="0"/>
-                        </a:spcAft>
-                      </a:pPr>
-                      <a:r>
-                        <a:rPr lang="en-US" sz="1200" kern="100">
-                          <a:effectLst/>
-                          <a:latin typeface="微软雅黑" panose="020B0503020204020204" pitchFamily="34" charset="-122"/>
-                          <a:ea typeface="微软雅黑" panose="020B0503020204020204" pitchFamily="34" charset="-122"/>
-                          <a:cs typeface="微软雅黑" panose="020B0503020204020204" pitchFamily="34" charset="-122"/>
-                        </a:rPr>
-                        <a:t>2018</a:t>
-                      </a:r>
-                      <a:r>
-                        <a:rPr lang="zh-CN" sz="1200" kern="100">
-                          <a:effectLst/>
-                          <a:latin typeface="微软雅黑" panose="020B0503020204020204" pitchFamily="34" charset="-122"/>
-                          <a:ea typeface="微软雅黑" panose="020B0503020204020204" pitchFamily="34" charset="-122"/>
-                          <a:cs typeface="微软雅黑" panose="020B0503020204020204" pitchFamily="34" charset="-122"/>
-                        </a:rPr>
-                        <a:t>年</a:t>
-                      </a:r>
-                      <a:r>
-                        <a:rPr lang="en-US" sz="1200" kern="100">
-                          <a:effectLst/>
-                          <a:latin typeface="微软雅黑" panose="020B0503020204020204" pitchFamily="34" charset="-122"/>
-                          <a:ea typeface="微软雅黑" panose="020B0503020204020204" pitchFamily="34" charset="-122"/>
-                          <a:cs typeface="微软雅黑" panose="020B0503020204020204" pitchFamily="34" charset="-122"/>
-                        </a:rPr>
-                        <a:t>10</a:t>
-                      </a:r>
-                      <a:r>
-                        <a:rPr lang="zh-CN" sz="1200" kern="100">
-                          <a:effectLst/>
-                          <a:latin typeface="微软雅黑" panose="020B0503020204020204" pitchFamily="34" charset="-122"/>
-                          <a:ea typeface="微软雅黑" panose="020B0503020204020204" pitchFamily="34" charset="-122"/>
-                          <a:cs typeface="微软雅黑" panose="020B0503020204020204" pitchFamily="34" charset="-122"/>
-                        </a:rPr>
-                        <a:t>月</a:t>
-                      </a:r>
-                      <a:r>
-                        <a:rPr lang="en-US" sz="1200" kern="100">
-                          <a:effectLst/>
-                          <a:latin typeface="微软雅黑" panose="020B0503020204020204" pitchFamily="34" charset="-122"/>
-                          <a:ea typeface="微软雅黑" panose="020B0503020204020204" pitchFamily="34" charset="-122"/>
-                          <a:cs typeface="微软雅黑" panose="020B0503020204020204" pitchFamily="34" charset="-122"/>
-                        </a:rPr>
-                        <a:t>7</a:t>
-                      </a:r>
-                      <a:r>
-                        <a:rPr lang="zh-CN" sz="1200" kern="100">
-                          <a:effectLst/>
-                          <a:latin typeface="微软雅黑" panose="020B0503020204020204" pitchFamily="34" charset="-122"/>
-                          <a:ea typeface="微软雅黑" panose="020B0503020204020204" pitchFamily="34" charset="-122"/>
-                          <a:cs typeface="微软雅黑" panose="020B0503020204020204" pitchFamily="34" charset="-122"/>
-                        </a:rPr>
-                        <a:t>日</a:t>
-                      </a:r>
-                      <a:endParaRPr lang="zh-CN" sz="1050" kern="100">
-                        <a:effectLst/>
-                        <a:latin typeface="微软雅黑" panose="020B0503020204020204" pitchFamily="34" charset="-122"/>
-                        <a:ea typeface="微软雅黑" panose="020B0503020204020204" pitchFamily="34" charset="-122"/>
-                        <a:cs typeface="微软雅黑" panose="020B0503020204020204" pitchFamily="34" charset="-122"/>
-                      </a:endParaRPr>
-                    </a:p>
-                  </a:txBody>
-                  <a:tcPr marL="68580" marR="68580" marT="0" marB="0">
-                    <a:lnL w="12700" cap="flat" cmpd="sng" algn="ctr">
-                      <a:solidFill>
-                        <a:srgbClr val="000000"/>
-                      </a:solidFill>
-                      <a:prstDash val="solid"/>
-                      <a:round/>
-                      <a:headEnd type="none" w="med" len="med"/>
-                      <a:tailEnd type="none" w="med" len="med"/>
-                    </a:lnL>
-                    <a:lnR w="12700" cap="flat" cmpd="sng" algn="ctr">
-                      <a:solidFill>
-                        <a:srgbClr val="000000"/>
-                      </a:solidFill>
-                      <a:prstDash val="solid"/>
-                      <a:round/>
-                      <a:headEnd type="none" w="med" len="med"/>
-                      <a:tailEnd type="none" w="med" len="med"/>
-                    </a:lnR>
-                    <a:lnT w="12700" cap="flat" cmpd="sng" algn="ctr">
-                      <a:solidFill>
-                        <a:srgbClr val="000000"/>
-                      </a:solidFill>
-                      <a:prstDash val="solid"/>
-                      <a:round/>
-                      <a:headEnd type="none" w="med" len="med"/>
-                      <a:tailEnd type="none" w="med" len="med"/>
-                    </a:lnT>
-                    <a:lnB w="12700" cap="flat" cmpd="sng" algn="ctr">
-                      <a:solidFill>
-                        <a:srgbClr val="000000"/>
-                      </a:solidFill>
-                      <a:prstDash val="solid"/>
-                      <a:round/>
-                      <a:headEnd type="none" w="med" len="med"/>
-                      <a:tailEnd type="none" w="med" len="med"/>
-                    </a:lnB>
-                  </a:tcPr>
-                </a:tc>
-                <a:tc>
-                  <a:txBody>
-                    <a:bodyPr/>
-                    <a:lstStyle/>
-                    <a:p>
-                      <a:pPr algn="l">
-                        <a:spcAft>
-                          <a:spcPts val="0"/>
-                        </a:spcAft>
-                      </a:pPr>
-                      <a:r>
-                        <a:rPr lang="zh-CN" sz="1200" kern="100">
-                          <a:effectLst/>
-                          <a:latin typeface="微软雅黑" panose="020B0503020204020204" pitchFamily="34" charset="-122"/>
-                          <a:ea typeface="微软雅黑" panose="020B0503020204020204" pitchFamily="34" charset="-122"/>
-                          <a:cs typeface="Times New Roman" panose="02020603050405020304" pitchFamily="18" charset="0"/>
-                        </a:rPr>
-                        <a:t>需求工程计划的修改</a:t>
-                      </a:r>
-                    </a:p>
-                  </a:txBody>
-                  <a:tcPr marL="68580" marR="68580" marT="0" marB="0">
-                    <a:lnL w="12700" cap="flat" cmpd="sng" algn="ctr">
-                      <a:solidFill>
-                        <a:srgbClr val="000000"/>
-                      </a:solidFill>
-                      <a:prstDash val="solid"/>
-                      <a:round/>
-                      <a:headEnd type="none" w="med" len="med"/>
-                      <a:tailEnd type="none" w="med" len="med"/>
-                    </a:lnL>
-                    <a:lnR w="12700" cap="flat" cmpd="sng" algn="ctr">
-                      <a:solidFill>
-                        <a:srgbClr val="000000"/>
-                      </a:solidFill>
-                      <a:prstDash val="solid"/>
-                      <a:round/>
-                      <a:headEnd type="none" w="med" len="med"/>
-                      <a:tailEnd type="none" w="med" len="med"/>
-                    </a:lnR>
-                    <a:lnT w="12700" cap="flat" cmpd="sng" algn="ctr">
-                      <a:solidFill>
-                        <a:srgbClr val="000000"/>
-                      </a:solidFill>
-                      <a:prstDash val="solid"/>
-                      <a:round/>
-                      <a:headEnd type="none" w="med" len="med"/>
-                      <a:tailEnd type="none" w="med" len="med"/>
-                    </a:lnT>
-                    <a:lnB w="12700" cap="flat" cmpd="sng" algn="ctr">
-                      <a:solidFill>
-                        <a:srgbClr val="000000"/>
-                      </a:solidFill>
-                      <a:prstDash val="solid"/>
-                      <a:round/>
-                      <a:headEnd type="none" w="med" len="med"/>
-                      <a:tailEnd type="none" w="med" len="med"/>
-                    </a:lnB>
-                  </a:tcPr>
-                </a:tc>
-                <a:tc>
-                  <a:txBody>
-                    <a:bodyPr/>
-                    <a:lstStyle/>
-                    <a:p>
-                      <a:pPr algn="l">
-                        <a:spcAft>
-                          <a:spcPts val="0"/>
-                        </a:spcAft>
-                      </a:pPr>
-                      <a:r>
-                        <a:rPr lang="en-US" sz="1200" kern="100">
-                          <a:effectLst/>
-                          <a:latin typeface="微软雅黑" panose="020B0503020204020204" pitchFamily="34" charset="-122"/>
-                          <a:ea typeface="微软雅黑" panose="020B0503020204020204" pitchFamily="34" charset="-122"/>
-                          <a:cs typeface="Times New Roman" panose="02020603050405020304" pitchFamily="18" charset="0"/>
-                        </a:rPr>
-                        <a:t>G18</a:t>
-                      </a:r>
-                    </a:p>
-                  </a:txBody>
-                  <a:tcPr marL="68580" marR="68580" marT="0" marB="0">
-                    <a:lnL w="12700" cap="flat" cmpd="sng" algn="ctr">
-                      <a:solidFill>
-                        <a:srgbClr val="000000"/>
-                      </a:solidFill>
-                      <a:prstDash val="solid"/>
-                      <a:round/>
-                      <a:headEnd type="none" w="med" len="med"/>
-                      <a:tailEnd type="none" w="med" len="med"/>
-                    </a:lnL>
-                    <a:lnR w="12700" cap="flat" cmpd="sng" algn="ctr">
-                      <a:solidFill>
-                        <a:srgbClr val="000000"/>
-                      </a:solidFill>
-                      <a:prstDash val="solid"/>
-                      <a:round/>
-                      <a:headEnd type="none" w="med" len="med"/>
-                      <a:tailEnd type="none" w="med" len="med"/>
-                    </a:lnR>
-                    <a:lnT w="12700" cap="flat" cmpd="sng" algn="ctr">
-                      <a:solidFill>
-                        <a:srgbClr val="000000"/>
-                      </a:solidFill>
-                      <a:prstDash val="solid"/>
-                      <a:round/>
-                      <a:headEnd type="none" w="med" len="med"/>
-                      <a:tailEnd type="none" w="med" len="med"/>
-                    </a:lnT>
-                    <a:lnB w="12700" cap="flat" cmpd="sng" algn="ctr">
-                      <a:solidFill>
-                        <a:srgbClr val="000000"/>
-                      </a:solidFill>
-                      <a:prstDash val="solid"/>
-                      <a:round/>
-                      <a:headEnd type="none" w="med" len="med"/>
-                      <a:tailEnd type="none" w="med" len="med"/>
-                    </a:lnB>
-                  </a:tcPr>
-                </a:tc>
-                <a:extLst>
-                  <a:ext uri="{0D108BD9-81ED-4DB2-BD59-A6C34878D82A}">
-                    <a16:rowId xmlns:a16="http://schemas.microsoft.com/office/drawing/2014/main" val="10002"/>
-                  </a:ext>
-                </a:extLst>
-              </a:tr>
-              <a:tr h="665227">
-                <a:tc>
-                  <a:txBody>
-                    <a:bodyPr/>
-                    <a:lstStyle/>
-                    <a:p>
-                      <a:pPr algn="l">
-                        <a:spcAft>
-                          <a:spcPts val="0"/>
-                        </a:spcAft>
-                      </a:pPr>
-                      <a:r>
-                        <a:rPr lang="en-US" sz="1200" kern="100">
-                          <a:effectLst/>
-                          <a:latin typeface="微软雅黑" panose="020B0503020204020204" pitchFamily="34" charset="-122"/>
-                          <a:ea typeface="微软雅黑" panose="020B0503020204020204" pitchFamily="34" charset="-122"/>
-                          <a:cs typeface="Times New Roman" panose="02020603050405020304" pitchFamily="18" charset="0"/>
-                        </a:rPr>
-                        <a:t>V0.3</a:t>
-                      </a:r>
-                    </a:p>
-                  </a:txBody>
-                  <a:tcPr marL="68580" marR="68580" marT="0" marB="0">
-                    <a:lnL w="12700" cap="flat" cmpd="sng" algn="ctr">
-                      <a:solidFill>
-                        <a:srgbClr val="000000"/>
-                      </a:solidFill>
-                      <a:prstDash val="solid"/>
-                      <a:round/>
-                      <a:headEnd type="none" w="med" len="med"/>
-                      <a:tailEnd type="none" w="med" len="med"/>
-                    </a:lnL>
-                    <a:lnR w="12700" cap="flat" cmpd="sng" algn="ctr">
-                      <a:solidFill>
-                        <a:srgbClr val="000000"/>
-                      </a:solidFill>
-                      <a:prstDash val="solid"/>
-                      <a:round/>
-                      <a:headEnd type="none" w="med" len="med"/>
-                      <a:tailEnd type="none" w="med" len="med"/>
-                    </a:lnR>
-                    <a:lnT w="12700" cap="flat" cmpd="sng" algn="ctr">
-                      <a:solidFill>
-                        <a:srgbClr val="000000"/>
-                      </a:solidFill>
-                      <a:prstDash val="solid"/>
-                      <a:round/>
-                      <a:headEnd type="none" w="med" len="med"/>
-                      <a:tailEnd type="none" w="med" len="med"/>
-                    </a:lnT>
-                    <a:lnB w="12700" cap="flat" cmpd="sng" algn="ctr">
-                      <a:solidFill>
-                        <a:srgbClr val="000000"/>
-                      </a:solidFill>
-                      <a:prstDash val="solid"/>
-                      <a:round/>
-                      <a:headEnd type="none" w="med" len="med"/>
-                      <a:tailEnd type="none" w="med" len="med"/>
-                    </a:lnB>
-                  </a:tcPr>
-                </a:tc>
-                <a:tc>
-                  <a:txBody>
-                    <a:bodyPr/>
-                    <a:lstStyle/>
-                    <a:p>
-                      <a:pPr algn="l">
-                        <a:spcAft>
-                          <a:spcPts val="0"/>
-                        </a:spcAft>
-                      </a:pPr>
-                      <a:r>
-                        <a:rPr lang="zh-CN" sz="1200" kern="100">
-                          <a:effectLst/>
-                          <a:latin typeface="微软雅黑" panose="020B0503020204020204" pitchFamily="34" charset="-122"/>
-                          <a:ea typeface="微软雅黑" panose="020B0503020204020204" pitchFamily="34" charset="-122"/>
-                          <a:cs typeface="Times New Roman" panose="02020603050405020304" pitchFamily="18" charset="0"/>
-                        </a:rPr>
-                        <a:t>陈妍蓝</a:t>
-                      </a:r>
-                    </a:p>
-                  </a:txBody>
-                  <a:tcPr marL="68580" marR="68580" marT="0" marB="0">
-                    <a:lnL w="12700" cap="flat" cmpd="sng" algn="ctr">
-                      <a:solidFill>
-                        <a:srgbClr val="000000"/>
-                      </a:solidFill>
-                      <a:prstDash val="solid"/>
-                      <a:round/>
-                      <a:headEnd type="none" w="med" len="med"/>
-                      <a:tailEnd type="none" w="med" len="med"/>
-                    </a:lnL>
-                    <a:lnR w="12700" cap="flat" cmpd="sng" algn="ctr">
-                      <a:solidFill>
-                        <a:srgbClr val="000000"/>
-                      </a:solidFill>
-                      <a:prstDash val="solid"/>
-                      <a:round/>
-                      <a:headEnd type="none" w="med" len="med"/>
-                      <a:tailEnd type="none" w="med" len="med"/>
-                    </a:lnR>
-                    <a:lnT w="12700" cap="flat" cmpd="sng" algn="ctr">
-                      <a:solidFill>
-                        <a:srgbClr val="000000"/>
-                      </a:solidFill>
-                      <a:prstDash val="solid"/>
-                      <a:round/>
-                      <a:headEnd type="none" w="med" len="med"/>
-                      <a:tailEnd type="none" w="med" len="med"/>
-                    </a:lnT>
-                    <a:lnB w="12700" cap="flat" cmpd="sng" algn="ctr">
-                      <a:solidFill>
-                        <a:srgbClr val="000000"/>
-                      </a:solidFill>
-                      <a:prstDash val="solid"/>
-                      <a:round/>
-                      <a:headEnd type="none" w="med" len="med"/>
-                      <a:tailEnd type="none" w="med" len="med"/>
-                    </a:lnB>
-                  </a:tcPr>
-                </a:tc>
-                <a:tc>
-                  <a:txBody>
-                    <a:bodyPr/>
-                    <a:lstStyle/>
-                    <a:p>
-                      <a:pPr algn="l">
-                        <a:spcAft>
-                          <a:spcPts val="0"/>
-                        </a:spcAft>
-                      </a:pPr>
-                      <a:r>
-                        <a:rPr lang="en-US" sz="1200" kern="100">
-                          <a:effectLst/>
-                          <a:latin typeface="微软雅黑" panose="020B0503020204020204" pitchFamily="34" charset="-122"/>
-                          <a:ea typeface="微软雅黑" panose="020B0503020204020204" pitchFamily="34" charset="-122"/>
-                          <a:cs typeface="微软雅黑" panose="020B0503020204020204" pitchFamily="34" charset="-122"/>
-                        </a:rPr>
-                        <a:t>2018</a:t>
-                      </a:r>
-                      <a:r>
-                        <a:rPr lang="zh-CN" sz="1200" kern="100">
-                          <a:effectLst/>
-                          <a:latin typeface="微软雅黑" panose="020B0503020204020204" pitchFamily="34" charset="-122"/>
-                          <a:ea typeface="微软雅黑" panose="020B0503020204020204" pitchFamily="34" charset="-122"/>
-                          <a:cs typeface="微软雅黑" panose="020B0503020204020204" pitchFamily="34" charset="-122"/>
-                        </a:rPr>
-                        <a:t>年</a:t>
-                      </a:r>
-                      <a:r>
-                        <a:rPr lang="en-US" sz="1200" kern="100">
-                          <a:effectLst/>
-                          <a:latin typeface="微软雅黑" panose="020B0503020204020204" pitchFamily="34" charset="-122"/>
-                          <a:ea typeface="微软雅黑" panose="020B0503020204020204" pitchFamily="34" charset="-122"/>
-                          <a:cs typeface="微软雅黑" panose="020B0503020204020204" pitchFamily="34" charset="-122"/>
-                        </a:rPr>
-                        <a:t>10</a:t>
-                      </a:r>
-                      <a:r>
-                        <a:rPr lang="zh-CN" sz="1200" kern="100">
-                          <a:effectLst/>
-                          <a:latin typeface="微软雅黑" panose="020B0503020204020204" pitchFamily="34" charset="-122"/>
-                          <a:ea typeface="微软雅黑" panose="020B0503020204020204" pitchFamily="34" charset="-122"/>
-                          <a:cs typeface="微软雅黑" panose="020B0503020204020204" pitchFamily="34" charset="-122"/>
-                        </a:rPr>
-                        <a:t>月</a:t>
-                      </a:r>
-                      <a:r>
-                        <a:rPr lang="en-US" sz="1200" kern="100">
-                          <a:effectLst/>
-                          <a:latin typeface="微软雅黑" panose="020B0503020204020204" pitchFamily="34" charset="-122"/>
-                          <a:ea typeface="微软雅黑" panose="020B0503020204020204" pitchFamily="34" charset="-122"/>
-                          <a:cs typeface="微软雅黑" panose="020B0503020204020204" pitchFamily="34" charset="-122"/>
-                        </a:rPr>
-                        <a:t>21</a:t>
-                      </a:r>
-                      <a:r>
-                        <a:rPr lang="zh-CN" sz="1200" kern="100">
-                          <a:effectLst/>
-                          <a:latin typeface="微软雅黑" panose="020B0503020204020204" pitchFamily="34" charset="-122"/>
-                          <a:ea typeface="微软雅黑" panose="020B0503020204020204" pitchFamily="34" charset="-122"/>
-                          <a:cs typeface="微软雅黑" panose="020B0503020204020204" pitchFamily="34" charset="-122"/>
-                        </a:rPr>
-                        <a:t>日</a:t>
-                      </a:r>
-                      <a:endParaRPr lang="zh-CN" sz="1050" kern="100">
-                        <a:effectLst/>
-                        <a:latin typeface="微软雅黑" panose="020B0503020204020204" pitchFamily="34" charset="-122"/>
-                        <a:ea typeface="微软雅黑" panose="020B0503020204020204" pitchFamily="34" charset="-122"/>
-                        <a:cs typeface="微软雅黑" panose="020B0503020204020204" pitchFamily="34" charset="-122"/>
-                      </a:endParaRPr>
-                    </a:p>
-                  </a:txBody>
-                  <a:tcPr marL="68580" marR="68580" marT="0" marB="0">
-                    <a:lnL w="12700" cap="flat" cmpd="sng" algn="ctr">
-                      <a:solidFill>
-                        <a:srgbClr val="000000"/>
-                      </a:solidFill>
-                      <a:prstDash val="solid"/>
-                      <a:round/>
-                      <a:headEnd type="none" w="med" len="med"/>
-                      <a:tailEnd type="none" w="med" len="med"/>
-                    </a:lnL>
-                    <a:lnR w="12700" cap="flat" cmpd="sng" algn="ctr">
-                      <a:solidFill>
-                        <a:srgbClr val="000000"/>
-                      </a:solidFill>
-                      <a:prstDash val="solid"/>
-                      <a:round/>
-                      <a:headEnd type="none" w="med" len="med"/>
-                      <a:tailEnd type="none" w="med" len="med"/>
-                    </a:lnR>
-                    <a:lnT w="12700" cap="flat" cmpd="sng" algn="ctr">
-                      <a:solidFill>
-                        <a:srgbClr val="000000"/>
-                      </a:solidFill>
-                      <a:prstDash val="solid"/>
-                      <a:round/>
-                      <a:headEnd type="none" w="med" len="med"/>
-                      <a:tailEnd type="none" w="med" len="med"/>
-                    </a:lnT>
-                    <a:lnB w="12700" cap="flat" cmpd="sng" algn="ctr">
-                      <a:solidFill>
-                        <a:srgbClr val="000000"/>
-                      </a:solidFill>
-                      <a:prstDash val="solid"/>
-                      <a:round/>
-                      <a:headEnd type="none" w="med" len="med"/>
-                      <a:tailEnd type="none" w="med" len="med"/>
-                    </a:lnB>
-                  </a:tcPr>
-                </a:tc>
-                <a:tc>
-                  <a:txBody>
-                    <a:bodyPr/>
-                    <a:lstStyle/>
-                    <a:p>
-                      <a:pPr algn="l">
-                        <a:spcAft>
-                          <a:spcPts val="0"/>
-                        </a:spcAft>
-                      </a:pPr>
-                      <a:r>
-                        <a:rPr lang="zh-CN" sz="1200" kern="100">
-                          <a:effectLst/>
-                          <a:latin typeface="微软雅黑" panose="020B0503020204020204" pitchFamily="34" charset="-122"/>
-                          <a:ea typeface="微软雅黑" panose="020B0503020204020204" pitchFamily="34" charset="-122"/>
-                          <a:cs typeface="Times New Roman" panose="02020603050405020304" pitchFamily="18" charset="0"/>
-                        </a:rPr>
-                        <a:t>需求工程计划的修改</a:t>
-                      </a:r>
-                    </a:p>
-                  </a:txBody>
-                  <a:tcPr marL="68580" marR="68580" marT="0" marB="0">
-                    <a:lnL w="12700" cap="flat" cmpd="sng" algn="ctr">
-                      <a:solidFill>
-                        <a:srgbClr val="000000"/>
-                      </a:solidFill>
-                      <a:prstDash val="solid"/>
-                      <a:round/>
-                      <a:headEnd type="none" w="med" len="med"/>
-                      <a:tailEnd type="none" w="med" len="med"/>
-                    </a:lnL>
-                    <a:lnR w="12700" cap="flat" cmpd="sng" algn="ctr">
-                      <a:solidFill>
-                        <a:srgbClr val="000000"/>
-                      </a:solidFill>
-                      <a:prstDash val="solid"/>
-                      <a:round/>
-                      <a:headEnd type="none" w="med" len="med"/>
-                      <a:tailEnd type="none" w="med" len="med"/>
-                    </a:lnR>
-                    <a:lnT w="12700" cap="flat" cmpd="sng" algn="ctr">
-                      <a:solidFill>
-                        <a:srgbClr val="000000"/>
-                      </a:solidFill>
-                      <a:prstDash val="solid"/>
-                      <a:round/>
-                      <a:headEnd type="none" w="med" len="med"/>
-                      <a:tailEnd type="none" w="med" len="med"/>
-                    </a:lnT>
-                    <a:lnB w="12700" cap="flat" cmpd="sng" algn="ctr">
-                      <a:solidFill>
-                        <a:srgbClr val="000000"/>
-                      </a:solidFill>
-                      <a:prstDash val="solid"/>
-                      <a:round/>
-                      <a:headEnd type="none" w="med" len="med"/>
-                      <a:tailEnd type="none" w="med" len="med"/>
-                    </a:lnB>
-                  </a:tcPr>
-                </a:tc>
-                <a:tc>
-                  <a:txBody>
-                    <a:bodyPr/>
-                    <a:lstStyle/>
-                    <a:p>
-                      <a:pPr algn="l">
-                        <a:spcAft>
-                          <a:spcPts val="0"/>
-                        </a:spcAft>
-                      </a:pPr>
-                      <a:r>
-                        <a:rPr lang="en-US" sz="1200" kern="100">
-                          <a:effectLst/>
-                          <a:latin typeface="微软雅黑" panose="020B0503020204020204" pitchFamily="34" charset="-122"/>
-                          <a:ea typeface="微软雅黑" panose="020B0503020204020204" pitchFamily="34" charset="-122"/>
-                          <a:cs typeface="Times New Roman" panose="02020603050405020304" pitchFamily="18" charset="0"/>
-                        </a:rPr>
-                        <a:t>G18</a:t>
-                      </a:r>
-                    </a:p>
-                  </a:txBody>
-                  <a:tcPr marL="68580" marR="68580" marT="0" marB="0">
-                    <a:lnL w="12700" cap="flat" cmpd="sng" algn="ctr">
-                      <a:solidFill>
-                        <a:srgbClr val="000000"/>
-                      </a:solidFill>
-                      <a:prstDash val="solid"/>
-                      <a:round/>
-                      <a:headEnd type="none" w="med" len="med"/>
-                      <a:tailEnd type="none" w="med" len="med"/>
-                    </a:lnL>
-                    <a:lnR w="12700" cap="flat" cmpd="sng" algn="ctr">
-                      <a:solidFill>
-                        <a:srgbClr val="000000"/>
-                      </a:solidFill>
-                      <a:prstDash val="solid"/>
-                      <a:round/>
-                      <a:headEnd type="none" w="med" len="med"/>
-                      <a:tailEnd type="none" w="med" len="med"/>
-                    </a:lnR>
-                    <a:lnT w="12700" cap="flat" cmpd="sng" algn="ctr">
-                      <a:solidFill>
-                        <a:srgbClr val="000000"/>
-                      </a:solidFill>
-                      <a:prstDash val="solid"/>
-                      <a:round/>
-                      <a:headEnd type="none" w="med" len="med"/>
-                      <a:tailEnd type="none" w="med" len="med"/>
-                    </a:lnT>
-                    <a:lnB w="12700" cap="flat" cmpd="sng" algn="ctr">
-                      <a:solidFill>
-                        <a:srgbClr val="000000"/>
-                      </a:solidFill>
-                      <a:prstDash val="solid"/>
-                      <a:round/>
-                      <a:headEnd type="none" w="med" len="med"/>
-                      <a:tailEnd type="none" w="med" len="med"/>
-                    </a:lnB>
-                  </a:tcPr>
-                </a:tc>
-                <a:extLst>
-                  <a:ext uri="{0D108BD9-81ED-4DB2-BD59-A6C34878D82A}">
-                    <a16:rowId xmlns:a16="http://schemas.microsoft.com/office/drawing/2014/main" val="10003"/>
-                  </a:ext>
-                </a:extLst>
-              </a:tr>
-              <a:tr h="665227">
-                <a:tc>
-                  <a:txBody>
-                    <a:bodyPr/>
-                    <a:lstStyle/>
-                    <a:p>
-                      <a:pPr algn="l">
-                        <a:spcAft>
-                          <a:spcPts val="0"/>
-                        </a:spcAft>
-                      </a:pPr>
-                      <a:r>
-                        <a:rPr lang="en-US" sz="1200" kern="100">
-                          <a:effectLst/>
-                          <a:latin typeface="微软雅黑" panose="020B0503020204020204" pitchFamily="34" charset="-122"/>
-                          <a:ea typeface="微软雅黑" panose="020B0503020204020204" pitchFamily="34" charset="-122"/>
-                          <a:cs typeface="Times New Roman" panose="02020603050405020304" pitchFamily="18" charset="0"/>
-                        </a:rPr>
-                        <a:t>V0.4</a:t>
-                      </a:r>
-                    </a:p>
-                  </a:txBody>
-                  <a:tcPr marL="68580" marR="68580" marT="0" marB="0">
-                    <a:lnL w="12700" cap="flat" cmpd="sng" algn="ctr">
-                      <a:solidFill>
-                        <a:srgbClr val="000000"/>
-                      </a:solidFill>
-                      <a:prstDash val="solid"/>
-                      <a:round/>
-                      <a:headEnd type="none" w="med" len="med"/>
-                      <a:tailEnd type="none" w="med" len="med"/>
-                    </a:lnL>
-                    <a:lnR w="12700" cap="flat" cmpd="sng" algn="ctr">
-                      <a:solidFill>
-                        <a:srgbClr val="000000"/>
-                      </a:solidFill>
-                      <a:prstDash val="solid"/>
-                      <a:round/>
-                      <a:headEnd type="none" w="med" len="med"/>
-                      <a:tailEnd type="none" w="med" len="med"/>
-                    </a:lnR>
-                    <a:lnT w="12700" cap="flat" cmpd="sng" algn="ctr">
-                      <a:solidFill>
-                        <a:srgbClr val="000000"/>
-                      </a:solidFill>
-                      <a:prstDash val="solid"/>
-                      <a:round/>
-                      <a:headEnd type="none" w="med" len="med"/>
-                      <a:tailEnd type="none" w="med" len="med"/>
-                    </a:lnT>
-                    <a:lnB w="12700" cap="flat" cmpd="sng" algn="ctr">
-                      <a:solidFill>
-                        <a:srgbClr val="000000"/>
-                      </a:solidFill>
-                      <a:prstDash val="solid"/>
-                      <a:round/>
-                      <a:headEnd type="none" w="med" len="med"/>
-                      <a:tailEnd type="none" w="med" len="med"/>
-                    </a:lnB>
-                  </a:tcPr>
-                </a:tc>
-                <a:tc>
-                  <a:txBody>
-                    <a:bodyPr/>
-                    <a:lstStyle/>
-                    <a:p>
-                      <a:pPr algn="l">
-                        <a:spcAft>
-                          <a:spcPts val="0"/>
-                        </a:spcAft>
-                      </a:pPr>
-                      <a:r>
-                        <a:rPr lang="zh-CN" sz="1200" kern="100">
-                          <a:effectLst/>
-                          <a:latin typeface="微软雅黑" panose="020B0503020204020204" pitchFamily="34" charset="-122"/>
-                          <a:ea typeface="微软雅黑" panose="020B0503020204020204" pitchFamily="34" charset="-122"/>
-                          <a:cs typeface="Times New Roman" panose="02020603050405020304" pitchFamily="18" charset="0"/>
-                        </a:rPr>
-                        <a:t>陈妍蓝</a:t>
-                      </a:r>
-                    </a:p>
-                  </a:txBody>
-                  <a:tcPr marL="68580" marR="68580" marT="0" marB="0">
-                    <a:lnL w="12700" cap="flat" cmpd="sng" algn="ctr">
-                      <a:solidFill>
-                        <a:srgbClr val="000000"/>
-                      </a:solidFill>
-                      <a:prstDash val="solid"/>
-                      <a:round/>
-                      <a:headEnd type="none" w="med" len="med"/>
-                      <a:tailEnd type="none" w="med" len="med"/>
-                    </a:lnL>
-                    <a:lnR w="12700" cap="flat" cmpd="sng" algn="ctr">
-                      <a:solidFill>
-                        <a:srgbClr val="000000"/>
-                      </a:solidFill>
-                      <a:prstDash val="solid"/>
-                      <a:round/>
-                      <a:headEnd type="none" w="med" len="med"/>
-                      <a:tailEnd type="none" w="med" len="med"/>
-                    </a:lnR>
-                    <a:lnT w="12700" cap="flat" cmpd="sng" algn="ctr">
-                      <a:solidFill>
-                        <a:srgbClr val="000000"/>
-                      </a:solidFill>
-                      <a:prstDash val="solid"/>
-                      <a:round/>
-                      <a:headEnd type="none" w="med" len="med"/>
-                      <a:tailEnd type="none" w="med" len="med"/>
-                    </a:lnT>
-                    <a:lnB w="12700" cap="flat" cmpd="sng" algn="ctr">
-                      <a:solidFill>
-                        <a:srgbClr val="000000"/>
-                      </a:solidFill>
-                      <a:prstDash val="solid"/>
-                      <a:round/>
-                      <a:headEnd type="none" w="med" len="med"/>
-                      <a:tailEnd type="none" w="med" len="med"/>
-                    </a:lnB>
-                  </a:tcPr>
-                </a:tc>
-                <a:tc>
-                  <a:txBody>
-                    <a:bodyPr/>
-                    <a:lstStyle/>
-                    <a:p>
-                      <a:pPr algn="l">
-                        <a:spcAft>
-                          <a:spcPts val="0"/>
-                        </a:spcAft>
-                      </a:pPr>
-                      <a:r>
-                        <a:rPr lang="en-US" sz="1200" kern="100">
-                          <a:effectLst/>
-                          <a:latin typeface="微软雅黑" panose="020B0503020204020204" pitchFamily="34" charset="-122"/>
-                          <a:ea typeface="微软雅黑" panose="020B0503020204020204" pitchFamily="34" charset="-122"/>
-                          <a:cs typeface="微软雅黑" panose="020B0503020204020204" pitchFamily="34" charset="-122"/>
-                        </a:rPr>
-                        <a:t>2018</a:t>
-                      </a:r>
-                      <a:r>
-                        <a:rPr lang="zh-CN" sz="1200" kern="100">
-                          <a:effectLst/>
-                          <a:latin typeface="微软雅黑" panose="020B0503020204020204" pitchFamily="34" charset="-122"/>
-                          <a:ea typeface="微软雅黑" panose="020B0503020204020204" pitchFamily="34" charset="-122"/>
-                          <a:cs typeface="微软雅黑" panose="020B0503020204020204" pitchFamily="34" charset="-122"/>
-                        </a:rPr>
-                        <a:t>年</a:t>
-                      </a:r>
-                      <a:r>
-                        <a:rPr lang="en-US" sz="1200" kern="100">
-                          <a:effectLst/>
-                          <a:latin typeface="微软雅黑" panose="020B0503020204020204" pitchFamily="34" charset="-122"/>
-                          <a:ea typeface="微软雅黑" panose="020B0503020204020204" pitchFamily="34" charset="-122"/>
-                          <a:cs typeface="微软雅黑" panose="020B0503020204020204" pitchFamily="34" charset="-122"/>
-                        </a:rPr>
-                        <a:t>10</a:t>
-                      </a:r>
-                      <a:r>
-                        <a:rPr lang="zh-CN" sz="1200" kern="100">
-                          <a:effectLst/>
-                          <a:latin typeface="微软雅黑" panose="020B0503020204020204" pitchFamily="34" charset="-122"/>
-                          <a:ea typeface="微软雅黑" panose="020B0503020204020204" pitchFamily="34" charset="-122"/>
-                          <a:cs typeface="微软雅黑" panose="020B0503020204020204" pitchFamily="34" charset="-122"/>
-                        </a:rPr>
-                        <a:t>月</a:t>
-                      </a:r>
-                      <a:r>
-                        <a:rPr lang="en-US" sz="1200" kern="100">
-                          <a:effectLst/>
-                          <a:latin typeface="微软雅黑" panose="020B0503020204020204" pitchFamily="34" charset="-122"/>
-                          <a:ea typeface="微软雅黑" panose="020B0503020204020204" pitchFamily="34" charset="-122"/>
-                          <a:cs typeface="微软雅黑" panose="020B0503020204020204" pitchFamily="34" charset="-122"/>
-                        </a:rPr>
-                        <a:t>28</a:t>
-                      </a:r>
-                      <a:r>
-                        <a:rPr lang="zh-CN" sz="1200" kern="100">
-                          <a:effectLst/>
-                          <a:latin typeface="微软雅黑" panose="020B0503020204020204" pitchFamily="34" charset="-122"/>
-                          <a:ea typeface="微软雅黑" panose="020B0503020204020204" pitchFamily="34" charset="-122"/>
-                          <a:cs typeface="微软雅黑" panose="020B0503020204020204" pitchFamily="34" charset="-122"/>
-                        </a:rPr>
-                        <a:t>日</a:t>
-                      </a:r>
-                      <a:endParaRPr lang="zh-CN" sz="1050" kern="100">
-                        <a:effectLst/>
-                        <a:latin typeface="微软雅黑" panose="020B0503020204020204" pitchFamily="34" charset="-122"/>
-                        <a:ea typeface="微软雅黑" panose="020B0503020204020204" pitchFamily="34" charset="-122"/>
-                        <a:cs typeface="微软雅黑" panose="020B0503020204020204" pitchFamily="34" charset="-122"/>
-                      </a:endParaRPr>
-                    </a:p>
-                  </a:txBody>
-                  <a:tcPr marL="68580" marR="68580" marT="0" marB="0">
-                    <a:lnL w="12700" cap="flat" cmpd="sng" algn="ctr">
-                      <a:solidFill>
-                        <a:srgbClr val="000000"/>
-                      </a:solidFill>
-                      <a:prstDash val="solid"/>
-                      <a:round/>
-                      <a:headEnd type="none" w="med" len="med"/>
-                      <a:tailEnd type="none" w="med" len="med"/>
-                    </a:lnL>
-                    <a:lnR w="12700" cap="flat" cmpd="sng" algn="ctr">
-                      <a:solidFill>
-                        <a:srgbClr val="000000"/>
-                      </a:solidFill>
-                      <a:prstDash val="solid"/>
-                      <a:round/>
-                      <a:headEnd type="none" w="med" len="med"/>
-                      <a:tailEnd type="none" w="med" len="med"/>
-                    </a:lnR>
-                    <a:lnT w="12700" cap="flat" cmpd="sng" algn="ctr">
-                      <a:solidFill>
-                        <a:srgbClr val="000000"/>
-                      </a:solidFill>
-                      <a:prstDash val="solid"/>
-                      <a:round/>
-                      <a:headEnd type="none" w="med" len="med"/>
-                      <a:tailEnd type="none" w="med" len="med"/>
-                    </a:lnT>
-                    <a:lnB w="12700" cap="flat" cmpd="sng" algn="ctr">
-                      <a:solidFill>
-                        <a:srgbClr val="000000"/>
-                      </a:solidFill>
-                      <a:prstDash val="solid"/>
-                      <a:round/>
-                      <a:headEnd type="none" w="med" len="med"/>
-                      <a:tailEnd type="none" w="med" len="med"/>
-                    </a:lnB>
-                  </a:tcPr>
-                </a:tc>
-                <a:tc>
-                  <a:txBody>
-                    <a:bodyPr/>
-                    <a:lstStyle/>
-                    <a:p>
-                      <a:pPr algn="l">
-                        <a:spcAft>
-                          <a:spcPts val="0"/>
-                        </a:spcAft>
-                      </a:pPr>
-                      <a:r>
-                        <a:rPr lang="en-US" sz="1200" kern="100">
-                          <a:effectLst/>
-                          <a:latin typeface="微软雅黑" panose="020B0503020204020204" pitchFamily="34" charset="-122"/>
-                          <a:ea typeface="微软雅黑" panose="020B0503020204020204" pitchFamily="34" charset="-122"/>
-                          <a:cs typeface="微软雅黑" panose="020B0503020204020204" pitchFamily="34" charset="-122"/>
-                        </a:rPr>
-                        <a:t>Wbs,obs </a:t>
-                      </a:r>
-                      <a:r>
-                        <a:rPr lang="zh-CN" sz="1200" kern="100">
-                          <a:effectLst/>
-                          <a:latin typeface="微软雅黑" panose="020B0503020204020204" pitchFamily="34" charset="-122"/>
-                          <a:ea typeface="微软雅黑" panose="020B0503020204020204" pitchFamily="34" charset="-122"/>
-                          <a:cs typeface="微软雅黑" panose="020B0503020204020204" pitchFamily="34" charset="-122"/>
-                        </a:rPr>
-                        <a:t>图，甘特图的修改</a:t>
-                      </a:r>
-                      <a:endParaRPr lang="zh-CN" sz="1050" kern="100">
-                        <a:effectLst/>
-                        <a:latin typeface="微软雅黑" panose="020B0503020204020204" pitchFamily="34" charset="-122"/>
-                        <a:ea typeface="微软雅黑" panose="020B0503020204020204" pitchFamily="34" charset="-122"/>
-                        <a:cs typeface="微软雅黑" panose="020B0503020204020204" pitchFamily="34" charset="-122"/>
-                      </a:endParaRPr>
-                    </a:p>
-                  </a:txBody>
-                  <a:tcPr marL="68580" marR="68580" marT="0" marB="0">
-                    <a:lnL w="12700" cap="flat" cmpd="sng" algn="ctr">
-                      <a:solidFill>
-                        <a:srgbClr val="000000"/>
-                      </a:solidFill>
-                      <a:prstDash val="solid"/>
-                      <a:round/>
-                      <a:headEnd type="none" w="med" len="med"/>
-                      <a:tailEnd type="none" w="med" len="med"/>
-                    </a:lnL>
-                    <a:lnR w="12700" cap="flat" cmpd="sng" algn="ctr">
-                      <a:solidFill>
-                        <a:srgbClr val="000000"/>
-                      </a:solidFill>
-                      <a:prstDash val="solid"/>
-                      <a:round/>
-                      <a:headEnd type="none" w="med" len="med"/>
-                      <a:tailEnd type="none" w="med" len="med"/>
-                    </a:lnR>
-                    <a:lnT w="12700" cap="flat" cmpd="sng" algn="ctr">
-                      <a:solidFill>
-                        <a:srgbClr val="000000"/>
-                      </a:solidFill>
-                      <a:prstDash val="solid"/>
-                      <a:round/>
-                      <a:headEnd type="none" w="med" len="med"/>
-                      <a:tailEnd type="none" w="med" len="med"/>
-                    </a:lnT>
-                    <a:lnB w="12700" cap="flat" cmpd="sng" algn="ctr">
-                      <a:solidFill>
-                        <a:srgbClr val="000000"/>
-                      </a:solidFill>
-                      <a:prstDash val="solid"/>
-                      <a:round/>
-                      <a:headEnd type="none" w="med" len="med"/>
-                      <a:tailEnd type="none" w="med" len="med"/>
-                    </a:lnB>
-                  </a:tcPr>
-                </a:tc>
-                <a:tc>
-                  <a:txBody>
-                    <a:bodyPr/>
-                    <a:lstStyle/>
-                    <a:p>
-                      <a:pPr algn="l">
-                        <a:spcAft>
-                          <a:spcPts val="0"/>
-                        </a:spcAft>
-                      </a:pPr>
-                      <a:r>
-                        <a:rPr lang="en-US" sz="1200" kern="100" dirty="0">
-                          <a:effectLst/>
-                          <a:latin typeface="微软雅黑" panose="020B0503020204020204" pitchFamily="34" charset="-122"/>
-                          <a:ea typeface="微软雅黑" panose="020B0503020204020204" pitchFamily="34" charset="-122"/>
-                          <a:cs typeface="Times New Roman" panose="02020603050405020304" pitchFamily="18" charset="0"/>
-                        </a:rPr>
-                        <a:t>G18</a:t>
-                      </a:r>
-                    </a:p>
-                  </a:txBody>
-                  <a:tcPr marL="68580" marR="68580" marT="0" marB="0">
-                    <a:lnL w="12700" cap="flat" cmpd="sng" algn="ctr">
-                      <a:solidFill>
-                        <a:srgbClr val="000000"/>
-                      </a:solidFill>
-                      <a:prstDash val="solid"/>
-                      <a:round/>
-                      <a:headEnd type="none" w="med" len="med"/>
-                      <a:tailEnd type="none" w="med" len="med"/>
-                    </a:lnL>
-                    <a:lnR w="12700" cap="flat" cmpd="sng" algn="ctr">
-                      <a:solidFill>
-                        <a:srgbClr val="000000"/>
-                      </a:solidFill>
-                      <a:prstDash val="solid"/>
-                      <a:round/>
-                      <a:headEnd type="none" w="med" len="med"/>
-                      <a:tailEnd type="none" w="med" len="med"/>
-                    </a:lnR>
-                    <a:lnT w="12700" cap="flat" cmpd="sng" algn="ctr">
-                      <a:solidFill>
-                        <a:srgbClr val="000000"/>
-                      </a:solidFill>
-                      <a:prstDash val="solid"/>
-                      <a:round/>
-                      <a:headEnd type="none" w="med" len="med"/>
-                      <a:tailEnd type="none" w="med" len="med"/>
-                    </a:lnT>
-                    <a:lnB w="12700" cap="flat" cmpd="sng" algn="ctr">
-                      <a:solidFill>
-                        <a:srgbClr val="000000"/>
-                      </a:solidFill>
-                      <a:prstDash val="solid"/>
-                      <a:round/>
-                      <a:headEnd type="none" w="med" len="med"/>
-                      <a:tailEnd type="none" w="med" len="med"/>
-                    </a:lnB>
-                  </a:tcPr>
-                </a:tc>
-                <a:extLst>
-                  <a:ext uri="{0D108BD9-81ED-4DB2-BD59-A6C34878D82A}">
-                    <a16:rowId xmlns:a16="http://schemas.microsoft.com/office/drawing/2014/main" val="10004"/>
-                  </a:ext>
-                </a:extLst>
-              </a:tr>
-            </a:tbl>
-          </a:graphicData>
-        </a:graphic>
-      </p:graphicFrame>
       <p:sp>
         <p:nvSpPr>
           <p:cNvPr id="10" name="Rectangle 2"/>
@@ -12937,6 +9433,2364 @@
           </a:p>
         </p:txBody>
       </p:sp>
+      <p:graphicFrame>
+        <p:nvGraphicFramePr>
+          <p:cNvPr id="3" name="表格 2">
+            <a:extLst>
+              <a:ext uri="{FF2B5EF4-FFF2-40B4-BE49-F238E27FC236}">
+                <a16:creationId xmlns:a16="http://schemas.microsoft.com/office/drawing/2014/main" id="{C3C60BCF-6725-427A-8547-0EA03694647C}"/>
+              </a:ext>
+            </a:extLst>
+          </p:cNvPr>
+          <p:cNvGraphicFramePr>
+            <a:graphicFrameLocks noGrp="1"/>
+          </p:cNvGraphicFramePr>
+          <p:nvPr>
+            <p:extLst>
+              <p:ext uri="{D42A27DB-BD31-4B8C-83A1-F6EECF244321}">
+                <p14:modId xmlns:p14="http://schemas.microsoft.com/office/powerpoint/2010/main" val="2334379496"/>
+              </p:ext>
+            </p:extLst>
+          </p:nvPr>
+        </p:nvGraphicFramePr>
+        <p:xfrm>
+          <a:off x="2169796" y="2467992"/>
+          <a:ext cx="8057282" cy="2521254"/>
+        </p:xfrm>
+        <a:graphic>
+          <a:graphicData uri="http://schemas.openxmlformats.org/drawingml/2006/table">
+            <a:tbl>
+              <a:tblPr firstRow="1" firstCol="1" bandRow="1"/>
+              <a:tblGrid>
+                <a:gridCol w="1400879">
+                  <a:extLst>
+                    <a:ext uri="{9D8B030D-6E8A-4147-A177-3AD203B41FA5}">
+                      <a16:colId xmlns:a16="http://schemas.microsoft.com/office/drawing/2014/main" val="357652821"/>
+                    </a:ext>
+                  </a:extLst>
+                </a:gridCol>
+                <a:gridCol w="1798438">
+                  <a:extLst>
+                    <a:ext uri="{9D8B030D-6E8A-4147-A177-3AD203B41FA5}">
+                      <a16:colId xmlns:a16="http://schemas.microsoft.com/office/drawing/2014/main" val="931781946"/>
+                    </a:ext>
+                  </a:extLst>
+                </a:gridCol>
+                <a:gridCol w="1344368">
+                  <a:extLst>
+                    <a:ext uri="{9D8B030D-6E8A-4147-A177-3AD203B41FA5}">
+                      <a16:colId xmlns:a16="http://schemas.microsoft.com/office/drawing/2014/main" val="3379375987"/>
+                    </a:ext>
+                  </a:extLst>
+                </a:gridCol>
+                <a:gridCol w="2107762">
+                  <a:extLst>
+                    <a:ext uri="{9D8B030D-6E8A-4147-A177-3AD203B41FA5}">
+                      <a16:colId xmlns:a16="http://schemas.microsoft.com/office/drawing/2014/main" val="4039959187"/>
+                    </a:ext>
+                  </a:extLst>
+                </a:gridCol>
+                <a:gridCol w="1405835">
+                  <a:extLst>
+                    <a:ext uri="{9D8B030D-6E8A-4147-A177-3AD203B41FA5}">
+                      <a16:colId xmlns:a16="http://schemas.microsoft.com/office/drawing/2014/main" val="1781480206"/>
+                    </a:ext>
+                  </a:extLst>
+                </a:gridCol>
+              </a:tblGrid>
+              <a:tr h="420209">
+                <a:tc>
+                  <a:txBody>
+                    <a:bodyPr/>
+                    <a:lstStyle/>
+                    <a:p>
+                      <a:pPr algn="ctr">
+                        <a:spcAft>
+                          <a:spcPts val="0"/>
+                        </a:spcAft>
+                      </a:pPr>
+                      <a:r>
+                        <a:rPr lang="zh-CN" sz="1200" kern="100">
+                          <a:effectLst/>
+                          <a:latin typeface="Calibri" panose="020F0502020204030204" pitchFamily="34" charset="0"/>
+                          <a:ea typeface="宋体" panose="02010600030101010101" pitchFamily="2" charset="-122"/>
+                          <a:cs typeface="Times New Roman" panose="02020603050405020304" pitchFamily="18" charset="0"/>
+                        </a:rPr>
+                        <a:t>版本</a:t>
+                      </a:r>
+                      <a:r>
+                        <a:rPr lang="en-US" sz="1200" kern="100">
+                          <a:effectLst/>
+                          <a:latin typeface="Calibri" panose="020F0502020204030204" pitchFamily="34" charset="0"/>
+                          <a:ea typeface="宋体" panose="02010600030101010101" pitchFamily="2" charset="-122"/>
+                          <a:cs typeface="Times New Roman" panose="02020603050405020304" pitchFamily="18" charset="0"/>
+                        </a:rPr>
+                        <a:t>/</a:t>
+                      </a:r>
+                      <a:r>
+                        <a:rPr lang="zh-CN" sz="1200" kern="100">
+                          <a:effectLst/>
+                          <a:latin typeface="Calibri" panose="020F0502020204030204" pitchFamily="34" charset="0"/>
+                          <a:ea typeface="宋体" panose="02010600030101010101" pitchFamily="2" charset="-122"/>
+                          <a:cs typeface="Times New Roman" panose="02020603050405020304" pitchFamily="18" charset="0"/>
+                        </a:rPr>
+                        <a:t>状态</a:t>
+                      </a:r>
+                      <a:endParaRPr lang="zh-CN" sz="1050" kern="100">
+                        <a:effectLst/>
+                        <a:latin typeface="Calibri" panose="020F0502020204030204" pitchFamily="34" charset="0"/>
+                        <a:ea typeface="宋体" panose="02010600030101010101" pitchFamily="2" charset="-122"/>
+                        <a:cs typeface="Times New Roman" panose="02020603050405020304" pitchFamily="18" charset="0"/>
+                      </a:endParaRPr>
+                    </a:p>
+                  </a:txBody>
+                  <a:tcPr marL="68580" marR="68580" marT="0" marB="0">
+                    <a:lnL w="12700" cap="flat" cmpd="sng" algn="ctr">
+                      <a:solidFill>
+                        <a:srgbClr val="000000"/>
+                      </a:solidFill>
+                      <a:prstDash val="solid"/>
+                      <a:round/>
+                      <a:headEnd type="none" w="med" len="med"/>
+                      <a:tailEnd type="none" w="med" len="med"/>
+                    </a:lnL>
+                    <a:lnR w="12700" cap="flat" cmpd="sng" algn="ctr">
+                      <a:solidFill>
+                        <a:srgbClr val="000000"/>
+                      </a:solidFill>
+                      <a:prstDash val="solid"/>
+                      <a:round/>
+                      <a:headEnd type="none" w="med" len="med"/>
+                      <a:tailEnd type="none" w="med" len="med"/>
+                    </a:lnR>
+                    <a:lnT w="12700" cap="flat" cmpd="sng" algn="ctr">
+                      <a:solidFill>
+                        <a:srgbClr val="000000"/>
+                      </a:solidFill>
+                      <a:prstDash val="solid"/>
+                      <a:round/>
+                      <a:headEnd type="none" w="med" len="med"/>
+                      <a:tailEnd type="none" w="med" len="med"/>
+                    </a:lnT>
+                    <a:lnB w="12700" cap="flat" cmpd="sng" algn="ctr">
+                      <a:solidFill>
+                        <a:srgbClr val="000000"/>
+                      </a:solidFill>
+                      <a:prstDash val="solid"/>
+                      <a:round/>
+                      <a:headEnd type="none" w="med" len="med"/>
+                      <a:tailEnd type="none" w="med" len="med"/>
+                    </a:lnB>
+                    <a:solidFill>
+                      <a:srgbClr val="D9D9D9"/>
+                    </a:solidFill>
+                  </a:tcPr>
+                </a:tc>
+                <a:tc>
+                  <a:txBody>
+                    <a:bodyPr/>
+                    <a:lstStyle/>
+                    <a:p>
+                      <a:pPr algn="ctr">
+                        <a:spcAft>
+                          <a:spcPts val="0"/>
+                        </a:spcAft>
+                      </a:pPr>
+                      <a:r>
+                        <a:rPr lang="zh-CN" sz="1200" kern="100">
+                          <a:effectLst/>
+                          <a:latin typeface="Calibri" panose="020F0502020204030204" pitchFamily="34" charset="0"/>
+                          <a:ea typeface="宋体" panose="02010600030101010101" pitchFamily="2" charset="-122"/>
+                          <a:cs typeface="Times New Roman" panose="02020603050405020304" pitchFamily="18" charset="0"/>
+                        </a:rPr>
+                        <a:t>参与者</a:t>
+                      </a:r>
+                      <a:endParaRPr lang="zh-CN" sz="1050" kern="100">
+                        <a:effectLst/>
+                        <a:latin typeface="Calibri" panose="020F0502020204030204" pitchFamily="34" charset="0"/>
+                        <a:ea typeface="宋体" panose="02010600030101010101" pitchFamily="2" charset="-122"/>
+                        <a:cs typeface="Times New Roman" panose="02020603050405020304" pitchFamily="18" charset="0"/>
+                      </a:endParaRPr>
+                    </a:p>
+                  </a:txBody>
+                  <a:tcPr marL="68580" marR="68580" marT="0" marB="0">
+                    <a:lnL w="12700" cap="flat" cmpd="sng" algn="ctr">
+                      <a:solidFill>
+                        <a:srgbClr val="000000"/>
+                      </a:solidFill>
+                      <a:prstDash val="solid"/>
+                      <a:round/>
+                      <a:headEnd type="none" w="med" len="med"/>
+                      <a:tailEnd type="none" w="med" len="med"/>
+                    </a:lnL>
+                    <a:lnR w="12700" cap="flat" cmpd="sng" algn="ctr">
+                      <a:solidFill>
+                        <a:srgbClr val="000000"/>
+                      </a:solidFill>
+                      <a:prstDash val="solid"/>
+                      <a:round/>
+                      <a:headEnd type="none" w="med" len="med"/>
+                      <a:tailEnd type="none" w="med" len="med"/>
+                    </a:lnR>
+                    <a:lnT w="12700" cap="flat" cmpd="sng" algn="ctr">
+                      <a:solidFill>
+                        <a:srgbClr val="000000"/>
+                      </a:solidFill>
+                      <a:prstDash val="solid"/>
+                      <a:round/>
+                      <a:headEnd type="none" w="med" len="med"/>
+                      <a:tailEnd type="none" w="med" len="med"/>
+                    </a:lnT>
+                    <a:lnB w="12700" cap="flat" cmpd="sng" algn="ctr">
+                      <a:solidFill>
+                        <a:srgbClr val="000000"/>
+                      </a:solidFill>
+                      <a:prstDash val="solid"/>
+                      <a:round/>
+                      <a:headEnd type="none" w="med" len="med"/>
+                      <a:tailEnd type="none" w="med" len="med"/>
+                    </a:lnB>
+                    <a:solidFill>
+                      <a:srgbClr val="D9D9D9"/>
+                    </a:solidFill>
+                  </a:tcPr>
+                </a:tc>
+                <a:tc>
+                  <a:txBody>
+                    <a:bodyPr/>
+                    <a:lstStyle/>
+                    <a:p>
+                      <a:pPr algn="ctr">
+                        <a:spcAft>
+                          <a:spcPts val="0"/>
+                        </a:spcAft>
+                      </a:pPr>
+                      <a:r>
+                        <a:rPr lang="zh-CN" sz="1200" kern="100">
+                          <a:effectLst/>
+                          <a:latin typeface="Calibri" panose="020F0502020204030204" pitchFamily="34" charset="0"/>
+                          <a:ea typeface="宋体" panose="02010600030101010101" pitchFamily="2" charset="-122"/>
+                          <a:cs typeface="Times New Roman" panose="02020603050405020304" pitchFamily="18" charset="0"/>
+                        </a:rPr>
+                        <a:t>起止日期</a:t>
+                      </a:r>
+                      <a:endParaRPr lang="zh-CN" sz="1050" kern="100">
+                        <a:effectLst/>
+                        <a:latin typeface="Calibri" panose="020F0502020204030204" pitchFamily="34" charset="0"/>
+                        <a:ea typeface="宋体" panose="02010600030101010101" pitchFamily="2" charset="-122"/>
+                        <a:cs typeface="Times New Roman" panose="02020603050405020304" pitchFamily="18" charset="0"/>
+                      </a:endParaRPr>
+                    </a:p>
+                  </a:txBody>
+                  <a:tcPr marL="68580" marR="68580" marT="0" marB="0">
+                    <a:lnL w="12700" cap="flat" cmpd="sng" algn="ctr">
+                      <a:solidFill>
+                        <a:srgbClr val="000000"/>
+                      </a:solidFill>
+                      <a:prstDash val="solid"/>
+                      <a:round/>
+                      <a:headEnd type="none" w="med" len="med"/>
+                      <a:tailEnd type="none" w="med" len="med"/>
+                    </a:lnL>
+                    <a:lnR w="12700" cap="flat" cmpd="sng" algn="ctr">
+                      <a:solidFill>
+                        <a:srgbClr val="000000"/>
+                      </a:solidFill>
+                      <a:prstDash val="solid"/>
+                      <a:round/>
+                      <a:headEnd type="none" w="med" len="med"/>
+                      <a:tailEnd type="none" w="med" len="med"/>
+                    </a:lnR>
+                    <a:lnT w="12700" cap="flat" cmpd="sng" algn="ctr">
+                      <a:solidFill>
+                        <a:srgbClr val="000000"/>
+                      </a:solidFill>
+                      <a:prstDash val="solid"/>
+                      <a:round/>
+                      <a:headEnd type="none" w="med" len="med"/>
+                      <a:tailEnd type="none" w="med" len="med"/>
+                    </a:lnT>
+                    <a:lnB w="12700" cap="flat" cmpd="sng" algn="ctr">
+                      <a:solidFill>
+                        <a:srgbClr val="000000"/>
+                      </a:solidFill>
+                      <a:prstDash val="solid"/>
+                      <a:round/>
+                      <a:headEnd type="none" w="med" len="med"/>
+                      <a:tailEnd type="none" w="med" len="med"/>
+                    </a:lnB>
+                    <a:solidFill>
+                      <a:srgbClr val="D9D9D9"/>
+                    </a:solidFill>
+                  </a:tcPr>
+                </a:tc>
+                <a:tc>
+                  <a:txBody>
+                    <a:bodyPr/>
+                    <a:lstStyle/>
+                    <a:p>
+                      <a:pPr algn="ctr">
+                        <a:spcAft>
+                          <a:spcPts val="0"/>
+                        </a:spcAft>
+                      </a:pPr>
+                      <a:r>
+                        <a:rPr lang="zh-CN" sz="1200" kern="100">
+                          <a:effectLst/>
+                          <a:latin typeface="Calibri" panose="020F0502020204030204" pitchFamily="34" charset="0"/>
+                          <a:ea typeface="宋体" panose="02010600030101010101" pitchFamily="2" charset="-122"/>
+                          <a:cs typeface="Times New Roman" panose="02020603050405020304" pitchFamily="18" charset="0"/>
+                        </a:rPr>
+                        <a:t>备注</a:t>
+                      </a:r>
+                      <a:endParaRPr lang="zh-CN" sz="1050" kern="100">
+                        <a:effectLst/>
+                        <a:latin typeface="Calibri" panose="020F0502020204030204" pitchFamily="34" charset="0"/>
+                        <a:ea typeface="宋体" panose="02010600030101010101" pitchFamily="2" charset="-122"/>
+                        <a:cs typeface="Times New Roman" panose="02020603050405020304" pitchFamily="18" charset="0"/>
+                      </a:endParaRPr>
+                    </a:p>
+                  </a:txBody>
+                  <a:tcPr marL="68580" marR="68580" marT="0" marB="0">
+                    <a:lnL w="12700" cap="flat" cmpd="sng" algn="ctr">
+                      <a:solidFill>
+                        <a:srgbClr val="000000"/>
+                      </a:solidFill>
+                      <a:prstDash val="solid"/>
+                      <a:round/>
+                      <a:headEnd type="none" w="med" len="med"/>
+                      <a:tailEnd type="none" w="med" len="med"/>
+                    </a:lnL>
+                    <a:lnR w="12700" cap="flat" cmpd="sng" algn="ctr">
+                      <a:solidFill>
+                        <a:srgbClr val="000000"/>
+                      </a:solidFill>
+                      <a:prstDash val="solid"/>
+                      <a:round/>
+                      <a:headEnd type="none" w="med" len="med"/>
+                      <a:tailEnd type="none" w="med" len="med"/>
+                    </a:lnR>
+                    <a:lnT w="12700" cap="flat" cmpd="sng" algn="ctr">
+                      <a:solidFill>
+                        <a:srgbClr val="000000"/>
+                      </a:solidFill>
+                      <a:prstDash val="solid"/>
+                      <a:round/>
+                      <a:headEnd type="none" w="med" len="med"/>
+                      <a:tailEnd type="none" w="med" len="med"/>
+                    </a:lnT>
+                    <a:lnB w="12700" cap="flat" cmpd="sng" algn="ctr">
+                      <a:solidFill>
+                        <a:srgbClr val="000000"/>
+                      </a:solidFill>
+                      <a:prstDash val="solid"/>
+                      <a:round/>
+                      <a:headEnd type="none" w="med" len="med"/>
+                      <a:tailEnd type="none" w="med" len="med"/>
+                    </a:lnB>
+                    <a:solidFill>
+                      <a:srgbClr val="D9D9D9"/>
+                    </a:solidFill>
+                  </a:tcPr>
+                </a:tc>
+                <a:tc>
+                  <a:txBody>
+                    <a:bodyPr/>
+                    <a:lstStyle/>
+                    <a:p>
+                      <a:pPr algn="ctr">
+                        <a:spcAft>
+                          <a:spcPts val="0"/>
+                        </a:spcAft>
+                      </a:pPr>
+                      <a:r>
+                        <a:rPr lang="zh-CN" sz="1200" kern="100">
+                          <a:effectLst/>
+                          <a:latin typeface="Calibri" panose="020F0502020204030204" pitchFamily="34" charset="0"/>
+                          <a:ea typeface="宋体" panose="02010600030101010101" pitchFamily="2" charset="-122"/>
+                          <a:cs typeface="Times New Roman" panose="02020603050405020304" pitchFamily="18" charset="0"/>
+                        </a:rPr>
+                        <a:t>审核人</a:t>
+                      </a:r>
+                      <a:endParaRPr lang="zh-CN" sz="1050" kern="100">
+                        <a:effectLst/>
+                        <a:latin typeface="Calibri" panose="020F0502020204030204" pitchFamily="34" charset="0"/>
+                        <a:ea typeface="宋体" panose="02010600030101010101" pitchFamily="2" charset="-122"/>
+                        <a:cs typeface="Times New Roman" panose="02020603050405020304" pitchFamily="18" charset="0"/>
+                      </a:endParaRPr>
+                    </a:p>
+                  </a:txBody>
+                  <a:tcPr marL="68580" marR="68580" marT="0" marB="0">
+                    <a:lnL w="12700" cap="flat" cmpd="sng" algn="ctr">
+                      <a:solidFill>
+                        <a:srgbClr val="000000"/>
+                      </a:solidFill>
+                      <a:prstDash val="solid"/>
+                      <a:round/>
+                      <a:headEnd type="none" w="med" len="med"/>
+                      <a:tailEnd type="none" w="med" len="med"/>
+                    </a:lnL>
+                    <a:lnR w="12700" cap="flat" cmpd="sng" algn="ctr">
+                      <a:solidFill>
+                        <a:srgbClr val="000000"/>
+                      </a:solidFill>
+                      <a:prstDash val="solid"/>
+                      <a:round/>
+                      <a:headEnd type="none" w="med" len="med"/>
+                      <a:tailEnd type="none" w="med" len="med"/>
+                    </a:lnR>
+                    <a:lnT w="12700" cap="flat" cmpd="sng" algn="ctr">
+                      <a:solidFill>
+                        <a:srgbClr val="000000"/>
+                      </a:solidFill>
+                      <a:prstDash val="solid"/>
+                      <a:round/>
+                      <a:headEnd type="none" w="med" len="med"/>
+                      <a:tailEnd type="none" w="med" len="med"/>
+                    </a:lnT>
+                    <a:lnB w="12700" cap="flat" cmpd="sng" algn="ctr">
+                      <a:solidFill>
+                        <a:srgbClr val="000000"/>
+                      </a:solidFill>
+                      <a:prstDash val="solid"/>
+                      <a:round/>
+                      <a:headEnd type="none" w="med" len="med"/>
+                      <a:tailEnd type="none" w="med" len="med"/>
+                    </a:lnB>
+                    <a:solidFill>
+                      <a:srgbClr val="D9D9D9"/>
+                    </a:solidFill>
+                  </a:tcPr>
+                </a:tc>
+                <a:extLst>
+                  <a:ext uri="{0D108BD9-81ED-4DB2-BD59-A6C34878D82A}">
+                    <a16:rowId xmlns:a16="http://schemas.microsoft.com/office/drawing/2014/main" val="3880302602"/>
+                  </a:ext>
+                </a:extLst>
+              </a:tr>
+              <a:tr h="420209">
+                <a:tc>
+                  <a:txBody>
+                    <a:bodyPr/>
+                    <a:lstStyle/>
+                    <a:p>
+                      <a:pPr algn="l">
+                        <a:spcAft>
+                          <a:spcPts val="0"/>
+                        </a:spcAft>
+                      </a:pPr>
+                      <a:r>
+                        <a:rPr lang="en-US" sz="1200" kern="100">
+                          <a:effectLst/>
+                          <a:latin typeface="宋体" panose="02010600030101010101" pitchFamily="2" charset="-122"/>
+                          <a:ea typeface="宋体" panose="02010600030101010101" pitchFamily="2" charset="-122"/>
+                          <a:cs typeface="Times New Roman" panose="02020603050405020304" pitchFamily="18" charset="0"/>
+                        </a:rPr>
+                        <a:t>V0.1</a:t>
+                      </a:r>
+                      <a:endParaRPr lang="zh-CN" sz="1050" kern="100">
+                        <a:effectLst/>
+                        <a:latin typeface="Calibri" panose="020F0502020204030204" pitchFamily="34" charset="0"/>
+                        <a:ea typeface="宋体" panose="02010600030101010101" pitchFamily="2" charset="-122"/>
+                        <a:cs typeface="Times New Roman" panose="02020603050405020304" pitchFamily="18" charset="0"/>
+                      </a:endParaRPr>
+                    </a:p>
+                  </a:txBody>
+                  <a:tcPr marL="68580" marR="68580" marT="0" marB="0">
+                    <a:lnL w="12700" cap="flat" cmpd="sng" algn="ctr">
+                      <a:solidFill>
+                        <a:srgbClr val="000000"/>
+                      </a:solidFill>
+                      <a:prstDash val="solid"/>
+                      <a:round/>
+                      <a:headEnd type="none" w="med" len="med"/>
+                      <a:tailEnd type="none" w="med" len="med"/>
+                    </a:lnL>
+                    <a:lnR w="12700" cap="flat" cmpd="sng" algn="ctr">
+                      <a:solidFill>
+                        <a:srgbClr val="000000"/>
+                      </a:solidFill>
+                      <a:prstDash val="solid"/>
+                      <a:round/>
+                      <a:headEnd type="none" w="med" len="med"/>
+                      <a:tailEnd type="none" w="med" len="med"/>
+                    </a:lnR>
+                    <a:lnT w="12700" cap="flat" cmpd="sng" algn="ctr">
+                      <a:solidFill>
+                        <a:srgbClr val="000000"/>
+                      </a:solidFill>
+                      <a:prstDash val="solid"/>
+                      <a:round/>
+                      <a:headEnd type="none" w="med" len="med"/>
+                      <a:tailEnd type="none" w="med" len="med"/>
+                    </a:lnT>
+                    <a:lnB w="12700" cap="flat" cmpd="sng" algn="ctr">
+                      <a:solidFill>
+                        <a:srgbClr val="000000"/>
+                      </a:solidFill>
+                      <a:prstDash val="solid"/>
+                      <a:round/>
+                      <a:headEnd type="none" w="med" len="med"/>
+                      <a:tailEnd type="none" w="med" len="med"/>
+                    </a:lnB>
+                  </a:tcPr>
+                </a:tc>
+                <a:tc>
+                  <a:txBody>
+                    <a:bodyPr/>
+                    <a:lstStyle/>
+                    <a:p>
+                      <a:pPr algn="l">
+                        <a:spcAft>
+                          <a:spcPts val="0"/>
+                        </a:spcAft>
+                      </a:pPr>
+                      <a:r>
+                        <a:rPr lang="zh-CN" sz="1200" kern="100">
+                          <a:effectLst/>
+                          <a:latin typeface="Calibri" panose="020F0502020204030204" pitchFamily="34" charset="0"/>
+                          <a:ea typeface="宋体" panose="02010600030101010101" pitchFamily="2" charset="-122"/>
+                          <a:cs typeface="Times New Roman" panose="02020603050405020304" pitchFamily="18" charset="0"/>
+                        </a:rPr>
+                        <a:t>陈遵义、陈妍蓝</a:t>
+                      </a:r>
+                      <a:endParaRPr lang="zh-CN" sz="1050" kern="100">
+                        <a:effectLst/>
+                        <a:latin typeface="Calibri" panose="020F0502020204030204" pitchFamily="34" charset="0"/>
+                        <a:ea typeface="宋体" panose="02010600030101010101" pitchFamily="2" charset="-122"/>
+                        <a:cs typeface="Times New Roman" panose="02020603050405020304" pitchFamily="18" charset="0"/>
+                      </a:endParaRPr>
+                    </a:p>
+                  </a:txBody>
+                  <a:tcPr marL="68580" marR="68580" marT="0" marB="0">
+                    <a:lnL w="12700" cap="flat" cmpd="sng" algn="ctr">
+                      <a:solidFill>
+                        <a:srgbClr val="000000"/>
+                      </a:solidFill>
+                      <a:prstDash val="solid"/>
+                      <a:round/>
+                      <a:headEnd type="none" w="med" len="med"/>
+                      <a:tailEnd type="none" w="med" len="med"/>
+                    </a:lnL>
+                    <a:lnR w="12700" cap="flat" cmpd="sng" algn="ctr">
+                      <a:solidFill>
+                        <a:srgbClr val="000000"/>
+                      </a:solidFill>
+                      <a:prstDash val="solid"/>
+                      <a:round/>
+                      <a:headEnd type="none" w="med" len="med"/>
+                      <a:tailEnd type="none" w="med" len="med"/>
+                    </a:lnR>
+                    <a:lnT w="12700" cap="flat" cmpd="sng" algn="ctr">
+                      <a:solidFill>
+                        <a:srgbClr val="000000"/>
+                      </a:solidFill>
+                      <a:prstDash val="solid"/>
+                      <a:round/>
+                      <a:headEnd type="none" w="med" len="med"/>
+                      <a:tailEnd type="none" w="med" len="med"/>
+                    </a:lnT>
+                    <a:lnB w="12700" cap="flat" cmpd="sng" algn="ctr">
+                      <a:solidFill>
+                        <a:srgbClr val="000000"/>
+                      </a:solidFill>
+                      <a:prstDash val="solid"/>
+                      <a:round/>
+                      <a:headEnd type="none" w="med" len="med"/>
+                      <a:tailEnd type="none" w="med" len="med"/>
+                    </a:lnB>
+                  </a:tcPr>
+                </a:tc>
+                <a:tc>
+                  <a:txBody>
+                    <a:bodyPr/>
+                    <a:lstStyle/>
+                    <a:p>
+                      <a:pPr algn="l">
+                        <a:spcAft>
+                          <a:spcPts val="0"/>
+                        </a:spcAft>
+                      </a:pPr>
+                      <a:r>
+                        <a:rPr lang="en-US" sz="1200" kern="100">
+                          <a:effectLst/>
+                          <a:latin typeface="宋体" panose="02010600030101010101" pitchFamily="2" charset="-122"/>
+                          <a:ea typeface="宋体" panose="02010600030101010101" pitchFamily="2" charset="-122"/>
+                          <a:cs typeface="Times New Roman" panose="02020603050405020304" pitchFamily="18" charset="0"/>
+                        </a:rPr>
+                        <a:t>2018</a:t>
+                      </a:r>
+                      <a:r>
+                        <a:rPr lang="zh-CN" sz="1200" kern="100">
+                          <a:effectLst/>
+                          <a:latin typeface="Calibri" panose="020F0502020204030204" pitchFamily="34" charset="0"/>
+                          <a:ea typeface="宋体" panose="02010600030101010101" pitchFamily="2" charset="-122"/>
+                          <a:cs typeface="Times New Roman" panose="02020603050405020304" pitchFamily="18" charset="0"/>
+                        </a:rPr>
+                        <a:t>年</a:t>
+                      </a:r>
+                      <a:r>
+                        <a:rPr lang="en-US" sz="1200" kern="100">
+                          <a:effectLst/>
+                          <a:latin typeface="Calibri" panose="020F0502020204030204" pitchFamily="34" charset="0"/>
+                          <a:ea typeface="宋体" panose="02010600030101010101" pitchFamily="2" charset="-122"/>
+                          <a:cs typeface="Times New Roman" panose="02020603050405020304" pitchFamily="18" charset="0"/>
+                        </a:rPr>
+                        <a:t>9</a:t>
+                      </a:r>
+                      <a:r>
+                        <a:rPr lang="zh-CN" sz="1200" kern="100">
+                          <a:effectLst/>
+                          <a:latin typeface="Calibri" panose="020F0502020204030204" pitchFamily="34" charset="0"/>
+                          <a:ea typeface="宋体" panose="02010600030101010101" pitchFamily="2" charset="-122"/>
+                          <a:cs typeface="Times New Roman" panose="02020603050405020304" pitchFamily="18" charset="0"/>
+                        </a:rPr>
+                        <a:t>月</a:t>
+                      </a:r>
+                      <a:r>
+                        <a:rPr lang="en-US" sz="1200" kern="100">
+                          <a:effectLst/>
+                          <a:latin typeface="Calibri" panose="020F0502020204030204" pitchFamily="34" charset="0"/>
+                          <a:ea typeface="宋体" panose="02010600030101010101" pitchFamily="2" charset="-122"/>
+                          <a:cs typeface="Times New Roman" panose="02020603050405020304" pitchFamily="18" charset="0"/>
+                        </a:rPr>
+                        <a:t>29</a:t>
+                      </a:r>
+                      <a:r>
+                        <a:rPr lang="zh-CN" sz="1200" kern="100">
+                          <a:effectLst/>
+                          <a:latin typeface="Calibri" panose="020F0502020204030204" pitchFamily="34" charset="0"/>
+                          <a:ea typeface="宋体" panose="02010600030101010101" pitchFamily="2" charset="-122"/>
+                          <a:cs typeface="Times New Roman" panose="02020603050405020304" pitchFamily="18" charset="0"/>
+                        </a:rPr>
+                        <a:t>日</a:t>
+                      </a:r>
+                      <a:endParaRPr lang="zh-CN" sz="1050" kern="100">
+                        <a:effectLst/>
+                        <a:latin typeface="Calibri" panose="020F0502020204030204" pitchFamily="34" charset="0"/>
+                        <a:ea typeface="宋体" panose="02010600030101010101" pitchFamily="2" charset="-122"/>
+                        <a:cs typeface="Times New Roman" panose="02020603050405020304" pitchFamily="18" charset="0"/>
+                      </a:endParaRPr>
+                    </a:p>
+                  </a:txBody>
+                  <a:tcPr marL="68580" marR="68580" marT="0" marB="0">
+                    <a:lnL w="12700" cap="flat" cmpd="sng" algn="ctr">
+                      <a:solidFill>
+                        <a:srgbClr val="000000"/>
+                      </a:solidFill>
+                      <a:prstDash val="solid"/>
+                      <a:round/>
+                      <a:headEnd type="none" w="med" len="med"/>
+                      <a:tailEnd type="none" w="med" len="med"/>
+                    </a:lnL>
+                    <a:lnR w="12700" cap="flat" cmpd="sng" algn="ctr">
+                      <a:solidFill>
+                        <a:srgbClr val="000000"/>
+                      </a:solidFill>
+                      <a:prstDash val="solid"/>
+                      <a:round/>
+                      <a:headEnd type="none" w="med" len="med"/>
+                      <a:tailEnd type="none" w="med" len="med"/>
+                    </a:lnR>
+                    <a:lnT w="12700" cap="flat" cmpd="sng" algn="ctr">
+                      <a:solidFill>
+                        <a:srgbClr val="000000"/>
+                      </a:solidFill>
+                      <a:prstDash val="solid"/>
+                      <a:round/>
+                      <a:headEnd type="none" w="med" len="med"/>
+                      <a:tailEnd type="none" w="med" len="med"/>
+                    </a:lnT>
+                    <a:lnB w="12700" cap="flat" cmpd="sng" algn="ctr">
+                      <a:solidFill>
+                        <a:srgbClr val="000000"/>
+                      </a:solidFill>
+                      <a:prstDash val="solid"/>
+                      <a:round/>
+                      <a:headEnd type="none" w="med" len="med"/>
+                      <a:tailEnd type="none" w="med" len="med"/>
+                    </a:lnB>
+                  </a:tcPr>
+                </a:tc>
+                <a:tc>
+                  <a:txBody>
+                    <a:bodyPr/>
+                    <a:lstStyle/>
+                    <a:p>
+                      <a:pPr algn="l">
+                        <a:spcAft>
+                          <a:spcPts val="0"/>
+                        </a:spcAft>
+                      </a:pPr>
+                      <a:r>
+                        <a:rPr lang="zh-CN" sz="1200" kern="100">
+                          <a:effectLst/>
+                          <a:latin typeface="Calibri" panose="020F0502020204030204" pitchFamily="34" charset="0"/>
+                          <a:ea typeface="宋体" panose="02010600030101010101" pitchFamily="2" charset="-122"/>
+                          <a:cs typeface="Times New Roman" panose="02020603050405020304" pitchFamily="18" charset="0"/>
+                        </a:rPr>
+                        <a:t>需求工程计划的初步编写</a:t>
+                      </a:r>
+                      <a:endParaRPr lang="zh-CN" sz="1050" kern="100">
+                        <a:effectLst/>
+                        <a:latin typeface="Calibri" panose="020F0502020204030204" pitchFamily="34" charset="0"/>
+                        <a:ea typeface="宋体" panose="02010600030101010101" pitchFamily="2" charset="-122"/>
+                        <a:cs typeface="Times New Roman" panose="02020603050405020304" pitchFamily="18" charset="0"/>
+                      </a:endParaRPr>
+                    </a:p>
+                  </a:txBody>
+                  <a:tcPr marL="68580" marR="68580" marT="0" marB="0">
+                    <a:lnL w="12700" cap="flat" cmpd="sng" algn="ctr">
+                      <a:solidFill>
+                        <a:srgbClr val="000000"/>
+                      </a:solidFill>
+                      <a:prstDash val="solid"/>
+                      <a:round/>
+                      <a:headEnd type="none" w="med" len="med"/>
+                      <a:tailEnd type="none" w="med" len="med"/>
+                    </a:lnL>
+                    <a:lnR w="12700" cap="flat" cmpd="sng" algn="ctr">
+                      <a:solidFill>
+                        <a:srgbClr val="000000"/>
+                      </a:solidFill>
+                      <a:prstDash val="solid"/>
+                      <a:round/>
+                      <a:headEnd type="none" w="med" len="med"/>
+                      <a:tailEnd type="none" w="med" len="med"/>
+                    </a:lnR>
+                    <a:lnT w="12700" cap="flat" cmpd="sng" algn="ctr">
+                      <a:solidFill>
+                        <a:srgbClr val="000000"/>
+                      </a:solidFill>
+                      <a:prstDash val="solid"/>
+                      <a:round/>
+                      <a:headEnd type="none" w="med" len="med"/>
+                      <a:tailEnd type="none" w="med" len="med"/>
+                    </a:lnT>
+                    <a:lnB w="12700" cap="flat" cmpd="sng" algn="ctr">
+                      <a:solidFill>
+                        <a:srgbClr val="000000"/>
+                      </a:solidFill>
+                      <a:prstDash val="solid"/>
+                      <a:round/>
+                      <a:headEnd type="none" w="med" len="med"/>
+                      <a:tailEnd type="none" w="med" len="med"/>
+                    </a:lnB>
+                  </a:tcPr>
+                </a:tc>
+                <a:tc>
+                  <a:txBody>
+                    <a:bodyPr/>
+                    <a:lstStyle/>
+                    <a:p>
+                      <a:pPr algn="l">
+                        <a:spcAft>
+                          <a:spcPts val="0"/>
+                        </a:spcAft>
+                      </a:pPr>
+                      <a:r>
+                        <a:rPr lang="zh-CN" sz="1200" kern="100">
+                          <a:effectLst/>
+                          <a:latin typeface="Calibri" panose="020F0502020204030204" pitchFamily="34" charset="0"/>
+                          <a:ea typeface="宋体" panose="02010600030101010101" pitchFamily="2" charset="-122"/>
+                          <a:cs typeface="Times New Roman" panose="02020603050405020304" pitchFamily="18" charset="0"/>
+                        </a:rPr>
+                        <a:t>陈妍蓝</a:t>
+                      </a:r>
+                      <a:endParaRPr lang="zh-CN" sz="1050" kern="100">
+                        <a:effectLst/>
+                        <a:latin typeface="Calibri" panose="020F0502020204030204" pitchFamily="34" charset="0"/>
+                        <a:ea typeface="宋体" panose="02010600030101010101" pitchFamily="2" charset="-122"/>
+                        <a:cs typeface="Times New Roman" panose="02020603050405020304" pitchFamily="18" charset="0"/>
+                      </a:endParaRPr>
+                    </a:p>
+                  </a:txBody>
+                  <a:tcPr marL="68580" marR="68580" marT="0" marB="0">
+                    <a:lnL w="12700" cap="flat" cmpd="sng" algn="ctr">
+                      <a:solidFill>
+                        <a:srgbClr val="000000"/>
+                      </a:solidFill>
+                      <a:prstDash val="solid"/>
+                      <a:round/>
+                      <a:headEnd type="none" w="med" len="med"/>
+                      <a:tailEnd type="none" w="med" len="med"/>
+                    </a:lnL>
+                    <a:lnR w="12700" cap="flat" cmpd="sng" algn="ctr">
+                      <a:solidFill>
+                        <a:srgbClr val="000000"/>
+                      </a:solidFill>
+                      <a:prstDash val="solid"/>
+                      <a:round/>
+                      <a:headEnd type="none" w="med" len="med"/>
+                      <a:tailEnd type="none" w="med" len="med"/>
+                    </a:lnR>
+                    <a:lnT w="12700" cap="flat" cmpd="sng" algn="ctr">
+                      <a:solidFill>
+                        <a:srgbClr val="000000"/>
+                      </a:solidFill>
+                      <a:prstDash val="solid"/>
+                      <a:round/>
+                      <a:headEnd type="none" w="med" len="med"/>
+                      <a:tailEnd type="none" w="med" len="med"/>
+                    </a:lnT>
+                    <a:lnB w="12700" cap="flat" cmpd="sng" algn="ctr">
+                      <a:solidFill>
+                        <a:srgbClr val="000000"/>
+                      </a:solidFill>
+                      <a:prstDash val="solid"/>
+                      <a:round/>
+                      <a:headEnd type="none" w="med" len="med"/>
+                      <a:tailEnd type="none" w="med" len="med"/>
+                    </a:lnB>
+                  </a:tcPr>
+                </a:tc>
+                <a:extLst>
+                  <a:ext uri="{0D108BD9-81ED-4DB2-BD59-A6C34878D82A}">
+                    <a16:rowId xmlns:a16="http://schemas.microsoft.com/office/drawing/2014/main" val="343204524"/>
+                  </a:ext>
+                </a:extLst>
+              </a:tr>
+              <a:tr h="420209">
+                <a:tc>
+                  <a:txBody>
+                    <a:bodyPr/>
+                    <a:lstStyle/>
+                    <a:p>
+                      <a:pPr algn="l">
+                        <a:spcAft>
+                          <a:spcPts val="0"/>
+                        </a:spcAft>
+                      </a:pPr>
+                      <a:r>
+                        <a:rPr lang="en-US" sz="1200" kern="100">
+                          <a:effectLst/>
+                          <a:latin typeface="宋体" panose="02010600030101010101" pitchFamily="2" charset="-122"/>
+                          <a:ea typeface="宋体" panose="02010600030101010101" pitchFamily="2" charset="-122"/>
+                          <a:cs typeface="Times New Roman" panose="02020603050405020304" pitchFamily="18" charset="0"/>
+                        </a:rPr>
+                        <a:t>V0.2</a:t>
+                      </a:r>
+                      <a:endParaRPr lang="zh-CN" sz="1050" kern="100">
+                        <a:effectLst/>
+                        <a:latin typeface="Calibri" panose="020F0502020204030204" pitchFamily="34" charset="0"/>
+                        <a:ea typeface="宋体" panose="02010600030101010101" pitchFamily="2" charset="-122"/>
+                        <a:cs typeface="Times New Roman" panose="02020603050405020304" pitchFamily="18" charset="0"/>
+                      </a:endParaRPr>
+                    </a:p>
+                  </a:txBody>
+                  <a:tcPr marL="68580" marR="68580" marT="0" marB="0">
+                    <a:lnL w="12700" cap="flat" cmpd="sng" algn="ctr">
+                      <a:solidFill>
+                        <a:srgbClr val="000000"/>
+                      </a:solidFill>
+                      <a:prstDash val="solid"/>
+                      <a:round/>
+                      <a:headEnd type="none" w="med" len="med"/>
+                      <a:tailEnd type="none" w="med" len="med"/>
+                    </a:lnL>
+                    <a:lnR w="12700" cap="flat" cmpd="sng" algn="ctr">
+                      <a:solidFill>
+                        <a:srgbClr val="000000"/>
+                      </a:solidFill>
+                      <a:prstDash val="solid"/>
+                      <a:round/>
+                      <a:headEnd type="none" w="med" len="med"/>
+                      <a:tailEnd type="none" w="med" len="med"/>
+                    </a:lnR>
+                    <a:lnT w="12700" cap="flat" cmpd="sng" algn="ctr">
+                      <a:solidFill>
+                        <a:srgbClr val="000000"/>
+                      </a:solidFill>
+                      <a:prstDash val="solid"/>
+                      <a:round/>
+                      <a:headEnd type="none" w="med" len="med"/>
+                      <a:tailEnd type="none" w="med" len="med"/>
+                    </a:lnT>
+                    <a:lnB w="12700" cap="flat" cmpd="sng" algn="ctr">
+                      <a:solidFill>
+                        <a:srgbClr val="000000"/>
+                      </a:solidFill>
+                      <a:prstDash val="solid"/>
+                      <a:round/>
+                      <a:headEnd type="none" w="med" len="med"/>
+                      <a:tailEnd type="none" w="med" len="med"/>
+                    </a:lnB>
+                  </a:tcPr>
+                </a:tc>
+                <a:tc>
+                  <a:txBody>
+                    <a:bodyPr/>
+                    <a:lstStyle/>
+                    <a:p>
+                      <a:pPr algn="l">
+                        <a:spcAft>
+                          <a:spcPts val="0"/>
+                        </a:spcAft>
+                      </a:pPr>
+                      <a:r>
+                        <a:rPr lang="zh-CN" sz="1200" kern="100">
+                          <a:effectLst/>
+                          <a:latin typeface="Calibri" panose="020F0502020204030204" pitchFamily="34" charset="0"/>
+                          <a:ea typeface="宋体" panose="02010600030101010101" pitchFamily="2" charset="-122"/>
+                          <a:cs typeface="Times New Roman" panose="02020603050405020304" pitchFamily="18" charset="0"/>
+                        </a:rPr>
+                        <a:t>陈妍蓝</a:t>
+                      </a:r>
+                      <a:endParaRPr lang="zh-CN" sz="1050" kern="100">
+                        <a:effectLst/>
+                        <a:latin typeface="Calibri" panose="020F0502020204030204" pitchFamily="34" charset="0"/>
+                        <a:ea typeface="宋体" panose="02010600030101010101" pitchFamily="2" charset="-122"/>
+                        <a:cs typeface="Times New Roman" panose="02020603050405020304" pitchFamily="18" charset="0"/>
+                      </a:endParaRPr>
+                    </a:p>
+                  </a:txBody>
+                  <a:tcPr marL="68580" marR="68580" marT="0" marB="0">
+                    <a:lnL w="12700" cap="flat" cmpd="sng" algn="ctr">
+                      <a:solidFill>
+                        <a:srgbClr val="000000"/>
+                      </a:solidFill>
+                      <a:prstDash val="solid"/>
+                      <a:round/>
+                      <a:headEnd type="none" w="med" len="med"/>
+                      <a:tailEnd type="none" w="med" len="med"/>
+                    </a:lnL>
+                    <a:lnR w="12700" cap="flat" cmpd="sng" algn="ctr">
+                      <a:solidFill>
+                        <a:srgbClr val="000000"/>
+                      </a:solidFill>
+                      <a:prstDash val="solid"/>
+                      <a:round/>
+                      <a:headEnd type="none" w="med" len="med"/>
+                      <a:tailEnd type="none" w="med" len="med"/>
+                    </a:lnR>
+                    <a:lnT w="12700" cap="flat" cmpd="sng" algn="ctr">
+                      <a:solidFill>
+                        <a:srgbClr val="000000"/>
+                      </a:solidFill>
+                      <a:prstDash val="solid"/>
+                      <a:round/>
+                      <a:headEnd type="none" w="med" len="med"/>
+                      <a:tailEnd type="none" w="med" len="med"/>
+                    </a:lnT>
+                    <a:lnB w="12700" cap="flat" cmpd="sng" algn="ctr">
+                      <a:solidFill>
+                        <a:srgbClr val="000000"/>
+                      </a:solidFill>
+                      <a:prstDash val="solid"/>
+                      <a:round/>
+                      <a:headEnd type="none" w="med" len="med"/>
+                      <a:tailEnd type="none" w="med" len="med"/>
+                    </a:lnB>
+                  </a:tcPr>
+                </a:tc>
+                <a:tc>
+                  <a:txBody>
+                    <a:bodyPr/>
+                    <a:lstStyle/>
+                    <a:p>
+                      <a:pPr algn="l">
+                        <a:spcAft>
+                          <a:spcPts val="0"/>
+                        </a:spcAft>
+                      </a:pPr>
+                      <a:r>
+                        <a:rPr lang="en-US" sz="1200" kern="100">
+                          <a:effectLst/>
+                          <a:latin typeface="宋体" panose="02010600030101010101" pitchFamily="2" charset="-122"/>
+                          <a:ea typeface="宋体" panose="02010600030101010101" pitchFamily="2" charset="-122"/>
+                          <a:cs typeface="Times New Roman" panose="02020603050405020304" pitchFamily="18" charset="0"/>
+                        </a:rPr>
+                        <a:t>2018</a:t>
+                      </a:r>
+                      <a:r>
+                        <a:rPr lang="zh-CN" sz="1200" kern="100">
+                          <a:effectLst/>
+                          <a:latin typeface="Calibri" panose="020F0502020204030204" pitchFamily="34" charset="0"/>
+                          <a:ea typeface="宋体" panose="02010600030101010101" pitchFamily="2" charset="-122"/>
+                          <a:cs typeface="Times New Roman" panose="02020603050405020304" pitchFamily="18" charset="0"/>
+                        </a:rPr>
+                        <a:t>年</a:t>
+                      </a:r>
+                      <a:r>
+                        <a:rPr lang="en-US" sz="1200" kern="100">
+                          <a:effectLst/>
+                          <a:latin typeface="Calibri" panose="020F0502020204030204" pitchFamily="34" charset="0"/>
+                          <a:ea typeface="宋体" panose="02010600030101010101" pitchFamily="2" charset="-122"/>
+                          <a:cs typeface="Times New Roman" panose="02020603050405020304" pitchFamily="18" charset="0"/>
+                        </a:rPr>
+                        <a:t>10</a:t>
+                      </a:r>
+                      <a:r>
+                        <a:rPr lang="zh-CN" sz="1200" kern="100">
+                          <a:effectLst/>
+                          <a:latin typeface="Calibri" panose="020F0502020204030204" pitchFamily="34" charset="0"/>
+                          <a:ea typeface="宋体" panose="02010600030101010101" pitchFamily="2" charset="-122"/>
+                          <a:cs typeface="Times New Roman" panose="02020603050405020304" pitchFamily="18" charset="0"/>
+                        </a:rPr>
+                        <a:t>月</a:t>
+                      </a:r>
+                      <a:r>
+                        <a:rPr lang="en-US" sz="1200" kern="100">
+                          <a:effectLst/>
+                          <a:latin typeface="Calibri" panose="020F0502020204030204" pitchFamily="34" charset="0"/>
+                          <a:ea typeface="宋体" panose="02010600030101010101" pitchFamily="2" charset="-122"/>
+                          <a:cs typeface="Times New Roman" panose="02020603050405020304" pitchFamily="18" charset="0"/>
+                        </a:rPr>
+                        <a:t>7</a:t>
+                      </a:r>
+                      <a:r>
+                        <a:rPr lang="zh-CN" sz="1200" kern="100">
+                          <a:effectLst/>
+                          <a:latin typeface="Calibri" panose="020F0502020204030204" pitchFamily="34" charset="0"/>
+                          <a:ea typeface="宋体" panose="02010600030101010101" pitchFamily="2" charset="-122"/>
+                          <a:cs typeface="Times New Roman" panose="02020603050405020304" pitchFamily="18" charset="0"/>
+                        </a:rPr>
+                        <a:t>日</a:t>
+                      </a:r>
+                      <a:endParaRPr lang="zh-CN" sz="1050" kern="100">
+                        <a:effectLst/>
+                        <a:latin typeface="Calibri" panose="020F0502020204030204" pitchFamily="34" charset="0"/>
+                        <a:ea typeface="宋体" panose="02010600030101010101" pitchFamily="2" charset="-122"/>
+                        <a:cs typeface="Times New Roman" panose="02020603050405020304" pitchFamily="18" charset="0"/>
+                      </a:endParaRPr>
+                    </a:p>
+                  </a:txBody>
+                  <a:tcPr marL="68580" marR="68580" marT="0" marB="0">
+                    <a:lnL w="12700" cap="flat" cmpd="sng" algn="ctr">
+                      <a:solidFill>
+                        <a:srgbClr val="000000"/>
+                      </a:solidFill>
+                      <a:prstDash val="solid"/>
+                      <a:round/>
+                      <a:headEnd type="none" w="med" len="med"/>
+                      <a:tailEnd type="none" w="med" len="med"/>
+                    </a:lnL>
+                    <a:lnR w="12700" cap="flat" cmpd="sng" algn="ctr">
+                      <a:solidFill>
+                        <a:srgbClr val="000000"/>
+                      </a:solidFill>
+                      <a:prstDash val="solid"/>
+                      <a:round/>
+                      <a:headEnd type="none" w="med" len="med"/>
+                      <a:tailEnd type="none" w="med" len="med"/>
+                    </a:lnR>
+                    <a:lnT w="12700" cap="flat" cmpd="sng" algn="ctr">
+                      <a:solidFill>
+                        <a:srgbClr val="000000"/>
+                      </a:solidFill>
+                      <a:prstDash val="solid"/>
+                      <a:round/>
+                      <a:headEnd type="none" w="med" len="med"/>
+                      <a:tailEnd type="none" w="med" len="med"/>
+                    </a:lnT>
+                    <a:lnB w="12700" cap="flat" cmpd="sng" algn="ctr">
+                      <a:solidFill>
+                        <a:srgbClr val="000000"/>
+                      </a:solidFill>
+                      <a:prstDash val="solid"/>
+                      <a:round/>
+                      <a:headEnd type="none" w="med" len="med"/>
+                      <a:tailEnd type="none" w="med" len="med"/>
+                    </a:lnB>
+                  </a:tcPr>
+                </a:tc>
+                <a:tc>
+                  <a:txBody>
+                    <a:bodyPr/>
+                    <a:lstStyle/>
+                    <a:p>
+                      <a:pPr algn="l">
+                        <a:spcAft>
+                          <a:spcPts val="0"/>
+                        </a:spcAft>
+                      </a:pPr>
+                      <a:r>
+                        <a:rPr lang="zh-CN" sz="1200" kern="100">
+                          <a:effectLst/>
+                          <a:latin typeface="Calibri" panose="020F0502020204030204" pitchFamily="34" charset="0"/>
+                          <a:ea typeface="宋体" panose="02010600030101010101" pitchFamily="2" charset="-122"/>
+                          <a:cs typeface="Times New Roman" panose="02020603050405020304" pitchFamily="18" charset="0"/>
+                        </a:rPr>
+                        <a:t>需求工程计划的修改</a:t>
+                      </a:r>
+                      <a:endParaRPr lang="zh-CN" sz="1050" kern="100">
+                        <a:effectLst/>
+                        <a:latin typeface="Calibri" panose="020F0502020204030204" pitchFamily="34" charset="0"/>
+                        <a:ea typeface="宋体" panose="02010600030101010101" pitchFamily="2" charset="-122"/>
+                        <a:cs typeface="Times New Roman" panose="02020603050405020304" pitchFamily="18" charset="0"/>
+                      </a:endParaRPr>
+                    </a:p>
+                  </a:txBody>
+                  <a:tcPr marL="68580" marR="68580" marT="0" marB="0">
+                    <a:lnL w="12700" cap="flat" cmpd="sng" algn="ctr">
+                      <a:solidFill>
+                        <a:srgbClr val="000000"/>
+                      </a:solidFill>
+                      <a:prstDash val="solid"/>
+                      <a:round/>
+                      <a:headEnd type="none" w="med" len="med"/>
+                      <a:tailEnd type="none" w="med" len="med"/>
+                    </a:lnL>
+                    <a:lnR w="12700" cap="flat" cmpd="sng" algn="ctr">
+                      <a:solidFill>
+                        <a:srgbClr val="000000"/>
+                      </a:solidFill>
+                      <a:prstDash val="solid"/>
+                      <a:round/>
+                      <a:headEnd type="none" w="med" len="med"/>
+                      <a:tailEnd type="none" w="med" len="med"/>
+                    </a:lnR>
+                    <a:lnT w="12700" cap="flat" cmpd="sng" algn="ctr">
+                      <a:solidFill>
+                        <a:srgbClr val="000000"/>
+                      </a:solidFill>
+                      <a:prstDash val="solid"/>
+                      <a:round/>
+                      <a:headEnd type="none" w="med" len="med"/>
+                      <a:tailEnd type="none" w="med" len="med"/>
+                    </a:lnT>
+                    <a:lnB w="12700" cap="flat" cmpd="sng" algn="ctr">
+                      <a:solidFill>
+                        <a:srgbClr val="000000"/>
+                      </a:solidFill>
+                      <a:prstDash val="solid"/>
+                      <a:round/>
+                      <a:headEnd type="none" w="med" len="med"/>
+                      <a:tailEnd type="none" w="med" len="med"/>
+                    </a:lnB>
+                  </a:tcPr>
+                </a:tc>
+                <a:tc>
+                  <a:txBody>
+                    <a:bodyPr/>
+                    <a:lstStyle/>
+                    <a:p>
+                      <a:pPr algn="l">
+                        <a:spcAft>
+                          <a:spcPts val="0"/>
+                        </a:spcAft>
+                      </a:pPr>
+                      <a:r>
+                        <a:rPr lang="en-US" sz="1200" kern="100">
+                          <a:effectLst/>
+                          <a:latin typeface="宋体" panose="02010600030101010101" pitchFamily="2" charset="-122"/>
+                          <a:ea typeface="宋体" panose="02010600030101010101" pitchFamily="2" charset="-122"/>
+                          <a:cs typeface="Times New Roman" panose="02020603050405020304" pitchFamily="18" charset="0"/>
+                        </a:rPr>
+                        <a:t>G18</a:t>
+                      </a:r>
+                      <a:endParaRPr lang="zh-CN" sz="1050" kern="100">
+                        <a:effectLst/>
+                        <a:latin typeface="Calibri" panose="020F0502020204030204" pitchFamily="34" charset="0"/>
+                        <a:ea typeface="宋体" panose="02010600030101010101" pitchFamily="2" charset="-122"/>
+                        <a:cs typeface="Times New Roman" panose="02020603050405020304" pitchFamily="18" charset="0"/>
+                      </a:endParaRPr>
+                    </a:p>
+                  </a:txBody>
+                  <a:tcPr marL="68580" marR="68580" marT="0" marB="0">
+                    <a:lnL w="12700" cap="flat" cmpd="sng" algn="ctr">
+                      <a:solidFill>
+                        <a:srgbClr val="000000"/>
+                      </a:solidFill>
+                      <a:prstDash val="solid"/>
+                      <a:round/>
+                      <a:headEnd type="none" w="med" len="med"/>
+                      <a:tailEnd type="none" w="med" len="med"/>
+                    </a:lnL>
+                    <a:lnR w="12700" cap="flat" cmpd="sng" algn="ctr">
+                      <a:solidFill>
+                        <a:srgbClr val="000000"/>
+                      </a:solidFill>
+                      <a:prstDash val="solid"/>
+                      <a:round/>
+                      <a:headEnd type="none" w="med" len="med"/>
+                      <a:tailEnd type="none" w="med" len="med"/>
+                    </a:lnR>
+                    <a:lnT w="12700" cap="flat" cmpd="sng" algn="ctr">
+                      <a:solidFill>
+                        <a:srgbClr val="000000"/>
+                      </a:solidFill>
+                      <a:prstDash val="solid"/>
+                      <a:round/>
+                      <a:headEnd type="none" w="med" len="med"/>
+                      <a:tailEnd type="none" w="med" len="med"/>
+                    </a:lnT>
+                    <a:lnB w="12700" cap="flat" cmpd="sng" algn="ctr">
+                      <a:solidFill>
+                        <a:srgbClr val="000000"/>
+                      </a:solidFill>
+                      <a:prstDash val="solid"/>
+                      <a:round/>
+                      <a:headEnd type="none" w="med" len="med"/>
+                      <a:tailEnd type="none" w="med" len="med"/>
+                    </a:lnB>
+                  </a:tcPr>
+                </a:tc>
+                <a:extLst>
+                  <a:ext uri="{0D108BD9-81ED-4DB2-BD59-A6C34878D82A}">
+                    <a16:rowId xmlns:a16="http://schemas.microsoft.com/office/drawing/2014/main" val="1881402879"/>
+                  </a:ext>
+                </a:extLst>
+              </a:tr>
+              <a:tr h="420209">
+                <a:tc>
+                  <a:txBody>
+                    <a:bodyPr/>
+                    <a:lstStyle/>
+                    <a:p>
+                      <a:pPr algn="l">
+                        <a:spcAft>
+                          <a:spcPts val="0"/>
+                        </a:spcAft>
+                      </a:pPr>
+                      <a:r>
+                        <a:rPr lang="en-US" sz="1200" kern="100">
+                          <a:effectLst/>
+                          <a:latin typeface="宋体" panose="02010600030101010101" pitchFamily="2" charset="-122"/>
+                          <a:ea typeface="宋体" panose="02010600030101010101" pitchFamily="2" charset="-122"/>
+                          <a:cs typeface="Times New Roman" panose="02020603050405020304" pitchFamily="18" charset="0"/>
+                        </a:rPr>
+                        <a:t>V0.3</a:t>
+                      </a:r>
+                      <a:endParaRPr lang="zh-CN" sz="1050" kern="100">
+                        <a:effectLst/>
+                        <a:latin typeface="Calibri" panose="020F0502020204030204" pitchFamily="34" charset="0"/>
+                        <a:ea typeface="宋体" panose="02010600030101010101" pitchFamily="2" charset="-122"/>
+                        <a:cs typeface="Times New Roman" panose="02020603050405020304" pitchFamily="18" charset="0"/>
+                      </a:endParaRPr>
+                    </a:p>
+                  </a:txBody>
+                  <a:tcPr marL="68580" marR="68580" marT="0" marB="0">
+                    <a:lnL w="12700" cap="flat" cmpd="sng" algn="ctr">
+                      <a:solidFill>
+                        <a:srgbClr val="000000"/>
+                      </a:solidFill>
+                      <a:prstDash val="solid"/>
+                      <a:round/>
+                      <a:headEnd type="none" w="med" len="med"/>
+                      <a:tailEnd type="none" w="med" len="med"/>
+                    </a:lnL>
+                    <a:lnR w="12700" cap="flat" cmpd="sng" algn="ctr">
+                      <a:solidFill>
+                        <a:srgbClr val="000000"/>
+                      </a:solidFill>
+                      <a:prstDash val="solid"/>
+                      <a:round/>
+                      <a:headEnd type="none" w="med" len="med"/>
+                      <a:tailEnd type="none" w="med" len="med"/>
+                    </a:lnR>
+                    <a:lnT w="12700" cap="flat" cmpd="sng" algn="ctr">
+                      <a:solidFill>
+                        <a:srgbClr val="000000"/>
+                      </a:solidFill>
+                      <a:prstDash val="solid"/>
+                      <a:round/>
+                      <a:headEnd type="none" w="med" len="med"/>
+                      <a:tailEnd type="none" w="med" len="med"/>
+                    </a:lnT>
+                    <a:lnB w="12700" cap="flat" cmpd="sng" algn="ctr">
+                      <a:solidFill>
+                        <a:srgbClr val="000000"/>
+                      </a:solidFill>
+                      <a:prstDash val="solid"/>
+                      <a:round/>
+                      <a:headEnd type="none" w="med" len="med"/>
+                      <a:tailEnd type="none" w="med" len="med"/>
+                    </a:lnB>
+                  </a:tcPr>
+                </a:tc>
+                <a:tc>
+                  <a:txBody>
+                    <a:bodyPr/>
+                    <a:lstStyle/>
+                    <a:p>
+                      <a:pPr algn="l">
+                        <a:spcAft>
+                          <a:spcPts val="0"/>
+                        </a:spcAft>
+                      </a:pPr>
+                      <a:r>
+                        <a:rPr lang="zh-CN" sz="1200" kern="100">
+                          <a:effectLst/>
+                          <a:latin typeface="Calibri" panose="020F0502020204030204" pitchFamily="34" charset="0"/>
+                          <a:ea typeface="宋体" panose="02010600030101010101" pitchFamily="2" charset="-122"/>
+                          <a:cs typeface="Times New Roman" panose="02020603050405020304" pitchFamily="18" charset="0"/>
+                        </a:rPr>
+                        <a:t>陈妍蓝</a:t>
+                      </a:r>
+                      <a:endParaRPr lang="zh-CN" sz="1050" kern="100">
+                        <a:effectLst/>
+                        <a:latin typeface="Calibri" panose="020F0502020204030204" pitchFamily="34" charset="0"/>
+                        <a:ea typeface="宋体" panose="02010600030101010101" pitchFamily="2" charset="-122"/>
+                        <a:cs typeface="Times New Roman" panose="02020603050405020304" pitchFamily="18" charset="0"/>
+                      </a:endParaRPr>
+                    </a:p>
+                  </a:txBody>
+                  <a:tcPr marL="68580" marR="68580" marT="0" marB="0">
+                    <a:lnL w="12700" cap="flat" cmpd="sng" algn="ctr">
+                      <a:solidFill>
+                        <a:srgbClr val="000000"/>
+                      </a:solidFill>
+                      <a:prstDash val="solid"/>
+                      <a:round/>
+                      <a:headEnd type="none" w="med" len="med"/>
+                      <a:tailEnd type="none" w="med" len="med"/>
+                    </a:lnL>
+                    <a:lnR w="12700" cap="flat" cmpd="sng" algn="ctr">
+                      <a:solidFill>
+                        <a:srgbClr val="000000"/>
+                      </a:solidFill>
+                      <a:prstDash val="solid"/>
+                      <a:round/>
+                      <a:headEnd type="none" w="med" len="med"/>
+                      <a:tailEnd type="none" w="med" len="med"/>
+                    </a:lnR>
+                    <a:lnT w="12700" cap="flat" cmpd="sng" algn="ctr">
+                      <a:solidFill>
+                        <a:srgbClr val="000000"/>
+                      </a:solidFill>
+                      <a:prstDash val="solid"/>
+                      <a:round/>
+                      <a:headEnd type="none" w="med" len="med"/>
+                      <a:tailEnd type="none" w="med" len="med"/>
+                    </a:lnT>
+                    <a:lnB w="12700" cap="flat" cmpd="sng" algn="ctr">
+                      <a:solidFill>
+                        <a:srgbClr val="000000"/>
+                      </a:solidFill>
+                      <a:prstDash val="solid"/>
+                      <a:round/>
+                      <a:headEnd type="none" w="med" len="med"/>
+                      <a:tailEnd type="none" w="med" len="med"/>
+                    </a:lnB>
+                  </a:tcPr>
+                </a:tc>
+                <a:tc>
+                  <a:txBody>
+                    <a:bodyPr/>
+                    <a:lstStyle/>
+                    <a:p>
+                      <a:pPr algn="l">
+                        <a:spcAft>
+                          <a:spcPts val="0"/>
+                        </a:spcAft>
+                      </a:pPr>
+                      <a:r>
+                        <a:rPr lang="en-US" sz="1200" kern="100">
+                          <a:effectLst/>
+                          <a:latin typeface="宋体" panose="02010600030101010101" pitchFamily="2" charset="-122"/>
+                          <a:ea typeface="宋体" panose="02010600030101010101" pitchFamily="2" charset="-122"/>
+                          <a:cs typeface="Times New Roman" panose="02020603050405020304" pitchFamily="18" charset="0"/>
+                        </a:rPr>
+                        <a:t>2018</a:t>
+                      </a:r>
+                      <a:r>
+                        <a:rPr lang="zh-CN" sz="1200" kern="100">
+                          <a:effectLst/>
+                          <a:latin typeface="Calibri" panose="020F0502020204030204" pitchFamily="34" charset="0"/>
+                          <a:ea typeface="宋体" panose="02010600030101010101" pitchFamily="2" charset="-122"/>
+                          <a:cs typeface="Times New Roman" panose="02020603050405020304" pitchFamily="18" charset="0"/>
+                        </a:rPr>
+                        <a:t>年</a:t>
+                      </a:r>
+                      <a:r>
+                        <a:rPr lang="en-US" sz="1200" kern="100">
+                          <a:effectLst/>
+                          <a:latin typeface="Calibri" panose="020F0502020204030204" pitchFamily="34" charset="0"/>
+                          <a:ea typeface="宋体" panose="02010600030101010101" pitchFamily="2" charset="-122"/>
+                          <a:cs typeface="Times New Roman" panose="02020603050405020304" pitchFamily="18" charset="0"/>
+                        </a:rPr>
+                        <a:t>10</a:t>
+                      </a:r>
+                      <a:r>
+                        <a:rPr lang="zh-CN" sz="1200" kern="100">
+                          <a:effectLst/>
+                          <a:latin typeface="Calibri" panose="020F0502020204030204" pitchFamily="34" charset="0"/>
+                          <a:ea typeface="宋体" panose="02010600030101010101" pitchFamily="2" charset="-122"/>
+                          <a:cs typeface="Times New Roman" panose="02020603050405020304" pitchFamily="18" charset="0"/>
+                        </a:rPr>
+                        <a:t>月</a:t>
+                      </a:r>
+                      <a:r>
+                        <a:rPr lang="en-US" sz="1200" kern="100">
+                          <a:effectLst/>
+                          <a:latin typeface="Calibri" panose="020F0502020204030204" pitchFamily="34" charset="0"/>
+                          <a:ea typeface="宋体" panose="02010600030101010101" pitchFamily="2" charset="-122"/>
+                          <a:cs typeface="Times New Roman" panose="02020603050405020304" pitchFamily="18" charset="0"/>
+                        </a:rPr>
+                        <a:t>21</a:t>
+                      </a:r>
+                      <a:r>
+                        <a:rPr lang="zh-CN" sz="1200" kern="100">
+                          <a:effectLst/>
+                          <a:latin typeface="Calibri" panose="020F0502020204030204" pitchFamily="34" charset="0"/>
+                          <a:ea typeface="宋体" panose="02010600030101010101" pitchFamily="2" charset="-122"/>
+                          <a:cs typeface="Times New Roman" panose="02020603050405020304" pitchFamily="18" charset="0"/>
+                        </a:rPr>
+                        <a:t>日</a:t>
+                      </a:r>
+                      <a:endParaRPr lang="zh-CN" sz="1050" kern="100">
+                        <a:effectLst/>
+                        <a:latin typeface="Calibri" panose="020F0502020204030204" pitchFamily="34" charset="0"/>
+                        <a:ea typeface="宋体" panose="02010600030101010101" pitchFamily="2" charset="-122"/>
+                        <a:cs typeface="Times New Roman" panose="02020603050405020304" pitchFamily="18" charset="0"/>
+                      </a:endParaRPr>
+                    </a:p>
+                  </a:txBody>
+                  <a:tcPr marL="68580" marR="68580" marT="0" marB="0">
+                    <a:lnL w="12700" cap="flat" cmpd="sng" algn="ctr">
+                      <a:solidFill>
+                        <a:srgbClr val="000000"/>
+                      </a:solidFill>
+                      <a:prstDash val="solid"/>
+                      <a:round/>
+                      <a:headEnd type="none" w="med" len="med"/>
+                      <a:tailEnd type="none" w="med" len="med"/>
+                    </a:lnL>
+                    <a:lnR w="12700" cap="flat" cmpd="sng" algn="ctr">
+                      <a:solidFill>
+                        <a:srgbClr val="000000"/>
+                      </a:solidFill>
+                      <a:prstDash val="solid"/>
+                      <a:round/>
+                      <a:headEnd type="none" w="med" len="med"/>
+                      <a:tailEnd type="none" w="med" len="med"/>
+                    </a:lnR>
+                    <a:lnT w="12700" cap="flat" cmpd="sng" algn="ctr">
+                      <a:solidFill>
+                        <a:srgbClr val="000000"/>
+                      </a:solidFill>
+                      <a:prstDash val="solid"/>
+                      <a:round/>
+                      <a:headEnd type="none" w="med" len="med"/>
+                      <a:tailEnd type="none" w="med" len="med"/>
+                    </a:lnT>
+                    <a:lnB w="12700" cap="flat" cmpd="sng" algn="ctr">
+                      <a:solidFill>
+                        <a:srgbClr val="000000"/>
+                      </a:solidFill>
+                      <a:prstDash val="solid"/>
+                      <a:round/>
+                      <a:headEnd type="none" w="med" len="med"/>
+                      <a:tailEnd type="none" w="med" len="med"/>
+                    </a:lnB>
+                  </a:tcPr>
+                </a:tc>
+                <a:tc>
+                  <a:txBody>
+                    <a:bodyPr/>
+                    <a:lstStyle/>
+                    <a:p>
+                      <a:pPr algn="l">
+                        <a:spcAft>
+                          <a:spcPts val="0"/>
+                        </a:spcAft>
+                      </a:pPr>
+                      <a:r>
+                        <a:rPr lang="zh-CN" sz="1200" kern="100">
+                          <a:effectLst/>
+                          <a:latin typeface="Calibri" panose="020F0502020204030204" pitchFamily="34" charset="0"/>
+                          <a:ea typeface="宋体" panose="02010600030101010101" pitchFamily="2" charset="-122"/>
+                          <a:cs typeface="Times New Roman" panose="02020603050405020304" pitchFamily="18" charset="0"/>
+                        </a:rPr>
+                        <a:t>需求工程计划的修改</a:t>
+                      </a:r>
+                      <a:endParaRPr lang="zh-CN" sz="1050" kern="100">
+                        <a:effectLst/>
+                        <a:latin typeface="Calibri" panose="020F0502020204030204" pitchFamily="34" charset="0"/>
+                        <a:ea typeface="宋体" panose="02010600030101010101" pitchFamily="2" charset="-122"/>
+                        <a:cs typeface="Times New Roman" panose="02020603050405020304" pitchFamily="18" charset="0"/>
+                      </a:endParaRPr>
+                    </a:p>
+                  </a:txBody>
+                  <a:tcPr marL="68580" marR="68580" marT="0" marB="0">
+                    <a:lnL w="12700" cap="flat" cmpd="sng" algn="ctr">
+                      <a:solidFill>
+                        <a:srgbClr val="000000"/>
+                      </a:solidFill>
+                      <a:prstDash val="solid"/>
+                      <a:round/>
+                      <a:headEnd type="none" w="med" len="med"/>
+                      <a:tailEnd type="none" w="med" len="med"/>
+                    </a:lnL>
+                    <a:lnR w="12700" cap="flat" cmpd="sng" algn="ctr">
+                      <a:solidFill>
+                        <a:srgbClr val="000000"/>
+                      </a:solidFill>
+                      <a:prstDash val="solid"/>
+                      <a:round/>
+                      <a:headEnd type="none" w="med" len="med"/>
+                      <a:tailEnd type="none" w="med" len="med"/>
+                    </a:lnR>
+                    <a:lnT w="12700" cap="flat" cmpd="sng" algn="ctr">
+                      <a:solidFill>
+                        <a:srgbClr val="000000"/>
+                      </a:solidFill>
+                      <a:prstDash val="solid"/>
+                      <a:round/>
+                      <a:headEnd type="none" w="med" len="med"/>
+                      <a:tailEnd type="none" w="med" len="med"/>
+                    </a:lnT>
+                    <a:lnB w="12700" cap="flat" cmpd="sng" algn="ctr">
+                      <a:solidFill>
+                        <a:srgbClr val="000000"/>
+                      </a:solidFill>
+                      <a:prstDash val="solid"/>
+                      <a:round/>
+                      <a:headEnd type="none" w="med" len="med"/>
+                      <a:tailEnd type="none" w="med" len="med"/>
+                    </a:lnB>
+                  </a:tcPr>
+                </a:tc>
+                <a:tc>
+                  <a:txBody>
+                    <a:bodyPr/>
+                    <a:lstStyle/>
+                    <a:p>
+                      <a:pPr algn="l">
+                        <a:spcAft>
+                          <a:spcPts val="0"/>
+                        </a:spcAft>
+                      </a:pPr>
+                      <a:r>
+                        <a:rPr lang="en-US" sz="1200" kern="100">
+                          <a:effectLst/>
+                          <a:latin typeface="宋体" panose="02010600030101010101" pitchFamily="2" charset="-122"/>
+                          <a:ea typeface="宋体" panose="02010600030101010101" pitchFamily="2" charset="-122"/>
+                          <a:cs typeface="Times New Roman" panose="02020603050405020304" pitchFamily="18" charset="0"/>
+                        </a:rPr>
+                        <a:t>G18</a:t>
+                      </a:r>
+                      <a:endParaRPr lang="zh-CN" sz="1050" kern="100">
+                        <a:effectLst/>
+                        <a:latin typeface="Calibri" panose="020F0502020204030204" pitchFamily="34" charset="0"/>
+                        <a:ea typeface="宋体" panose="02010600030101010101" pitchFamily="2" charset="-122"/>
+                        <a:cs typeface="Times New Roman" panose="02020603050405020304" pitchFamily="18" charset="0"/>
+                      </a:endParaRPr>
+                    </a:p>
+                  </a:txBody>
+                  <a:tcPr marL="68580" marR="68580" marT="0" marB="0">
+                    <a:lnL w="12700" cap="flat" cmpd="sng" algn="ctr">
+                      <a:solidFill>
+                        <a:srgbClr val="000000"/>
+                      </a:solidFill>
+                      <a:prstDash val="solid"/>
+                      <a:round/>
+                      <a:headEnd type="none" w="med" len="med"/>
+                      <a:tailEnd type="none" w="med" len="med"/>
+                    </a:lnL>
+                    <a:lnR w="12700" cap="flat" cmpd="sng" algn="ctr">
+                      <a:solidFill>
+                        <a:srgbClr val="000000"/>
+                      </a:solidFill>
+                      <a:prstDash val="solid"/>
+                      <a:round/>
+                      <a:headEnd type="none" w="med" len="med"/>
+                      <a:tailEnd type="none" w="med" len="med"/>
+                    </a:lnR>
+                    <a:lnT w="12700" cap="flat" cmpd="sng" algn="ctr">
+                      <a:solidFill>
+                        <a:srgbClr val="000000"/>
+                      </a:solidFill>
+                      <a:prstDash val="solid"/>
+                      <a:round/>
+                      <a:headEnd type="none" w="med" len="med"/>
+                      <a:tailEnd type="none" w="med" len="med"/>
+                    </a:lnT>
+                    <a:lnB w="12700" cap="flat" cmpd="sng" algn="ctr">
+                      <a:solidFill>
+                        <a:srgbClr val="000000"/>
+                      </a:solidFill>
+                      <a:prstDash val="solid"/>
+                      <a:round/>
+                      <a:headEnd type="none" w="med" len="med"/>
+                      <a:tailEnd type="none" w="med" len="med"/>
+                    </a:lnB>
+                  </a:tcPr>
+                </a:tc>
+                <a:extLst>
+                  <a:ext uri="{0D108BD9-81ED-4DB2-BD59-A6C34878D82A}">
+                    <a16:rowId xmlns:a16="http://schemas.microsoft.com/office/drawing/2014/main" val="25825016"/>
+                  </a:ext>
+                </a:extLst>
+              </a:tr>
+              <a:tr h="420209">
+                <a:tc>
+                  <a:txBody>
+                    <a:bodyPr/>
+                    <a:lstStyle/>
+                    <a:p>
+                      <a:pPr algn="l">
+                        <a:spcAft>
+                          <a:spcPts val="0"/>
+                        </a:spcAft>
+                      </a:pPr>
+                      <a:r>
+                        <a:rPr lang="en-US" sz="1200" kern="100">
+                          <a:effectLst/>
+                          <a:latin typeface="宋体" panose="02010600030101010101" pitchFamily="2" charset="-122"/>
+                          <a:ea typeface="宋体" panose="02010600030101010101" pitchFamily="2" charset="-122"/>
+                          <a:cs typeface="Times New Roman" panose="02020603050405020304" pitchFamily="18" charset="0"/>
+                        </a:rPr>
+                        <a:t>V0.4</a:t>
+                      </a:r>
+                      <a:endParaRPr lang="zh-CN" sz="1050" kern="100">
+                        <a:effectLst/>
+                        <a:latin typeface="Calibri" panose="020F0502020204030204" pitchFamily="34" charset="0"/>
+                        <a:ea typeface="宋体" panose="02010600030101010101" pitchFamily="2" charset="-122"/>
+                        <a:cs typeface="Times New Roman" panose="02020603050405020304" pitchFamily="18" charset="0"/>
+                      </a:endParaRPr>
+                    </a:p>
+                  </a:txBody>
+                  <a:tcPr marL="68580" marR="68580" marT="0" marB="0">
+                    <a:lnL w="12700" cap="flat" cmpd="sng" algn="ctr">
+                      <a:solidFill>
+                        <a:srgbClr val="000000"/>
+                      </a:solidFill>
+                      <a:prstDash val="solid"/>
+                      <a:round/>
+                      <a:headEnd type="none" w="med" len="med"/>
+                      <a:tailEnd type="none" w="med" len="med"/>
+                    </a:lnL>
+                    <a:lnR w="12700" cap="flat" cmpd="sng" algn="ctr">
+                      <a:solidFill>
+                        <a:srgbClr val="000000"/>
+                      </a:solidFill>
+                      <a:prstDash val="solid"/>
+                      <a:round/>
+                      <a:headEnd type="none" w="med" len="med"/>
+                      <a:tailEnd type="none" w="med" len="med"/>
+                    </a:lnR>
+                    <a:lnT w="12700" cap="flat" cmpd="sng" algn="ctr">
+                      <a:solidFill>
+                        <a:srgbClr val="000000"/>
+                      </a:solidFill>
+                      <a:prstDash val="solid"/>
+                      <a:round/>
+                      <a:headEnd type="none" w="med" len="med"/>
+                      <a:tailEnd type="none" w="med" len="med"/>
+                    </a:lnT>
+                    <a:lnB w="12700" cap="flat" cmpd="sng" algn="ctr">
+                      <a:solidFill>
+                        <a:srgbClr val="000000"/>
+                      </a:solidFill>
+                      <a:prstDash val="solid"/>
+                      <a:round/>
+                      <a:headEnd type="none" w="med" len="med"/>
+                      <a:tailEnd type="none" w="med" len="med"/>
+                    </a:lnB>
+                  </a:tcPr>
+                </a:tc>
+                <a:tc>
+                  <a:txBody>
+                    <a:bodyPr/>
+                    <a:lstStyle/>
+                    <a:p>
+                      <a:pPr algn="l">
+                        <a:spcAft>
+                          <a:spcPts val="0"/>
+                        </a:spcAft>
+                      </a:pPr>
+                      <a:r>
+                        <a:rPr lang="zh-CN" sz="1200" kern="100">
+                          <a:effectLst/>
+                          <a:latin typeface="Calibri" panose="020F0502020204030204" pitchFamily="34" charset="0"/>
+                          <a:ea typeface="宋体" panose="02010600030101010101" pitchFamily="2" charset="-122"/>
+                          <a:cs typeface="Times New Roman" panose="02020603050405020304" pitchFamily="18" charset="0"/>
+                        </a:rPr>
+                        <a:t>陈妍蓝</a:t>
+                      </a:r>
+                      <a:endParaRPr lang="zh-CN" sz="1050" kern="100">
+                        <a:effectLst/>
+                        <a:latin typeface="Calibri" panose="020F0502020204030204" pitchFamily="34" charset="0"/>
+                        <a:ea typeface="宋体" panose="02010600030101010101" pitchFamily="2" charset="-122"/>
+                        <a:cs typeface="Times New Roman" panose="02020603050405020304" pitchFamily="18" charset="0"/>
+                      </a:endParaRPr>
+                    </a:p>
+                  </a:txBody>
+                  <a:tcPr marL="68580" marR="68580" marT="0" marB="0">
+                    <a:lnL w="12700" cap="flat" cmpd="sng" algn="ctr">
+                      <a:solidFill>
+                        <a:srgbClr val="000000"/>
+                      </a:solidFill>
+                      <a:prstDash val="solid"/>
+                      <a:round/>
+                      <a:headEnd type="none" w="med" len="med"/>
+                      <a:tailEnd type="none" w="med" len="med"/>
+                    </a:lnL>
+                    <a:lnR w="12700" cap="flat" cmpd="sng" algn="ctr">
+                      <a:solidFill>
+                        <a:srgbClr val="000000"/>
+                      </a:solidFill>
+                      <a:prstDash val="solid"/>
+                      <a:round/>
+                      <a:headEnd type="none" w="med" len="med"/>
+                      <a:tailEnd type="none" w="med" len="med"/>
+                    </a:lnR>
+                    <a:lnT w="12700" cap="flat" cmpd="sng" algn="ctr">
+                      <a:solidFill>
+                        <a:srgbClr val="000000"/>
+                      </a:solidFill>
+                      <a:prstDash val="solid"/>
+                      <a:round/>
+                      <a:headEnd type="none" w="med" len="med"/>
+                      <a:tailEnd type="none" w="med" len="med"/>
+                    </a:lnT>
+                    <a:lnB w="12700" cap="flat" cmpd="sng" algn="ctr">
+                      <a:solidFill>
+                        <a:srgbClr val="000000"/>
+                      </a:solidFill>
+                      <a:prstDash val="solid"/>
+                      <a:round/>
+                      <a:headEnd type="none" w="med" len="med"/>
+                      <a:tailEnd type="none" w="med" len="med"/>
+                    </a:lnB>
+                  </a:tcPr>
+                </a:tc>
+                <a:tc>
+                  <a:txBody>
+                    <a:bodyPr/>
+                    <a:lstStyle/>
+                    <a:p>
+                      <a:pPr algn="l">
+                        <a:spcAft>
+                          <a:spcPts val="0"/>
+                        </a:spcAft>
+                      </a:pPr>
+                      <a:r>
+                        <a:rPr lang="en-US" sz="1200" kern="100">
+                          <a:effectLst/>
+                          <a:latin typeface="宋体" panose="02010600030101010101" pitchFamily="2" charset="-122"/>
+                          <a:ea typeface="宋体" panose="02010600030101010101" pitchFamily="2" charset="-122"/>
+                          <a:cs typeface="Times New Roman" panose="02020603050405020304" pitchFamily="18" charset="0"/>
+                        </a:rPr>
+                        <a:t>2018</a:t>
+                      </a:r>
+                      <a:r>
+                        <a:rPr lang="zh-CN" sz="1200" kern="100">
+                          <a:effectLst/>
+                          <a:latin typeface="Calibri" panose="020F0502020204030204" pitchFamily="34" charset="0"/>
+                          <a:ea typeface="宋体" panose="02010600030101010101" pitchFamily="2" charset="-122"/>
+                          <a:cs typeface="Times New Roman" panose="02020603050405020304" pitchFamily="18" charset="0"/>
+                        </a:rPr>
+                        <a:t>年</a:t>
+                      </a:r>
+                      <a:r>
+                        <a:rPr lang="en-US" sz="1200" kern="100">
+                          <a:effectLst/>
+                          <a:latin typeface="Calibri" panose="020F0502020204030204" pitchFamily="34" charset="0"/>
+                          <a:ea typeface="宋体" panose="02010600030101010101" pitchFamily="2" charset="-122"/>
+                          <a:cs typeface="Times New Roman" panose="02020603050405020304" pitchFamily="18" charset="0"/>
+                        </a:rPr>
+                        <a:t>10</a:t>
+                      </a:r>
+                      <a:r>
+                        <a:rPr lang="zh-CN" sz="1200" kern="100">
+                          <a:effectLst/>
+                          <a:latin typeface="Calibri" panose="020F0502020204030204" pitchFamily="34" charset="0"/>
+                          <a:ea typeface="宋体" panose="02010600030101010101" pitchFamily="2" charset="-122"/>
+                          <a:cs typeface="Times New Roman" panose="02020603050405020304" pitchFamily="18" charset="0"/>
+                        </a:rPr>
+                        <a:t>月</a:t>
+                      </a:r>
+                      <a:r>
+                        <a:rPr lang="en-US" sz="1200" kern="100">
+                          <a:effectLst/>
+                          <a:latin typeface="Calibri" panose="020F0502020204030204" pitchFamily="34" charset="0"/>
+                          <a:ea typeface="宋体" panose="02010600030101010101" pitchFamily="2" charset="-122"/>
+                          <a:cs typeface="Times New Roman" panose="02020603050405020304" pitchFamily="18" charset="0"/>
+                        </a:rPr>
+                        <a:t>28</a:t>
+                      </a:r>
+                      <a:r>
+                        <a:rPr lang="zh-CN" sz="1200" kern="100">
+                          <a:effectLst/>
+                          <a:latin typeface="Calibri" panose="020F0502020204030204" pitchFamily="34" charset="0"/>
+                          <a:ea typeface="宋体" panose="02010600030101010101" pitchFamily="2" charset="-122"/>
+                          <a:cs typeface="Times New Roman" panose="02020603050405020304" pitchFamily="18" charset="0"/>
+                        </a:rPr>
+                        <a:t>日</a:t>
+                      </a:r>
+                      <a:endParaRPr lang="zh-CN" sz="1050" kern="100">
+                        <a:effectLst/>
+                        <a:latin typeface="Calibri" panose="020F0502020204030204" pitchFamily="34" charset="0"/>
+                        <a:ea typeface="宋体" panose="02010600030101010101" pitchFamily="2" charset="-122"/>
+                        <a:cs typeface="Times New Roman" panose="02020603050405020304" pitchFamily="18" charset="0"/>
+                      </a:endParaRPr>
+                    </a:p>
+                  </a:txBody>
+                  <a:tcPr marL="68580" marR="68580" marT="0" marB="0">
+                    <a:lnL w="12700" cap="flat" cmpd="sng" algn="ctr">
+                      <a:solidFill>
+                        <a:srgbClr val="000000"/>
+                      </a:solidFill>
+                      <a:prstDash val="solid"/>
+                      <a:round/>
+                      <a:headEnd type="none" w="med" len="med"/>
+                      <a:tailEnd type="none" w="med" len="med"/>
+                    </a:lnL>
+                    <a:lnR w="12700" cap="flat" cmpd="sng" algn="ctr">
+                      <a:solidFill>
+                        <a:srgbClr val="000000"/>
+                      </a:solidFill>
+                      <a:prstDash val="solid"/>
+                      <a:round/>
+                      <a:headEnd type="none" w="med" len="med"/>
+                      <a:tailEnd type="none" w="med" len="med"/>
+                    </a:lnR>
+                    <a:lnT w="12700" cap="flat" cmpd="sng" algn="ctr">
+                      <a:solidFill>
+                        <a:srgbClr val="000000"/>
+                      </a:solidFill>
+                      <a:prstDash val="solid"/>
+                      <a:round/>
+                      <a:headEnd type="none" w="med" len="med"/>
+                      <a:tailEnd type="none" w="med" len="med"/>
+                    </a:lnT>
+                    <a:lnB w="12700" cap="flat" cmpd="sng" algn="ctr">
+                      <a:solidFill>
+                        <a:srgbClr val="000000"/>
+                      </a:solidFill>
+                      <a:prstDash val="solid"/>
+                      <a:round/>
+                      <a:headEnd type="none" w="med" len="med"/>
+                      <a:tailEnd type="none" w="med" len="med"/>
+                    </a:lnB>
+                  </a:tcPr>
+                </a:tc>
+                <a:tc>
+                  <a:txBody>
+                    <a:bodyPr/>
+                    <a:lstStyle/>
+                    <a:p>
+                      <a:pPr algn="l">
+                        <a:spcAft>
+                          <a:spcPts val="0"/>
+                        </a:spcAft>
+                      </a:pPr>
+                      <a:r>
+                        <a:rPr lang="en-US" sz="1200" kern="100">
+                          <a:effectLst/>
+                          <a:latin typeface="宋体" panose="02010600030101010101" pitchFamily="2" charset="-122"/>
+                          <a:ea typeface="宋体" panose="02010600030101010101" pitchFamily="2" charset="-122"/>
+                          <a:cs typeface="Times New Roman" panose="02020603050405020304" pitchFamily="18" charset="0"/>
+                        </a:rPr>
+                        <a:t>Wbs,obs </a:t>
+                      </a:r>
+                      <a:r>
+                        <a:rPr lang="zh-CN" sz="1200" kern="100">
+                          <a:effectLst/>
+                          <a:latin typeface="Calibri" panose="020F0502020204030204" pitchFamily="34" charset="0"/>
+                          <a:ea typeface="宋体" panose="02010600030101010101" pitchFamily="2" charset="-122"/>
+                          <a:cs typeface="Times New Roman" panose="02020603050405020304" pitchFamily="18" charset="0"/>
+                        </a:rPr>
+                        <a:t>图，甘特图的修改</a:t>
+                      </a:r>
+                      <a:endParaRPr lang="zh-CN" sz="1050" kern="100">
+                        <a:effectLst/>
+                        <a:latin typeface="Calibri" panose="020F0502020204030204" pitchFamily="34" charset="0"/>
+                        <a:ea typeface="宋体" panose="02010600030101010101" pitchFamily="2" charset="-122"/>
+                        <a:cs typeface="Times New Roman" panose="02020603050405020304" pitchFamily="18" charset="0"/>
+                      </a:endParaRPr>
+                    </a:p>
+                  </a:txBody>
+                  <a:tcPr marL="68580" marR="68580" marT="0" marB="0">
+                    <a:lnL w="12700" cap="flat" cmpd="sng" algn="ctr">
+                      <a:solidFill>
+                        <a:srgbClr val="000000"/>
+                      </a:solidFill>
+                      <a:prstDash val="solid"/>
+                      <a:round/>
+                      <a:headEnd type="none" w="med" len="med"/>
+                      <a:tailEnd type="none" w="med" len="med"/>
+                    </a:lnL>
+                    <a:lnR w="12700" cap="flat" cmpd="sng" algn="ctr">
+                      <a:solidFill>
+                        <a:srgbClr val="000000"/>
+                      </a:solidFill>
+                      <a:prstDash val="solid"/>
+                      <a:round/>
+                      <a:headEnd type="none" w="med" len="med"/>
+                      <a:tailEnd type="none" w="med" len="med"/>
+                    </a:lnR>
+                    <a:lnT w="12700" cap="flat" cmpd="sng" algn="ctr">
+                      <a:solidFill>
+                        <a:srgbClr val="000000"/>
+                      </a:solidFill>
+                      <a:prstDash val="solid"/>
+                      <a:round/>
+                      <a:headEnd type="none" w="med" len="med"/>
+                      <a:tailEnd type="none" w="med" len="med"/>
+                    </a:lnT>
+                    <a:lnB w="12700" cap="flat" cmpd="sng" algn="ctr">
+                      <a:solidFill>
+                        <a:srgbClr val="000000"/>
+                      </a:solidFill>
+                      <a:prstDash val="solid"/>
+                      <a:round/>
+                      <a:headEnd type="none" w="med" len="med"/>
+                      <a:tailEnd type="none" w="med" len="med"/>
+                    </a:lnB>
+                  </a:tcPr>
+                </a:tc>
+                <a:tc>
+                  <a:txBody>
+                    <a:bodyPr/>
+                    <a:lstStyle/>
+                    <a:p>
+                      <a:pPr algn="l">
+                        <a:spcAft>
+                          <a:spcPts val="0"/>
+                        </a:spcAft>
+                      </a:pPr>
+                      <a:r>
+                        <a:rPr lang="en-US" sz="1200" kern="100">
+                          <a:effectLst/>
+                          <a:latin typeface="宋体" panose="02010600030101010101" pitchFamily="2" charset="-122"/>
+                          <a:ea typeface="宋体" panose="02010600030101010101" pitchFamily="2" charset="-122"/>
+                          <a:cs typeface="Times New Roman" panose="02020603050405020304" pitchFamily="18" charset="0"/>
+                        </a:rPr>
+                        <a:t>G18</a:t>
+                      </a:r>
+                      <a:endParaRPr lang="zh-CN" sz="1050" kern="100">
+                        <a:effectLst/>
+                        <a:latin typeface="Calibri" panose="020F0502020204030204" pitchFamily="34" charset="0"/>
+                        <a:ea typeface="宋体" panose="02010600030101010101" pitchFamily="2" charset="-122"/>
+                        <a:cs typeface="Times New Roman" panose="02020603050405020304" pitchFamily="18" charset="0"/>
+                      </a:endParaRPr>
+                    </a:p>
+                  </a:txBody>
+                  <a:tcPr marL="68580" marR="68580" marT="0" marB="0">
+                    <a:lnL w="12700" cap="flat" cmpd="sng" algn="ctr">
+                      <a:solidFill>
+                        <a:srgbClr val="000000"/>
+                      </a:solidFill>
+                      <a:prstDash val="solid"/>
+                      <a:round/>
+                      <a:headEnd type="none" w="med" len="med"/>
+                      <a:tailEnd type="none" w="med" len="med"/>
+                    </a:lnL>
+                    <a:lnR w="12700" cap="flat" cmpd="sng" algn="ctr">
+                      <a:solidFill>
+                        <a:srgbClr val="000000"/>
+                      </a:solidFill>
+                      <a:prstDash val="solid"/>
+                      <a:round/>
+                      <a:headEnd type="none" w="med" len="med"/>
+                      <a:tailEnd type="none" w="med" len="med"/>
+                    </a:lnR>
+                    <a:lnT w="12700" cap="flat" cmpd="sng" algn="ctr">
+                      <a:solidFill>
+                        <a:srgbClr val="000000"/>
+                      </a:solidFill>
+                      <a:prstDash val="solid"/>
+                      <a:round/>
+                      <a:headEnd type="none" w="med" len="med"/>
+                      <a:tailEnd type="none" w="med" len="med"/>
+                    </a:lnT>
+                    <a:lnB w="12700" cap="flat" cmpd="sng" algn="ctr">
+                      <a:solidFill>
+                        <a:srgbClr val="000000"/>
+                      </a:solidFill>
+                      <a:prstDash val="solid"/>
+                      <a:round/>
+                      <a:headEnd type="none" w="med" len="med"/>
+                      <a:tailEnd type="none" w="med" len="med"/>
+                    </a:lnB>
+                  </a:tcPr>
+                </a:tc>
+                <a:extLst>
+                  <a:ext uri="{0D108BD9-81ED-4DB2-BD59-A6C34878D82A}">
+                    <a16:rowId xmlns:a16="http://schemas.microsoft.com/office/drawing/2014/main" val="1542613679"/>
+                  </a:ext>
+                </a:extLst>
+              </a:tr>
+              <a:tr h="420209">
+                <a:tc>
+                  <a:txBody>
+                    <a:bodyPr/>
+                    <a:lstStyle/>
+                    <a:p>
+                      <a:pPr algn="l">
+                        <a:spcAft>
+                          <a:spcPts val="0"/>
+                        </a:spcAft>
+                      </a:pPr>
+                      <a:r>
+                        <a:rPr lang="en-US" sz="1200" kern="100">
+                          <a:effectLst/>
+                          <a:latin typeface="宋体" panose="02010600030101010101" pitchFamily="2" charset="-122"/>
+                          <a:ea typeface="宋体" panose="02010600030101010101" pitchFamily="2" charset="-122"/>
+                          <a:cs typeface="Times New Roman" panose="02020603050405020304" pitchFamily="18" charset="0"/>
+                        </a:rPr>
+                        <a:t>V0.5</a:t>
+                      </a:r>
+                      <a:endParaRPr lang="zh-CN" sz="1050" kern="100">
+                        <a:effectLst/>
+                        <a:latin typeface="Calibri" panose="020F0502020204030204" pitchFamily="34" charset="0"/>
+                        <a:ea typeface="宋体" panose="02010600030101010101" pitchFamily="2" charset="-122"/>
+                        <a:cs typeface="Times New Roman" panose="02020603050405020304" pitchFamily="18" charset="0"/>
+                      </a:endParaRPr>
+                    </a:p>
+                  </a:txBody>
+                  <a:tcPr marL="68580" marR="68580" marT="0" marB="0">
+                    <a:lnL w="12700" cap="flat" cmpd="sng" algn="ctr">
+                      <a:solidFill>
+                        <a:srgbClr val="000000"/>
+                      </a:solidFill>
+                      <a:prstDash val="solid"/>
+                      <a:round/>
+                      <a:headEnd type="none" w="med" len="med"/>
+                      <a:tailEnd type="none" w="med" len="med"/>
+                    </a:lnL>
+                    <a:lnR w="12700" cap="flat" cmpd="sng" algn="ctr">
+                      <a:solidFill>
+                        <a:srgbClr val="000000"/>
+                      </a:solidFill>
+                      <a:prstDash val="solid"/>
+                      <a:round/>
+                      <a:headEnd type="none" w="med" len="med"/>
+                      <a:tailEnd type="none" w="med" len="med"/>
+                    </a:lnR>
+                    <a:lnT w="12700" cap="flat" cmpd="sng" algn="ctr">
+                      <a:solidFill>
+                        <a:srgbClr val="000000"/>
+                      </a:solidFill>
+                      <a:prstDash val="solid"/>
+                      <a:round/>
+                      <a:headEnd type="none" w="med" len="med"/>
+                      <a:tailEnd type="none" w="med" len="med"/>
+                    </a:lnT>
+                    <a:lnB w="12700" cap="flat" cmpd="sng" algn="ctr">
+                      <a:solidFill>
+                        <a:srgbClr val="000000"/>
+                      </a:solidFill>
+                      <a:prstDash val="solid"/>
+                      <a:round/>
+                      <a:headEnd type="none" w="med" len="med"/>
+                      <a:tailEnd type="none" w="med" len="med"/>
+                    </a:lnB>
+                  </a:tcPr>
+                </a:tc>
+                <a:tc>
+                  <a:txBody>
+                    <a:bodyPr/>
+                    <a:lstStyle/>
+                    <a:p>
+                      <a:pPr algn="l">
+                        <a:spcAft>
+                          <a:spcPts val="0"/>
+                        </a:spcAft>
+                      </a:pPr>
+                      <a:r>
+                        <a:rPr lang="zh-CN" sz="1200" kern="100">
+                          <a:effectLst/>
+                          <a:latin typeface="Calibri" panose="020F0502020204030204" pitchFamily="34" charset="0"/>
+                          <a:ea typeface="宋体" panose="02010600030101010101" pitchFamily="2" charset="-122"/>
+                          <a:cs typeface="Times New Roman" panose="02020603050405020304" pitchFamily="18" charset="0"/>
+                        </a:rPr>
+                        <a:t>陈妍蓝</a:t>
+                      </a:r>
+                      <a:endParaRPr lang="zh-CN" sz="1050" kern="100">
+                        <a:effectLst/>
+                        <a:latin typeface="Calibri" panose="020F0502020204030204" pitchFamily="34" charset="0"/>
+                        <a:ea typeface="宋体" panose="02010600030101010101" pitchFamily="2" charset="-122"/>
+                        <a:cs typeface="Times New Roman" panose="02020603050405020304" pitchFamily="18" charset="0"/>
+                      </a:endParaRPr>
+                    </a:p>
+                  </a:txBody>
+                  <a:tcPr marL="68580" marR="68580" marT="0" marB="0">
+                    <a:lnL w="12700" cap="flat" cmpd="sng" algn="ctr">
+                      <a:solidFill>
+                        <a:srgbClr val="000000"/>
+                      </a:solidFill>
+                      <a:prstDash val="solid"/>
+                      <a:round/>
+                      <a:headEnd type="none" w="med" len="med"/>
+                      <a:tailEnd type="none" w="med" len="med"/>
+                    </a:lnL>
+                    <a:lnR w="12700" cap="flat" cmpd="sng" algn="ctr">
+                      <a:solidFill>
+                        <a:srgbClr val="000000"/>
+                      </a:solidFill>
+                      <a:prstDash val="solid"/>
+                      <a:round/>
+                      <a:headEnd type="none" w="med" len="med"/>
+                      <a:tailEnd type="none" w="med" len="med"/>
+                    </a:lnR>
+                    <a:lnT w="12700" cap="flat" cmpd="sng" algn="ctr">
+                      <a:solidFill>
+                        <a:srgbClr val="000000"/>
+                      </a:solidFill>
+                      <a:prstDash val="solid"/>
+                      <a:round/>
+                      <a:headEnd type="none" w="med" len="med"/>
+                      <a:tailEnd type="none" w="med" len="med"/>
+                    </a:lnT>
+                    <a:lnB w="12700" cap="flat" cmpd="sng" algn="ctr">
+                      <a:solidFill>
+                        <a:srgbClr val="000000"/>
+                      </a:solidFill>
+                      <a:prstDash val="solid"/>
+                      <a:round/>
+                      <a:headEnd type="none" w="med" len="med"/>
+                      <a:tailEnd type="none" w="med" len="med"/>
+                    </a:lnB>
+                  </a:tcPr>
+                </a:tc>
+                <a:tc>
+                  <a:txBody>
+                    <a:bodyPr/>
+                    <a:lstStyle/>
+                    <a:p>
+                      <a:pPr algn="l">
+                        <a:spcAft>
+                          <a:spcPts val="0"/>
+                        </a:spcAft>
+                      </a:pPr>
+                      <a:r>
+                        <a:rPr lang="en-US" sz="1200" kern="100">
+                          <a:effectLst/>
+                          <a:latin typeface="宋体" panose="02010600030101010101" pitchFamily="2" charset="-122"/>
+                          <a:ea typeface="宋体" panose="02010600030101010101" pitchFamily="2" charset="-122"/>
+                          <a:cs typeface="Times New Roman" panose="02020603050405020304" pitchFamily="18" charset="0"/>
+                        </a:rPr>
+                        <a:t>2018</a:t>
+                      </a:r>
+                      <a:r>
+                        <a:rPr lang="zh-CN" sz="1200" kern="100">
+                          <a:effectLst/>
+                          <a:latin typeface="Calibri" panose="020F0502020204030204" pitchFamily="34" charset="0"/>
+                          <a:ea typeface="宋体" panose="02010600030101010101" pitchFamily="2" charset="-122"/>
+                          <a:cs typeface="Times New Roman" panose="02020603050405020304" pitchFamily="18" charset="0"/>
+                        </a:rPr>
+                        <a:t>年</a:t>
+                      </a:r>
+                      <a:r>
+                        <a:rPr lang="en-US" sz="1200" kern="100">
+                          <a:effectLst/>
+                          <a:latin typeface="Calibri" panose="020F0502020204030204" pitchFamily="34" charset="0"/>
+                          <a:ea typeface="宋体" panose="02010600030101010101" pitchFamily="2" charset="-122"/>
+                          <a:cs typeface="Times New Roman" panose="02020603050405020304" pitchFamily="18" charset="0"/>
+                        </a:rPr>
+                        <a:t>11</a:t>
+                      </a:r>
+                      <a:r>
+                        <a:rPr lang="zh-CN" sz="1200" kern="100">
+                          <a:effectLst/>
+                          <a:latin typeface="Calibri" panose="020F0502020204030204" pitchFamily="34" charset="0"/>
+                          <a:ea typeface="宋体" panose="02010600030101010101" pitchFamily="2" charset="-122"/>
+                          <a:cs typeface="Times New Roman" panose="02020603050405020304" pitchFamily="18" charset="0"/>
+                        </a:rPr>
+                        <a:t>月</a:t>
+                      </a:r>
+                      <a:r>
+                        <a:rPr lang="en-US" sz="1200" kern="100">
+                          <a:effectLst/>
+                          <a:latin typeface="Calibri" panose="020F0502020204030204" pitchFamily="34" charset="0"/>
+                          <a:ea typeface="宋体" panose="02010600030101010101" pitchFamily="2" charset="-122"/>
+                          <a:cs typeface="Times New Roman" panose="02020603050405020304" pitchFamily="18" charset="0"/>
+                        </a:rPr>
+                        <a:t>4</a:t>
+                      </a:r>
+                      <a:r>
+                        <a:rPr lang="zh-CN" sz="1200" kern="100">
+                          <a:effectLst/>
+                          <a:latin typeface="Calibri" panose="020F0502020204030204" pitchFamily="34" charset="0"/>
+                          <a:ea typeface="宋体" panose="02010600030101010101" pitchFamily="2" charset="-122"/>
+                          <a:cs typeface="Times New Roman" panose="02020603050405020304" pitchFamily="18" charset="0"/>
+                        </a:rPr>
+                        <a:t>日</a:t>
+                      </a:r>
+                      <a:endParaRPr lang="zh-CN" sz="1050" kern="100">
+                        <a:effectLst/>
+                        <a:latin typeface="Calibri" panose="020F0502020204030204" pitchFamily="34" charset="0"/>
+                        <a:ea typeface="宋体" panose="02010600030101010101" pitchFamily="2" charset="-122"/>
+                        <a:cs typeface="Times New Roman" panose="02020603050405020304" pitchFamily="18" charset="0"/>
+                      </a:endParaRPr>
+                    </a:p>
+                  </a:txBody>
+                  <a:tcPr marL="68580" marR="68580" marT="0" marB="0">
+                    <a:lnL w="12700" cap="flat" cmpd="sng" algn="ctr">
+                      <a:solidFill>
+                        <a:srgbClr val="000000"/>
+                      </a:solidFill>
+                      <a:prstDash val="solid"/>
+                      <a:round/>
+                      <a:headEnd type="none" w="med" len="med"/>
+                      <a:tailEnd type="none" w="med" len="med"/>
+                    </a:lnL>
+                    <a:lnR w="12700" cap="flat" cmpd="sng" algn="ctr">
+                      <a:solidFill>
+                        <a:srgbClr val="000000"/>
+                      </a:solidFill>
+                      <a:prstDash val="solid"/>
+                      <a:round/>
+                      <a:headEnd type="none" w="med" len="med"/>
+                      <a:tailEnd type="none" w="med" len="med"/>
+                    </a:lnR>
+                    <a:lnT w="12700" cap="flat" cmpd="sng" algn="ctr">
+                      <a:solidFill>
+                        <a:srgbClr val="000000"/>
+                      </a:solidFill>
+                      <a:prstDash val="solid"/>
+                      <a:round/>
+                      <a:headEnd type="none" w="med" len="med"/>
+                      <a:tailEnd type="none" w="med" len="med"/>
+                    </a:lnT>
+                    <a:lnB w="12700" cap="flat" cmpd="sng" algn="ctr">
+                      <a:solidFill>
+                        <a:srgbClr val="000000"/>
+                      </a:solidFill>
+                      <a:prstDash val="solid"/>
+                      <a:round/>
+                      <a:headEnd type="none" w="med" len="med"/>
+                      <a:tailEnd type="none" w="med" len="med"/>
+                    </a:lnB>
+                  </a:tcPr>
+                </a:tc>
+                <a:tc>
+                  <a:txBody>
+                    <a:bodyPr/>
+                    <a:lstStyle/>
+                    <a:p>
+                      <a:pPr algn="l">
+                        <a:spcAft>
+                          <a:spcPts val="0"/>
+                        </a:spcAft>
+                      </a:pPr>
+                      <a:r>
+                        <a:rPr lang="zh-CN" sz="1200" kern="100">
+                          <a:effectLst/>
+                          <a:latin typeface="Calibri" panose="020F0502020204030204" pitchFamily="34" charset="0"/>
+                          <a:ea typeface="宋体" panose="02010600030101010101" pitchFamily="2" charset="-122"/>
+                          <a:cs typeface="Times New Roman" panose="02020603050405020304" pitchFamily="18" charset="0"/>
+                        </a:rPr>
+                        <a:t>成本管理子计划的修改</a:t>
+                      </a:r>
+                      <a:endParaRPr lang="zh-CN" sz="1050" kern="100">
+                        <a:effectLst/>
+                        <a:latin typeface="Calibri" panose="020F0502020204030204" pitchFamily="34" charset="0"/>
+                        <a:ea typeface="宋体" panose="02010600030101010101" pitchFamily="2" charset="-122"/>
+                        <a:cs typeface="Times New Roman" panose="02020603050405020304" pitchFamily="18" charset="0"/>
+                      </a:endParaRPr>
+                    </a:p>
+                  </a:txBody>
+                  <a:tcPr marL="68580" marR="68580" marT="0" marB="0">
+                    <a:lnL w="12700" cap="flat" cmpd="sng" algn="ctr">
+                      <a:solidFill>
+                        <a:srgbClr val="000000"/>
+                      </a:solidFill>
+                      <a:prstDash val="solid"/>
+                      <a:round/>
+                      <a:headEnd type="none" w="med" len="med"/>
+                      <a:tailEnd type="none" w="med" len="med"/>
+                    </a:lnL>
+                    <a:lnR w="12700" cap="flat" cmpd="sng" algn="ctr">
+                      <a:solidFill>
+                        <a:srgbClr val="000000"/>
+                      </a:solidFill>
+                      <a:prstDash val="solid"/>
+                      <a:round/>
+                      <a:headEnd type="none" w="med" len="med"/>
+                      <a:tailEnd type="none" w="med" len="med"/>
+                    </a:lnR>
+                    <a:lnT w="12700" cap="flat" cmpd="sng" algn="ctr">
+                      <a:solidFill>
+                        <a:srgbClr val="000000"/>
+                      </a:solidFill>
+                      <a:prstDash val="solid"/>
+                      <a:round/>
+                      <a:headEnd type="none" w="med" len="med"/>
+                      <a:tailEnd type="none" w="med" len="med"/>
+                    </a:lnT>
+                    <a:lnB w="12700" cap="flat" cmpd="sng" algn="ctr">
+                      <a:solidFill>
+                        <a:srgbClr val="000000"/>
+                      </a:solidFill>
+                      <a:prstDash val="solid"/>
+                      <a:round/>
+                      <a:headEnd type="none" w="med" len="med"/>
+                      <a:tailEnd type="none" w="med" len="med"/>
+                    </a:lnB>
+                  </a:tcPr>
+                </a:tc>
+                <a:tc>
+                  <a:txBody>
+                    <a:bodyPr/>
+                    <a:lstStyle/>
+                    <a:p>
+                      <a:pPr algn="l">
+                        <a:spcAft>
+                          <a:spcPts val="0"/>
+                        </a:spcAft>
+                      </a:pPr>
+                      <a:r>
+                        <a:rPr lang="en-US" sz="1200" kern="100" dirty="0">
+                          <a:effectLst/>
+                          <a:latin typeface="宋体" panose="02010600030101010101" pitchFamily="2" charset="-122"/>
+                          <a:ea typeface="宋体" panose="02010600030101010101" pitchFamily="2" charset="-122"/>
+                          <a:cs typeface="Times New Roman" panose="02020603050405020304" pitchFamily="18" charset="0"/>
+                        </a:rPr>
+                        <a:t>G18</a:t>
+                      </a:r>
+                      <a:endParaRPr lang="zh-CN" sz="1050" kern="100" dirty="0">
+                        <a:effectLst/>
+                        <a:latin typeface="Calibri" panose="020F0502020204030204" pitchFamily="34" charset="0"/>
+                        <a:ea typeface="宋体" panose="02010600030101010101" pitchFamily="2" charset="-122"/>
+                        <a:cs typeface="Times New Roman" panose="02020603050405020304" pitchFamily="18" charset="0"/>
+                      </a:endParaRPr>
+                    </a:p>
+                  </a:txBody>
+                  <a:tcPr marL="68580" marR="68580" marT="0" marB="0">
+                    <a:lnL w="12700" cap="flat" cmpd="sng" algn="ctr">
+                      <a:solidFill>
+                        <a:srgbClr val="000000"/>
+                      </a:solidFill>
+                      <a:prstDash val="solid"/>
+                      <a:round/>
+                      <a:headEnd type="none" w="med" len="med"/>
+                      <a:tailEnd type="none" w="med" len="med"/>
+                    </a:lnL>
+                    <a:lnR w="12700" cap="flat" cmpd="sng" algn="ctr">
+                      <a:solidFill>
+                        <a:srgbClr val="000000"/>
+                      </a:solidFill>
+                      <a:prstDash val="solid"/>
+                      <a:round/>
+                      <a:headEnd type="none" w="med" len="med"/>
+                      <a:tailEnd type="none" w="med" len="med"/>
+                    </a:lnR>
+                    <a:lnT w="12700" cap="flat" cmpd="sng" algn="ctr">
+                      <a:solidFill>
+                        <a:srgbClr val="000000"/>
+                      </a:solidFill>
+                      <a:prstDash val="solid"/>
+                      <a:round/>
+                      <a:headEnd type="none" w="med" len="med"/>
+                      <a:tailEnd type="none" w="med" len="med"/>
+                    </a:lnT>
+                    <a:lnB w="12700" cap="flat" cmpd="sng" algn="ctr">
+                      <a:solidFill>
+                        <a:srgbClr val="000000"/>
+                      </a:solidFill>
+                      <a:prstDash val="solid"/>
+                      <a:round/>
+                      <a:headEnd type="none" w="med" len="med"/>
+                      <a:tailEnd type="none" w="med" len="med"/>
+                    </a:lnB>
+                  </a:tcPr>
+                </a:tc>
+                <a:extLst>
+                  <a:ext uri="{0D108BD9-81ED-4DB2-BD59-A6C34878D82A}">
+                    <a16:rowId xmlns:a16="http://schemas.microsoft.com/office/drawing/2014/main" val="1710838350"/>
+                  </a:ext>
+                </a:extLst>
+              </a:tr>
+            </a:tbl>
+          </a:graphicData>
+        </a:graphic>
+      </p:graphicFrame>
     </p:spTree>
   </p:cSld>
   <p:clrMapOvr>
@@ -17377,7 +16231,7 @@
         </p:spPr>
         <p:txBody>
           <a:bodyPr>
-            <a:normAutofit fontScale="82500" lnSpcReduction="10000"/>
+            <a:normAutofit fontScale="90000" lnSpcReduction="20000"/>
           </a:bodyPr>
           <a:lstStyle/>
           <a:p>
@@ -23604,9 +22458,9 @@
         <p:grpSpPr>
           <a:xfrm>
             <a:off x="7884160" y="5488940"/>
-            <a:ext cx="3253740" cy="727710"/>
+            <a:ext cx="3253740" cy="1022985"/>
             <a:chOff x="12416" y="8644"/>
-            <a:chExt cx="5124" cy="1146"/>
+            <a:chExt cx="5124" cy="1611"/>
           </a:xfrm>
         </p:grpSpPr>
         <p:sp>
@@ -23942,7 +22796,7 @@
           <p:spPr>
             <a:xfrm>
               <a:off x="14101" y="8752"/>
-              <a:ext cx="3439" cy="822"/>
+              <a:ext cx="3439" cy="1503"/>
             </a:xfrm>
             <a:prstGeom prst="rect">
               <a:avLst/>
@@ -23968,6 +22822,23 @@
                 </a:rPr>
                 <a:t>小组评价</a:t>
               </a:r>
+              <a:r>
+                <a:rPr lang="zh-CN" altLang="en-US" sz="2800" dirty="0">
+                  <a:solidFill>
+                    <a:srgbClr val="002B41"/>
+                  </a:solidFill>
+                  <a:latin typeface="微软雅黑" panose="020B0503020204020204" pitchFamily="34" charset="-122"/>
+                  <a:ea typeface="微软雅黑" panose="020B0503020204020204" pitchFamily="34" charset="-122"/>
+                </a:rPr>
+                <a:t>及参考资料</a:t>
+              </a:r>
+              <a:endParaRPr lang="zh-CN" sz="2800" dirty="0">
+                <a:solidFill>
+                  <a:srgbClr val="002B41"/>
+                </a:solidFill>
+                <a:latin typeface="微软雅黑" panose="020B0503020204020204" pitchFamily="34" charset="-122"/>
+                <a:ea typeface="微软雅黑" panose="020B0503020204020204" pitchFamily="34" charset="-122"/>
+              </a:endParaRPr>
             </a:p>
           </p:txBody>
         </p:sp>
@@ -33709,20 +32580,12 @@
               <a:t>QA</a:t>
             </a:r>
             <a:r>
-              <a:rPr lang="zh-CN" altLang="en-US">
-                <a:latin typeface="微软雅黑" panose="020B0503020204020204" pitchFamily="34" charset="-122"/>
-                <a:ea typeface="微软雅黑" panose="020B0503020204020204" pitchFamily="34" charset="-122"/>
-                <a:cs typeface="微软雅黑" panose="020B0503020204020204" pitchFamily="34" charset="-122"/>
-              </a:rPr>
-              <a:t>计划，搜集</a:t>
-            </a:r>
-            <a:r>
               <a:rPr lang="zh-CN" altLang="en-US" dirty="0">
                 <a:latin typeface="微软雅黑" panose="020B0503020204020204" pitchFamily="34" charset="-122"/>
                 <a:ea typeface="微软雅黑" panose="020B0503020204020204" pitchFamily="34" charset="-122"/>
                 <a:cs typeface="微软雅黑" panose="020B0503020204020204" pitchFamily="34" charset="-122"/>
               </a:rPr>
-              <a:t>整理资料。</a:t>
+              <a:t>计划，搜集整理资料。</a:t>
             </a:r>
             <a:r>
               <a:rPr lang="en-US" altLang="zh-CN" dirty="0">
@@ -33894,6 +32757,304 @@
 </file>
 
 <file path=ppt/slides/slide56.xml><?xml version="1.0" encoding="utf-8"?>
+<p:sld xmlns:a="http://schemas.openxmlformats.org/drawingml/2006/main" xmlns:r="http://schemas.openxmlformats.org/officeDocument/2006/relationships" xmlns:p="http://schemas.openxmlformats.org/presentationml/2006/main">
+  <p:cSld>
+    <p:spTree>
+      <p:nvGrpSpPr>
+        <p:cNvPr id="1" name=""/>
+        <p:cNvGrpSpPr/>
+        <p:nvPr/>
+      </p:nvGrpSpPr>
+      <p:grpSpPr>
+        <a:xfrm>
+          <a:off x="0" y="0"/>
+          <a:ext cx="0" cy="0"/>
+          <a:chOff x="0" y="0"/>
+          <a:chExt cx="0" cy="0"/>
+        </a:xfrm>
+      </p:grpSpPr>
+      <p:sp>
+        <p:nvSpPr>
+          <p:cNvPr id="3" name="内容占位符 2"/>
+          <p:cNvSpPr>
+            <a:spLocks noGrp="1"/>
+          </p:cNvSpPr>
+          <p:nvPr>
+            <p:ph idx="1"/>
+          </p:nvPr>
+        </p:nvSpPr>
+        <p:spPr>
+          <a:xfrm>
+            <a:off x="598503" y="636018"/>
+            <a:ext cx="10515600" cy="4932045"/>
+          </a:xfrm>
+        </p:spPr>
+        <p:txBody>
+          <a:bodyPr>
+            <a:normAutofit/>
+          </a:bodyPr>
+          <a:lstStyle/>
+          <a:p>
+            <a:pPr marL="0" indent="0">
+              <a:buNone/>
+            </a:pPr>
+            <a:r>
+              <a:rPr lang="zh-CN" altLang="en-US" dirty="0">
+                <a:latin typeface="微软雅黑" panose="020B0503020204020204" pitchFamily="34" charset="-122"/>
+                <a:ea typeface="微软雅黑" panose="020B0503020204020204" pitchFamily="34" charset="-122"/>
+                <a:cs typeface="微软雅黑" panose="020B0503020204020204" pitchFamily="34" charset="-122"/>
+              </a:rPr>
+              <a:t>参考资料</a:t>
+            </a:r>
+            <a:endParaRPr lang="en-US" altLang="zh-CN" dirty="0">
+              <a:latin typeface="微软雅黑" panose="020B0503020204020204" pitchFamily="34" charset="-122"/>
+              <a:ea typeface="微软雅黑" panose="020B0503020204020204" pitchFamily="34" charset="-122"/>
+              <a:cs typeface="微软雅黑" panose="020B0503020204020204" pitchFamily="34" charset="-122"/>
+            </a:endParaRPr>
+          </a:p>
+          <a:p>
+            <a:r>
+              <a:rPr lang="en-US" altLang="zh-CN" dirty="0">
+                <a:latin typeface="微软雅黑" panose="020B0503020204020204" pitchFamily="34" charset="-122"/>
+                <a:ea typeface="微软雅黑" panose="020B0503020204020204" pitchFamily="34" charset="-122"/>
+                <a:cs typeface="微软雅黑" panose="020B0503020204020204" pitchFamily="34" charset="-122"/>
+                <a:sym typeface="+mn-ea"/>
+              </a:rPr>
+              <a:t>【1】</a:t>
+            </a:r>
+            <a:r>
+              <a:rPr lang="zh-CN" altLang="zh-CN" dirty="0">
+                <a:latin typeface="微软雅黑" panose="020B0503020204020204" pitchFamily="34" charset="-122"/>
+                <a:ea typeface="微软雅黑" panose="020B0503020204020204" pitchFamily="34" charset="-122"/>
+                <a:cs typeface="微软雅黑" panose="020B0503020204020204" pitchFamily="34" charset="-122"/>
+                <a:sym typeface="+mn-ea"/>
+              </a:rPr>
+              <a:t>《</a:t>
+            </a:r>
+            <a:r>
+              <a:rPr lang="en-US" altLang="zh-CN" dirty="0">
+                <a:latin typeface="微软雅黑" panose="020B0503020204020204" pitchFamily="34" charset="-122"/>
+                <a:ea typeface="微软雅黑" panose="020B0503020204020204" pitchFamily="34" charset="-122"/>
+                <a:cs typeface="微软雅黑" panose="020B0503020204020204" pitchFamily="34" charset="-122"/>
+                <a:sym typeface="+mn-ea"/>
+              </a:rPr>
+              <a:t>GB/T 8567 ——2006</a:t>
+            </a:r>
+            <a:r>
+              <a:rPr lang="zh-CN" altLang="zh-CN" dirty="0">
+                <a:latin typeface="微软雅黑" panose="020B0503020204020204" pitchFamily="34" charset="-122"/>
+                <a:ea typeface="微软雅黑" panose="020B0503020204020204" pitchFamily="34" charset="-122"/>
+                <a:cs typeface="微软雅黑" panose="020B0503020204020204" pitchFamily="34" charset="-122"/>
+                <a:sym typeface="+mn-ea"/>
+              </a:rPr>
+              <a:t>》</a:t>
+            </a:r>
+          </a:p>
+          <a:p>
+            <a:r>
+              <a:rPr lang="en-US" altLang="zh-CN" dirty="0">
+                <a:latin typeface="微软雅黑" panose="020B0503020204020204" pitchFamily="34" charset="-122"/>
+                <a:ea typeface="微软雅黑" panose="020B0503020204020204" pitchFamily="34" charset="-122"/>
+                <a:cs typeface="微软雅黑" panose="020B0503020204020204" pitchFamily="34" charset="-122"/>
+                <a:sym typeface="+mn-ea"/>
+              </a:rPr>
+              <a:t>【2】</a:t>
+            </a:r>
+            <a:r>
+              <a:rPr lang="zh-CN" altLang="zh-CN" dirty="0">
+                <a:latin typeface="微软雅黑" panose="020B0503020204020204" pitchFamily="34" charset="-122"/>
+                <a:ea typeface="微软雅黑" panose="020B0503020204020204" pitchFamily="34" charset="-122"/>
+                <a:cs typeface="微软雅黑" panose="020B0503020204020204" pitchFamily="34" charset="-122"/>
+                <a:sym typeface="+mn-ea"/>
+              </a:rPr>
+              <a:t>《软件需求》</a:t>
+            </a:r>
+          </a:p>
+          <a:p>
+            <a:r>
+              <a:rPr lang="en-US" altLang="zh-CN" dirty="0">
+                <a:latin typeface="微软雅黑" panose="020B0503020204020204" pitchFamily="34" charset="-122"/>
+                <a:ea typeface="微软雅黑" panose="020B0503020204020204" pitchFamily="34" charset="-122"/>
+                <a:cs typeface="微软雅黑" panose="020B0503020204020204" pitchFamily="34" charset="-122"/>
+                <a:sym typeface="+mn-ea"/>
+              </a:rPr>
+              <a:t>【3】</a:t>
+            </a:r>
+            <a:r>
+              <a:rPr lang="zh-CN" altLang="zh-CN" dirty="0">
+                <a:latin typeface="微软雅黑" panose="020B0503020204020204" pitchFamily="34" charset="-122"/>
+                <a:ea typeface="微软雅黑" panose="020B0503020204020204" pitchFamily="34" charset="-122"/>
+                <a:cs typeface="微软雅黑" panose="020B0503020204020204" pitchFamily="34" charset="-122"/>
+                <a:sym typeface="+mn-ea"/>
+              </a:rPr>
+              <a:t>《</a:t>
+            </a:r>
+            <a:r>
+              <a:rPr lang="en-US" altLang="zh-CN" dirty="0">
+                <a:latin typeface="微软雅黑" panose="020B0503020204020204" pitchFamily="34" charset="-122"/>
+                <a:ea typeface="微软雅黑" panose="020B0503020204020204" pitchFamily="34" charset="-122"/>
+                <a:cs typeface="微软雅黑" panose="020B0503020204020204" pitchFamily="34" charset="-122"/>
+                <a:sym typeface="+mn-ea"/>
+              </a:rPr>
+              <a:t>IT</a:t>
+            </a:r>
+            <a:r>
+              <a:rPr lang="zh-CN" altLang="zh-CN" dirty="0">
+                <a:latin typeface="微软雅黑" panose="020B0503020204020204" pitchFamily="34" charset="-122"/>
+                <a:ea typeface="微软雅黑" panose="020B0503020204020204" pitchFamily="34" charset="-122"/>
+                <a:cs typeface="微软雅黑" panose="020B0503020204020204" pitchFamily="34" charset="-122"/>
+                <a:sym typeface="+mn-ea"/>
+              </a:rPr>
+              <a:t>项目管理》</a:t>
+            </a:r>
+          </a:p>
+          <a:p>
+            <a:r>
+              <a:rPr lang="en-US" altLang="zh-CN" dirty="0">
+                <a:latin typeface="微软雅黑" panose="020B0503020204020204" pitchFamily="34" charset="-122"/>
+                <a:ea typeface="微软雅黑" panose="020B0503020204020204" pitchFamily="34" charset="-122"/>
+                <a:cs typeface="微软雅黑" panose="020B0503020204020204" pitchFamily="34" charset="-122"/>
+                <a:sym typeface="+mn-ea"/>
+              </a:rPr>
+              <a:t>【4】</a:t>
+            </a:r>
+            <a:r>
+              <a:rPr lang="zh-CN" altLang="zh-CN" dirty="0">
+                <a:latin typeface="微软雅黑" panose="020B0503020204020204" pitchFamily="34" charset="-122"/>
+                <a:ea typeface="微软雅黑" panose="020B0503020204020204" pitchFamily="34" charset="-122"/>
+                <a:cs typeface="微软雅黑" panose="020B0503020204020204" pitchFamily="34" charset="-122"/>
+                <a:sym typeface="+mn-ea"/>
+              </a:rPr>
+              <a:t>《软件质量保证与测试》</a:t>
+            </a:r>
+            <a:endParaRPr lang="zh-CN" altLang="en-US" dirty="0">
+              <a:latin typeface="微软雅黑" panose="020B0503020204020204" pitchFamily="34" charset="-122"/>
+              <a:ea typeface="微软雅黑" panose="020B0503020204020204" pitchFamily="34" charset="-122"/>
+              <a:cs typeface="微软雅黑" panose="020B0503020204020204" pitchFamily="34" charset="-122"/>
+            </a:endParaRPr>
+          </a:p>
+          <a:p>
+            <a:pPr marL="0" indent="0">
+              <a:buNone/>
+            </a:pPr>
+            <a:endParaRPr lang="zh-CN" altLang="en-US" dirty="0">
+              <a:latin typeface="微软雅黑" panose="020B0503020204020204" pitchFamily="34" charset="-122"/>
+              <a:ea typeface="微软雅黑" panose="020B0503020204020204" pitchFamily="34" charset="-122"/>
+              <a:cs typeface="微软雅黑" panose="020B0503020204020204" pitchFamily="34" charset="-122"/>
+            </a:endParaRPr>
+          </a:p>
+        </p:txBody>
+      </p:sp>
+      <p:sp>
+        <p:nvSpPr>
+          <p:cNvPr id="4" name="Freeform 5"/>
+          <p:cNvSpPr/>
+          <p:nvPr/>
+        </p:nvSpPr>
+        <p:spPr bwMode="auto">
+          <a:xfrm flipH="1">
+            <a:off x="0" y="-13281"/>
+            <a:ext cx="409433" cy="832147"/>
+          </a:xfrm>
+          <a:custGeom>
+            <a:avLst/>
+            <a:gdLst>
+              <a:gd name="T0" fmla="*/ 1462 w 2332"/>
+              <a:gd name="T1" fmla="*/ 0 h 3907"/>
+              <a:gd name="T2" fmla="*/ 2332 w 2332"/>
+              <a:gd name="T3" fmla="*/ 0 h 3907"/>
+              <a:gd name="T4" fmla="*/ 2332 w 2332"/>
+              <a:gd name="T5" fmla="*/ 3907 h 3907"/>
+              <a:gd name="T6" fmla="*/ 0 w 2332"/>
+              <a:gd name="T7" fmla="*/ 2595 h 3907"/>
+              <a:gd name="T8" fmla="*/ 1462 w 2332"/>
+              <a:gd name="T9" fmla="*/ 0 h 3907"/>
+            </a:gdLst>
+            <a:ahLst/>
+            <a:cxnLst>
+              <a:cxn ang="0">
+                <a:pos x="T0" y="T1"/>
+              </a:cxn>
+              <a:cxn ang="0">
+                <a:pos x="T2" y="T3"/>
+              </a:cxn>
+              <a:cxn ang="0">
+                <a:pos x="T4" y="T5"/>
+              </a:cxn>
+              <a:cxn ang="0">
+                <a:pos x="T6" y="T7"/>
+              </a:cxn>
+              <a:cxn ang="0">
+                <a:pos x="T8" y="T9"/>
+              </a:cxn>
+            </a:cxnLst>
+            <a:rect l="0" t="0" r="r" b="b"/>
+            <a:pathLst>
+              <a:path w="2332" h="3907">
+                <a:moveTo>
+                  <a:pt x="1462" y="0"/>
+                </a:moveTo>
+                <a:lnTo>
+                  <a:pt x="2332" y="0"/>
+                </a:lnTo>
+                <a:lnTo>
+                  <a:pt x="2332" y="3907"/>
+                </a:lnTo>
+                <a:lnTo>
+                  <a:pt x="0" y="2595"/>
+                </a:lnTo>
+                <a:lnTo>
+                  <a:pt x="1462" y="0"/>
+                </a:lnTo>
+                <a:close/>
+              </a:path>
+            </a:pathLst>
+          </a:custGeom>
+          <a:solidFill>
+            <a:srgbClr val="002B41"/>
+          </a:solidFill>
+          <a:ln w="28575">
+            <a:noFill/>
+          </a:ln>
+          <a:effectLst>
+            <a:outerShdw blurRad="254000" dist="127000" dir="2700000" algn="tl" rotWithShape="0">
+              <a:prstClr val="black">
+                <a:alpha val="40000"/>
+              </a:prstClr>
+            </a:outerShdw>
+          </a:effectLst>
+        </p:spPr>
+        <p:txBody>
+          <a:bodyPr anchor="ctr"/>
+          <a:lstStyle/>
+          <a:p>
+            <a:pPr algn="ctr"/>
+            <a:endParaRPr lang="zh-CN" altLang="en-US" sz="2000">
+              <a:solidFill>
+                <a:schemeClr val="bg1">
+                  <a:lumMod val="95000"/>
+                </a:schemeClr>
+              </a:solidFill>
+              <a:latin typeface="Calibri" panose="020F0502020204030204" pitchFamily="34" charset="0"/>
+              <a:ea typeface="宋体" panose="02010600030101010101" pitchFamily="2" charset="-122"/>
+            </a:endParaRPr>
+          </a:p>
+        </p:txBody>
+      </p:sp>
+    </p:spTree>
+    <p:extLst>
+      <p:ext uri="{BB962C8B-B14F-4D97-AF65-F5344CB8AC3E}">
+        <p14:creationId xmlns:p14="http://schemas.microsoft.com/office/powerpoint/2010/main" val="3321243338"/>
+      </p:ext>
+    </p:extLst>
+  </p:cSld>
+  <p:clrMapOvr>
+    <a:masterClrMapping/>
+  </p:clrMapOvr>
+</p:sld>
+</file>
+
+<file path=ppt/slides/slide57.xml><?xml version="1.0" encoding="utf-8"?>
 <p:sld xmlns:a="http://schemas.openxmlformats.org/drawingml/2006/main" xmlns:r="http://schemas.openxmlformats.org/officeDocument/2006/relationships" xmlns:p="http://schemas.openxmlformats.org/presentationml/2006/main">
   <p:cSld>
     <p:spTree>
